--- a/docs/Milestone4Presentation.pptx
+++ b/docs/Milestone4Presentation.pptx
@@ -29,31 +29,23 @@
     <p:sldId id="274" r:id="rId25"/>
     <p:sldId id="275" r:id="rId26"/>
     <p:sldId id="276" r:id="rId27"/>
-    <p:sldId id="277" r:id="rId28"/>
-    <p:sldId id="278" r:id="rId29"/>
-    <p:sldId id="279" r:id="rId30"/>
-    <p:sldId id="280" r:id="rId31"/>
-    <p:sldId id="281" r:id="rId32"/>
-    <p:sldId id="282" r:id="rId33"/>
-    <p:sldId id="283" r:id="rId34"/>
-    <p:sldId id="284" r:id="rId35"/>
   </p:sldIdLst>
   <p:sldSz cy="5143500" cx="9144000"/>
   <p:notesSz cx="6858000" cy="9144000"/>
   <p:embeddedFontLst>
     <p:embeddedFont>
       <p:font typeface="Montserrat"/>
-      <p:regular r:id="rId36"/>
-      <p:bold r:id="rId37"/>
-      <p:italic r:id="rId38"/>
-      <p:boldItalic r:id="rId39"/>
+      <p:regular r:id="rId28"/>
+      <p:bold r:id="rId29"/>
+      <p:italic r:id="rId30"/>
+      <p:boldItalic r:id="rId31"/>
     </p:embeddedFont>
     <p:embeddedFont>
       <p:font typeface="Lato"/>
-      <p:regular r:id="rId40"/>
-      <p:bold r:id="rId41"/>
-      <p:italic r:id="rId42"/>
-      <p:boldItalic r:id="rId43"/>
+      <p:regular r:id="rId32"/>
+      <p:bold r:id="rId33"/>
+      <p:italic r:id="rId34"/>
+      <p:boldItalic r:id="rId35"/>
     </p:embeddedFont>
   </p:embeddedFontLst>
   <p:defaultTextStyle>
@@ -1772,7 +1764,7 @@
       </p:grpSpPr>
       <p:sp>
         <p:nvSpPr>
-          <p:cNvPr id="245" name="Google Shape;245;g7e0fa2b5d8_0_423:notes"/>
+          <p:cNvPr id="245" name="Google Shape;245;g7e0fa2b5d8_0_427:notes"/>
           <p:cNvSpPr/>
           <p:nvPr>
             <p:ph idx="2" type="sldImg"/>
@@ -1807,7 +1799,7 @@
       </p:sp>
       <p:sp>
         <p:nvSpPr>
-          <p:cNvPr id="246" name="Google Shape;246;g7e0fa2b5d8_0_423:notes"/>
+          <p:cNvPr id="246" name="Google Shape;246;g7e0fa2b5d8_0_427:notes"/>
           <p:cNvSpPr txBox="1"/>
           <p:nvPr>
             <p:ph idx="1" type="body"/>
@@ -1956,7 +1948,7 @@
   <p:cSld>
     <p:spTree>
       <p:nvGrpSpPr>
-        <p:cNvPr id="249" name="Shape 249"/>
+        <p:cNvPr id="250" name="Shape 250"/>
         <p:cNvGrpSpPr/>
         <p:nvPr/>
       </p:nvGrpSpPr>
@@ -1970,7 +1962,7 @@
       </p:grpSpPr>
       <p:sp>
         <p:nvSpPr>
-          <p:cNvPr id="250" name="Google Shape;250;g7e0fa2b5d8_0_427:notes"/>
+          <p:cNvPr id="251" name="Google Shape;251;g7e0fa2b5d8_0_423:notes"/>
           <p:cNvSpPr/>
           <p:nvPr>
             <p:ph idx="2" type="sldImg"/>
@@ -2005,7 +1997,7 @@
       </p:sp>
       <p:sp>
         <p:nvSpPr>
-          <p:cNvPr id="251" name="Google Shape;251;g7e0fa2b5d8_0_427:notes"/>
+          <p:cNvPr id="252" name="Google Shape;252;g7e0fa2b5d8_0_423:notes"/>
           <p:cNvSpPr txBox="1"/>
           <p:nvPr>
             <p:ph idx="1" type="body"/>
@@ -2069,7 +2061,7 @@
       </p:grpSpPr>
       <p:sp>
         <p:nvSpPr>
-          <p:cNvPr id="256" name="Google Shape;256;g7e0fa2b5d8_0_432:notes"/>
+          <p:cNvPr id="256" name="Google Shape;256;g7e0fa2b5d8_0_442:notes"/>
           <p:cNvSpPr/>
           <p:nvPr>
             <p:ph idx="2" type="sldImg"/>
@@ -2104,799 +2096,7 @@
       </p:sp>
       <p:sp>
         <p:nvSpPr>
-          <p:cNvPr id="257" name="Google Shape;257;g7e0fa2b5d8_0_432:notes"/>
-          <p:cNvSpPr txBox="1"/>
-          <p:nvPr>
-            <p:ph idx="1" type="body"/>
-          </p:nvPr>
-        </p:nvSpPr>
-        <p:spPr>
-          <a:xfrm>
-            <a:off x="685800" y="4343400"/>
-            <a:ext cx="5486400" cy="4114800"/>
-          </a:xfrm>
-          <a:prstGeom prst="rect">
-            <a:avLst/>
-          </a:prstGeom>
-        </p:spPr>
-        <p:txBody>
-          <a:bodyPr anchorCtr="0" anchor="t" bIns="91425" lIns="91425" spcFirstLastPara="1" rIns="91425" wrap="square" tIns="91425">
-            <a:noAutofit/>
-          </a:bodyPr>
-          <a:lstStyle/>
-          <a:p>
-            <a:pPr indent="0" lvl="0" marL="0" rtl="0" algn="l">
-              <a:spcBef>
-                <a:spcPts val="0"/>
-              </a:spcBef>
-              <a:spcAft>
-                <a:spcPts val="0"/>
-              </a:spcAft>
-              <a:buNone/>
-            </a:pPr>
-            <a:r>
-              <a:t/>
-            </a:r>
-            <a:endParaRPr/>
-          </a:p>
-        </p:txBody>
-      </p:sp>
-    </p:spTree>
-  </p:cSld>
-  <p:clrMapOvr>
-    <a:masterClrMapping/>
-  </p:clrMapOvr>
-</p:notes>
-</file>
-
-<file path=ppt/notesSlides/notesSlide22.xml><?xml version="1.0" encoding="utf-8"?>
-<p:notes xmlns:a="http://schemas.openxmlformats.org/drawingml/2006/main" xmlns:r="http://schemas.openxmlformats.org/officeDocument/2006/relationships" xmlns:mc="http://schemas.openxmlformats.org/markup-compatibility/2006" xmlns:mv="urn:schemas-microsoft-com:mac:vml" xmlns:p="http://schemas.openxmlformats.org/presentationml/2006/main" xmlns:c="http://schemas.openxmlformats.org/drawingml/2006/chart" xmlns:dgm="http://schemas.openxmlformats.org/drawingml/2006/diagram" xmlns:o="urn:schemas-microsoft-com:office:office" xmlns:v="urn:schemas-microsoft-com:vml" xmlns:pvml="urn:schemas-microsoft-com:office:powerpoint" xmlns:com="http://schemas.openxmlformats.org/drawingml/2006/compatibility" xmlns:p14="http://schemas.microsoft.com/office/powerpoint/2010/main" xmlns:p15="http://schemas.microsoft.com/office/powerpoint/2012/main" showMasterPhAnim="0" showMasterSp="0">
-  <p:cSld>
-    <p:spTree>
-      <p:nvGrpSpPr>
-        <p:cNvPr id="261" name="Shape 261"/>
-        <p:cNvGrpSpPr/>
-        <p:nvPr/>
-      </p:nvGrpSpPr>
-      <p:grpSpPr>
-        <a:xfrm>
-          <a:off x="0" y="0"/>
-          <a:ext cx="0" cy="0"/>
-          <a:chOff x="0" y="0"/>
-          <a:chExt cx="0" cy="0"/>
-        </a:xfrm>
-      </p:grpSpPr>
-      <p:sp>
-        <p:nvSpPr>
-          <p:cNvPr id="262" name="Google Shape;262;g7e0fa2b5d8_0_437:notes"/>
-          <p:cNvSpPr/>
-          <p:nvPr>
-            <p:ph idx="2" type="sldImg"/>
-          </p:nvPr>
-        </p:nvSpPr>
-        <p:spPr>
-          <a:xfrm>
-            <a:off x="381300" y="685800"/>
-            <a:ext cx="6096000" cy="3429000"/>
-          </a:xfrm>
-          <a:custGeom>
-            <a:rect b="b" l="l" r="r" t="t"/>
-            <a:pathLst>
-              <a:path extrusionOk="0" h="120000" w="120000">
-                <a:moveTo>
-                  <a:pt x="0" y="0"/>
-                </a:moveTo>
-                <a:lnTo>
-                  <a:pt x="120000" y="0"/>
-                </a:lnTo>
-                <a:lnTo>
-                  <a:pt x="120000" y="120000"/>
-                </a:lnTo>
-                <a:lnTo>
-                  <a:pt x="0" y="120000"/>
-                </a:lnTo>
-                <a:close/>
-              </a:path>
-            </a:pathLst>
-          </a:custGeom>
-        </p:spPr>
-      </p:sp>
-      <p:sp>
-        <p:nvSpPr>
-          <p:cNvPr id="263" name="Google Shape;263;g7e0fa2b5d8_0_437:notes"/>
-          <p:cNvSpPr txBox="1"/>
-          <p:nvPr>
-            <p:ph idx="1" type="body"/>
-          </p:nvPr>
-        </p:nvSpPr>
-        <p:spPr>
-          <a:xfrm>
-            <a:off x="685800" y="4343400"/>
-            <a:ext cx="5486400" cy="4114800"/>
-          </a:xfrm>
-          <a:prstGeom prst="rect">
-            <a:avLst/>
-          </a:prstGeom>
-        </p:spPr>
-        <p:txBody>
-          <a:bodyPr anchorCtr="0" anchor="t" bIns="91425" lIns="91425" spcFirstLastPara="1" rIns="91425" wrap="square" tIns="91425">
-            <a:noAutofit/>
-          </a:bodyPr>
-          <a:lstStyle/>
-          <a:p>
-            <a:pPr indent="0" lvl="0" marL="0" rtl="0" algn="l">
-              <a:spcBef>
-                <a:spcPts val="0"/>
-              </a:spcBef>
-              <a:spcAft>
-                <a:spcPts val="0"/>
-              </a:spcAft>
-              <a:buNone/>
-            </a:pPr>
-            <a:r>
-              <a:t/>
-            </a:r>
-            <a:endParaRPr/>
-          </a:p>
-        </p:txBody>
-      </p:sp>
-    </p:spTree>
-  </p:cSld>
-  <p:clrMapOvr>
-    <a:masterClrMapping/>
-  </p:clrMapOvr>
-</p:notes>
-</file>
-
-<file path=ppt/notesSlides/notesSlide23.xml><?xml version="1.0" encoding="utf-8"?>
-<p:notes xmlns:a="http://schemas.openxmlformats.org/drawingml/2006/main" xmlns:r="http://schemas.openxmlformats.org/officeDocument/2006/relationships" xmlns:mc="http://schemas.openxmlformats.org/markup-compatibility/2006" xmlns:mv="urn:schemas-microsoft-com:mac:vml" xmlns:p="http://schemas.openxmlformats.org/presentationml/2006/main" xmlns:c="http://schemas.openxmlformats.org/drawingml/2006/chart" xmlns:dgm="http://schemas.openxmlformats.org/drawingml/2006/diagram" xmlns:o="urn:schemas-microsoft-com:office:office" xmlns:v="urn:schemas-microsoft-com:vml" xmlns:pvml="urn:schemas-microsoft-com:office:powerpoint" xmlns:com="http://schemas.openxmlformats.org/drawingml/2006/compatibility" xmlns:p14="http://schemas.microsoft.com/office/powerpoint/2010/main" xmlns:p15="http://schemas.microsoft.com/office/powerpoint/2012/main" showMasterPhAnim="0" showMasterSp="0">
-  <p:cSld>
-    <p:spTree>
-      <p:nvGrpSpPr>
-        <p:cNvPr id="267" name="Shape 267"/>
-        <p:cNvGrpSpPr/>
-        <p:nvPr/>
-      </p:nvGrpSpPr>
-      <p:grpSpPr>
-        <a:xfrm>
-          <a:off x="0" y="0"/>
-          <a:ext cx="0" cy="0"/>
-          <a:chOff x="0" y="0"/>
-          <a:chExt cx="0" cy="0"/>
-        </a:xfrm>
-      </p:grpSpPr>
-      <p:sp>
-        <p:nvSpPr>
-          <p:cNvPr id="268" name="Google Shape;268;g7e0fa2b5d8_0_442:notes"/>
-          <p:cNvSpPr/>
-          <p:nvPr>
-            <p:ph idx="2" type="sldImg"/>
-          </p:nvPr>
-        </p:nvSpPr>
-        <p:spPr>
-          <a:xfrm>
-            <a:off x="381300" y="685800"/>
-            <a:ext cx="6096000" cy="3429000"/>
-          </a:xfrm>
-          <a:custGeom>
-            <a:rect b="b" l="l" r="r" t="t"/>
-            <a:pathLst>
-              <a:path extrusionOk="0" h="120000" w="120000">
-                <a:moveTo>
-                  <a:pt x="0" y="0"/>
-                </a:moveTo>
-                <a:lnTo>
-                  <a:pt x="120000" y="0"/>
-                </a:lnTo>
-                <a:lnTo>
-                  <a:pt x="120000" y="120000"/>
-                </a:lnTo>
-                <a:lnTo>
-                  <a:pt x="0" y="120000"/>
-                </a:lnTo>
-                <a:close/>
-              </a:path>
-            </a:pathLst>
-          </a:custGeom>
-        </p:spPr>
-      </p:sp>
-      <p:sp>
-        <p:nvSpPr>
-          <p:cNvPr id="269" name="Google Shape;269;g7e0fa2b5d8_0_442:notes"/>
-          <p:cNvSpPr txBox="1"/>
-          <p:nvPr>
-            <p:ph idx="1" type="body"/>
-          </p:nvPr>
-        </p:nvSpPr>
-        <p:spPr>
-          <a:xfrm>
-            <a:off x="685800" y="4343400"/>
-            <a:ext cx="5486400" cy="4114800"/>
-          </a:xfrm>
-          <a:prstGeom prst="rect">
-            <a:avLst/>
-          </a:prstGeom>
-        </p:spPr>
-        <p:txBody>
-          <a:bodyPr anchorCtr="0" anchor="t" bIns="91425" lIns="91425" spcFirstLastPara="1" rIns="91425" wrap="square" tIns="91425">
-            <a:noAutofit/>
-          </a:bodyPr>
-          <a:lstStyle/>
-          <a:p>
-            <a:pPr indent="0" lvl="0" marL="0" rtl="0" algn="l">
-              <a:spcBef>
-                <a:spcPts val="0"/>
-              </a:spcBef>
-              <a:spcAft>
-                <a:spcPts val="0"/>
-              </a:spcAft>
-              <a:buNone/>
-            </a:pPr>
-            <a:r>
-              <a:t/>
-            </a:r>
-            <a:endParaRPr/>
-          </a:p>
-        </p:txBody>
-      </p:sp>
-    </p:spTree>
-  </p:cSld>
-  <p:clrMapOvr>
-    <a:masterClrMapping/>
-  </p:clrMapOvr>
-</p:notes>
-</file>
-
-<file path=ppt/notesSlides/notesSlide24.xml><?xml version="1.0" encoding="utf-8"?>
-<p:notes xmlns:a="http://schemas.openxmlformats.org/drawingml/2006/main" xmlns:r="http://schemas.openxmlformats.org/officeDocument/2006/relationships" xmlns:mc="http://schemas.openxmlformats.org/markup-compatibility/2006" xmlns:mv="urn:schemas-microsoft-com:mac:vml" xmlns:p="http://schemas.openxmlformats.org/presentationml/2006/main" xmlns:c="http://schemas.openxmlformats.org/drawingml/2006/chart" xmlns:dgm="http://schemas.openxmlformats.org/drawingml/2006/diagram" xmlns:o="urn:schemas-microsoft-com:office:office" xmlns:v="urn:schemas-microsoft-com:vml" xmlns:pvml="urn:schemas-microsoft-com:office:powerpoint" xmlns:com="http://schemas.openxmlformats.org/drawingml/2006/compatibility" xmlns:p14="http://schemas.microsoft.com/office/powerpoint/2010/main" xmlns:p15="http://schemas.microsoft.com/office/powerpoint/2012/main" showMasterPhAnim="0" showMasterSp="0">
-  <p:cSld>
-    <p:spTree>
-      <p:nvGrpSpPr>
-        <p:cNvPr id="273" name="Shape 273"/>
-        <p:cNvGrpSpPr/>
-        <p:nvPr/>
-      </p:nvGrpSpPr>
-      <p:grpSpPr>
-        <a:xfrm>
-          <a:off x="0" y="0"/>
-          <a:ext cx="0" cy="0"/>
-          <a:chOff x="0" y="0"/>
-          <a:chExt cx="0" cy="0"/>
-        </a:xfrm>
-      </p:grpSpPr>
-      <p:sp>
-        <p:nvSpPr>
-          <p:cNvPr id="274" name="Google Shape;274;g7e0fa2b5d8_0_447:notes"/>
-          <p:cNvSpPr/>
-          <p:nvPr>
-            <p:ph idx="2" type="sldImg"/>
-          </p:nvPr>
-        </p:nvSpPr>
-        <p:spPr>
-          <a:xfrm>
-            <a:off x="381300" y="685800"/>
-            <a:ext cx="6096000" cy="3429000"/>
-          </a:xfrm>
-          <a:custGeom>
-            <a:rect b="b" l="l" r="r" t="t"/>
-            <a:pathLst>
-              <a:path extrusionOk="0" h="120000" w="120000">
-                <a:moveTo>
-                  <a:pt x="0" y="0"/>
-                </a:moveTo>
-                <a:lnTo>
-                  <a:pt x="120000" y="0"/>
-                </a:lnTo>
-                <a:lnTo>
-                  <a:pt x="120000" y="120000"/>
-                </a:lnTo>
-                <a:lnTo>
-                  <a:pt x="0" y="120000"/>
-                </a:lnTo>
-                <a:close/>
-              </a:path>
-            </a:pathLst>
-          </a:custGeom>
-        </p:spPr>
-      </p:sp>
-      <p:sp>
-        <p:nvSpPr>
-          <p:cNvPr id="275" name="Google Shape;275;g7e0fa2b5d8_0_447:notes"/>
-          <p:cNvSpPr txBox="1"/>
-          <p:nvPr>
-            <p:ph idx="1" type="body"/>
-          </p:nvPr>
-        </p:nvSpPr>
-        <p:spPr>
-          <a:xfrm>
-            <a:off x="685800" y="4343400"/>
-            <a:ext cx="5486400" cy="4114800"/>
-          </a:xfrm>
-          <a:prstGeom prst="rect">
-            <a:avLst/>
-          </a:prstGeom>
-        </p:spPr>
-        <p:txBody>
-          <a:bodyPr anchorCtr="0" anchor="t" bIns="91425" lIns="91425" spcFirstLastPara="1" rIns="91425" wrap="square" tIns="91425">
-            <a:noAutofit/>
-          </a:bodyPr>
-          <a:lstStyle/>
-          <a:p>
-            <a:pPr indent="0" lvl="0" marL="0" rtl="0" algn="l">
-              <a:spcBef>
-                <a:spcPts val="0"/>
-              </a:spcBef>
-              <a:spcAft>
-                <a:spcPts val="0"/>
-              </a:spcAft>
-              <a:buNone/>
-            </a:pPr>
-            <a:r>
-              <a:t/>
-            </a:r>
-            <a:endParaRPr/>
-          </a:p>
-        </p:txBody>
-      </p:sp>
-    </p:spTree>
-  </p:cSld>
-  <p:clrMapOvr>
-    <a:masterClrMapping/>
-  </p:clrMapOvr>
-</p:notes>
-</file>
-
-<file path=ppt/notesSlides/notesSlide25.xml><?xml version="1.0" encoding="utf-8"?>
-<p:notes xmlns:a="http://schemas.openxmlformats.org/drawingml/2006/main" xmlns:r="http://schemas.openxmlformats.org/officeDocument/2006/relationships" xmlns:mc="http://schemas.openxmlformats.org/markup-compatibility/2006" xmlns:mv="urn:schemas-microsoft-com:mac:vml" xmlns:p="http://schemas.openxmlformats.org/presentationml/2006/main" xmlns:c="http://schemas.openxmlformats.org/drawingml/2006/chart" xmlns:dgm="http://schemas.openxmlformats.org/drawingml/2006/diagram" xmlns:o="urn:schemas-microsoft-com:office:office" xmlns:v="urn:schemas-microsoft-com:vml" xmlns:pvml="urn:schemas-microsoft-com:office:powerpoint" xmlns:com="http://schemas.openxmlformats.org/drawingml/2006/compatibility" xmlns:p14="http://schemas.microsoft.com/office/powerpoint/2010/main" xmlns:p15="http://schemas.microsoft.com/office/powerpoint/2012/main" showMasterPhAnim="0" showMasterSp="0">
-  <p:cSld>
-    <p:spTree>
-      <p:nvGrpSpPr>
-        <p:cNvPr id="285" name="Shape 285"/>
-        <p:cNvGrpSpPr/>
-        <p:nvPr/>
-      </p:nvGrpSpPr>
-      <p:grpSpPr>
-        <a:xfrm>
-          <a:off x="0" y="0"/>
-          <a:ext cx="0" cy="0"/>
-          <a:chOff x="0" y="0"/>
-          <a:chExt cx="0" cy="0"/>
-        </a:xfrm>
-      </p:grpSpPr>
-      <p:sp>
-        <p:nvSpPr>
-          <p:cNvPr id="286" name="Google Shape;286;g7e0fa2b5d8_0_458:notes"/>
-          <p:cNvSpPr/>
-          <p:nvPr>
-            <p:ph idx="2" type="sldImg"/>
-          </p:nvPr>
-        </p:nvSpPr>
-        <p:spPr>
-          <a:xfrm>
-            <a:off x="381300" y="685800"/>
-            <a:ext cx="6096000" cy="3429000"/>
-          </a:xfrm>
-          <a:custGeom>
-            <a:rect b="b" l="l" r="r" t="t"/>
-            <a:pathLst>
-              <a:path extrusionOk="0" h="120000" w="120000">
-                <a:moveTo>
-                  <a:pt x="0" y="0"/>
-                </a:moveTo>
-                <a:lnTo>
-                  <a:pt x="120000" y="0"/>
-                </a:lnTo>
-                <a:lnTo>
-                  <a:pt x="120000" y="120000"/>
-                </a:lnTo>
-                <a:lnTo>
-                  <a:pt x="0" y="120000"/>
-                </a:lnTo>
-                <a:close/>
-              </a:path>
-            </a:pathLst>
-          </a:custGeom>
-        </p:spPr>
-      </p:sp>
-      <p:sp>
-        <p:nvSpPr>
-          <p:cNvPr id="287" name="Google Shape;287;g7e0fa2b5d8_0_458:notes"/>
-          <p:cNvSpPr txBox="1"/>
-          <p:nvPr>
-            <p:ph idx="1" type="body"/>
-          </p:nvPr>
-        </p:nvSpPr>
-        <p:spPr>
-          <a:xfrm>
-            <a:off x="685800" y="4343400"/>
-            <a:ext cx="5486400" cy="4114800"/>
-          </a:xfrm>
-          <a:prstGeom prst="rect">
-            <a:avLst/>
-          </a:prstGeom>
-        </p:spPr>
-        <p:txBody>
-          <a:bodyPr anchorCtr="0" anchor="t" bIns="91425" lIns="91425" spcFirstLastPara="1" rIns="91425" wrap="square" tIns="91425">
-            <a:noAutofit/>
-          </a:bodyPr>
-          <a:lstStyle/>
-          <a:p>
-            <a:pPr indent="0" lvl="0" marL="0" rtl="0" algn="l">
-              <a:spcBef>
-                <a:spcPts val="0"/>
-              </a:spcBef>
-              <a:spcAft>
-                <a:spcPts val="0"/>
-              </a:spcAft>
-              <a:buNone/>
-            </a:pPr>
-            <a:r>
-              <a:t/>
-            </a:r>
-            <a:endParaRPr/>
-          </a:p>
-        </p:txBody>
-      </p:sp>
-    </p:spTree>
-  </p:cSld>
-  <p:clrMapOvr>
-    <a:masterClrMapping/>
-  </p:clrMapOvr>
-</p:notes>
-</file>
-
-<file path=ppt/notesSlides/notesSlide26.xml><?xml version="1.0" encoding="utf-8"?>
-<p:notes xmlns:a="http://schemas.openxmlformats.org/drawingml/2006/main" xmlns:r="http://schemas.openxmlformats.org/officeDocument/2006/relationships" xmlns:mc="http://schemas.openxmlformats.org/markup-compatibility/2006" xmlns:mv="urn:schemas-microsoft-com:mac:vml" xmlns:p="http://schemas.openxmlformats.org/presentationml/2006/main" xmlns:c="http://schemas.openxmlformats.org/drawingml/2006/chart" xmlns:dgm="http://schemas.openxmlformats.org/drawingml/2006/diagram" xmlns:o="urn:schemas-microsoft-com:office:office" xmlns:v="urn:schemas-microsoft-com:vml" xmlns:pvml="urn:schemas-microsoft-com:office:powerpoint" xmlns:com="http://schemas.openxmlformats.org/drawingml/2006/compatibility" xmlns:p14="http://schemas.microsoft.com/office/powerpoint/2010/main" xmlns:p15="http://schemas.microsoft.com/office/powerpoint/2012/main" showMasterPhAnim="0" showMasterSp="0">
-  <p:cSld>
-    <p:spTree>
-      <p:nvGrpSpPr>
-        <p:cNvPr id="292" name="Shape 292"/>
-        <p:cNvGrpSpPr/>
-        <p:nvPr/>
-      </p:nvGrpSpPr>
-      <p:grpSpPr>
-        <a:xfrm>
-          <a:off x="0" y="0"/>
-          <a:ext cx="0" cy="0"/>
-          <a:chOff x="0" y="0"/>
-          <a:chExt cx="0" cy="0"/>
-        </a:xfrm>
-      </p:grpSpPr>
-      <p:sp>
-        <p:nvSpPr>
-          <p:cNvPr id="293" name="Google Shape;293;g7e0fa2b5d8_0_464:notes"/>
-          <p:cNvSpPr/>
-          <p:nvPr>
-            <p:ph idx="2" type="sldImg"/>
-          </p:nvPr>
-        </p:nvSpPr>
-        <p:spPr>
-          <a:xfrm>
-            <a:off x="381300" y="685800"/>
-            <a:ext cx="6096000" cy="3429000"/>
-          </a:xfrm>
-          <a:custGeom>
-            <a:rect b="b" l="l" r="r" t="t"/>
-            <a:pathLst>
-              <a:path extrusionOk="0" h="120000" w="120000">
-                <a:moveTo>
-                  <a:pt x="0" y="0"/>
-                </a:moveTo>
-                <a:lnTo>
-                  <a:pt x="120000" y="0"/>
-                </a:lnTo>
-                <a:lnTo>
-                  <a:pt x="120000" y="120000"/>
-                </a:lnTo>
-                <a:lnTo>
-                  <a:pt x="0" y="120000"/>
-                </a:lnTo>
-                <a:close/>
-              </a:path>
-            </a:pathLst>
-          </a:custGeom>
-        </p:spPr>
-      </p:sp>
-      <p:sp>
-        <p:nvSpPr>
-          <p:cNvPr id="294" name="Google Shape;294;g7e0fa2b5d8_0_464:notes"/>
-          <p:cNvSpPr txBox="1"/>
-          <p:nvPr>
-            <p:ph idx="1" type="body"/>
-          </p:nvPr>
-        </p:nvSpPr>
-        <p:spPr>
-          <a:xfrm>
-            <a:off x="685800" y="4343400"/>
-            <a:ext cx="5486400" cy="4114800"/>
-          </a:xfrm>
-          <a:prstGeom prst="rect">
-            <a:avLst/>
-          </a:prstGeom>
-        </p:spPr>
-        <p:txBody>
-          <a:bodyPr anchorCtr="0" anchor="t" bIns="91425" lIns="91425" spcFirstLastPara="1" rIns="91425" wrap="square" tIns="91425">
-            <a:noAutofit/>
-          </a:bodyPr>
-          <a:lstStyle/>
-          <a:p>
-            <a:pPr indent="0" lvl="0" marL="0" rtl="0" algn="l">
-              <a:spcBef>
-                <a:spcPts val="0"/>
-              </a:spcBef>
-              <a:spcAft>
-                <a:spcPts val="0"/>
-              </a:spcAft>
-              <a:buNone/>
-            </a:pPr>
-            <a:r>
-              <a:t/>
-            </a:r>
-            <a:endParaRPr/>
-          </a:p>
-        </p:txBody>
-      </p:sp>
-    </p:spTree>
-  </p:cSld>
-  <p:clrMapOvr>
-    <a:masterClrMapping/>
-  </p:clrMapOvr>
-</p:notes>
-</file>
-
-<file path=ppt/notesSlides/notesSlide27.xml><?xml version="1.0" encoding="utf-8"?>
-<p:notes xmlns:a="http://schemas.openxmlformats.org/drawingml/2006/main" xmlns:r="http://schemas.openxmlformats.org/officeDocument/2006/relationships" xmlns:mc="http://schemas.openxmlformats.org/markup-compatibility/2006" xmlns:mv="urn:schemas-microsoft-com:mac:vml" xmlns:p="http://schemas.openxmlformats.org/presentationml/2006/main" xmlns:c="http://schemas.openxmlformats.org/drawingml/2006/chart" xmlns:dgm="http://schemas.openxmlformats.org/drawingml/2006/diagram" xmlns:o="urn:schemas-microsoft-com:office:office" xmlns:v="urn:schemas-microsoft-com:vml" xmlns:pvml="urn:schemas-microsoft-com:office:powerpoint" xmlns:com="http://schemas.openxmlformats.org/drawingml/2006/compatibility" xmlns:p14="http://schemas.microsoft.com/office/powerpoint/2010/main" xmlns:p15="http://schemas.microsoft.com/office/powerpoint/2012/main" showMasterPhAnim="0" showMasterSp="0">
-  <p:cSld>
-    <p:spTree>
-      <p:nvGrpSpPr>
-        <p:cNvPr id="299" name="Shape 299"/>
-        <p:cNvGrpSpPr/>
-        <p:nvPr/>
-      </p:nvGrpSpPr>
-      <p:grpSpPr>
-        <a:xfrm>
-          <a:off x="0" y="0"/>
-          <a:ext cx="0" cy="0"/>
-          <a:chOff x="0" y="0"/>
-          <a:chExt cx="0" cy="0"/>
-        </a:xfrm>
-      </p:grpSpPr>
-      <p:sp>
-        <p:nvSpPr>
-          <p:cNvPr id="300" name="Google Shape;300;g7e0fa2b5d8_0_470:notes"/>
-          <p:cNvSpPr/>
-          <p:nvPr>
-            <p:ph idx="2" type="sldImg"/>
-          </p:nvPr>
-        </p:nvSpPr>
-        <p:spPr>
-          <a:xfrm>
-            <a:off x="381300" y="685800"/>
-            <a:ext cx="6096000" cy="3429000"/>
-          </a:xfrm>
-          <a:custGeom>
-            <a:rect b="b" l="l" r="r" t="t"/>
-            <a:pathLst>
-              <a:path extrusionOk="0" h="120000" w="120000">
-                <a:moveTo>
-                  <a:pt x="0" y="0"/>
-                </a:moveTo>
-                <a:lnTo>
-                  <a:pt x="120000" y="0"/>
-                </a:lnTo>
-                <a:lnTo>
-                  <a:pt x="120000" y="120000"/>
-                </a:lnTo>
-                <a:lnTo>
-                  <a:pt x="0" y="120000"/>
-                </a:lnTo>
-                <a:close/>
-              </a:path>
-            </a:pathLst>
-          </a:custGeom>
-        </p:spPr>
-      </p:sp>
-      <p:sp>
-        <p:nvSpPr>
-          <p:cNvPr id="301" name="Google Shape;301;g7e0fa2b5d8_0_470:notes"/>
-          <p:cNvSpPr txBox="1"/>
-          <p:nvPr>
-            <p:ph idx="1" type="body"/>
-          </p:nvPr>
-        </p:nvSpPr>
-        <p:spPr>
-          <a:xfrm>
-            <a:off x="685800" y="4343400"/>
-            <a:ext cx="5486400" cy="4114800"/>
-          </a:xfrm>
-          <a:prstGeom prst="rect">
-            <a:avLst/>
-          </a:prstGeom>
-        </p:spPr>
-        <p:txBody>
-          <a:bodyPr anchorCtr="0" anchor="t" bIns="91425" lIns="91425" spcFirstLastPara="1" rIns="91425" wrap="square" tIns="91425">
-            <a:noAutofit/>
-          </a:bodyPr>
-          <a:lstStyle/>
-          <a:p>
-            <a:pPr indent="0" lvl="0" marL="0" rtl="0" algn="l">
-              <a:spcBef>
-                <a:spcPts val="0"/>
-              </a:spcBef>
-              <a:spcAft>
-                <a:spcPts val="0"/>
-              </a:spcAft>
-              <a:buNone/>
-            </a:pPr>
-            <a:r>
-              <a:t/>
-            </a:r>
-            <a:endParaRPr/>
-          </a:p>
-        </p:txBody>
-      </p:sp>
-    </p:spTree>
-  </p:cSld>
-  <p:clrMapOvr>
-    <a:masterClrMapping/>
-  </p:clrMapOvr>
-</p:notes>
-</file>
-
-<file path=ppt/notesSlides/notesSlide28.xml><?xml version="1.0" encoding="utf-8"?>
-<p:notes xmlns:a="http://schemas.openxmlformats.org/drawingml/2006/main" xmlns:r="http://schemas.openxmlformats.org/officeDocument/2006/relationships" xmlns:mc="http://schemas.openxmlformats.org/markup-compatibility/2006" xmlns:mv="urn:schemas-microsoft-com:mac:vml" xmlns:p="http://schemas.openxmlformats.org/presentationml/2006/main" xmlns:c="http://schemas.openxmlformats.org/drawingml/2006/chart" xmlns:dgm="http://schemas.openxmlformats.org/drawingml/2006/diagram" xmlns:o="urn:schemas-microsoft-com:office:office" xmlns:v="urn:schemas-microsoft-com:vml" xmlns:pvml="urn:schemas-microsoft-com:office:powerpoint" xmlns:com="http://schemas.openxmlformats.org/drawingml/2006/compatibility" xmlns:p14="http://schemas.microsoft.com/office/powerpoint/2010/main" xmlns:p15="http://schemas.microsoft.com/office/powerpoint/2012/main" showMasterPhAnim="0" showMasterSp="0">
-  <p:cSld>
-    <p:spTree>
-      <p:nvGrpSpPr>
-        <p:cNvPr id="306" name="Shape 306"/>
-        <p:cNvGrpSpPr/>
-        <p:nvPr/>
-      </p:nvGrpSpPr>
-      <p:grpSpPr>
-        <a:xfrm>
-          <a:off x="0" y="0"/>
-          <a:ext cx="0" cy="0"/>
-          <a:chOff x="0" y="0"/>
-          <a:chExt cx="0" cy="0"/>
-        </a:xfrm>
-      </p:grpSpPr>
-      <p:sp>
-        <p:nvSpPr>
-          <p:cNvPr id="307" name="Google Shape;307;g7e0fa2b5d8_0_476:notes"/>
-          <p:cNvSpPr/>
-          <p:nvPr>
-            <p:ph idx="2" type="sldImg"/>
-          </p:nvPr>
-        </p:nvSpPr>
-        <p:spPr>
-          <a:xfrm>
-            <a:off x="381300" y="685800"/>
-            <a:ext cx="6096000" cy="3429000"/>
-          </a:xfrm>
-          <a:custGeom>
-            <a:rect b="b" l="l" r="r" t="t"/>
-            <a:pathLst>
-              <a:path extrusionOk="0" h="120000" w="120000">
-                <a:moveTo>
-                  <a:pt x="0" y="0"/>
-                </a:moveTo>
-                <a:lnTo>
-                  <a:pt x="120000" y="0"/>
-                </a:lnTo>
-                <a:lnTo>
-                  <a:pt x="120000" y="120000"/>
-                </a:lnTo>
-                <a:lnTo>
-                  <a:pt x="0" y="120000"/>
-                </a:lnTo>
-                <a:close/>
-              </a:path>
-            </a:pathLst>
-          </a:custGeom>
-        </p:spPr>
-      </p:sp>
-      <p:sp>
-        <p:nvSpPr>
-          <p:cNvPr id="308" name="Google Shape;308;g7e0fa2b5d8_0_476:notes"/>
-          <p:cNvSpPr txBox="1"/>
-          <p:nvPr>
-            <p:ph idx="1" type="body"/>
-          </p:nvPr>
-        </p:nvSpPr>
-        <p:spPr>
-          <a:xfrm>
-            <a:off x="685800" y="4343400"/>
-            <a:ext cx="5486400" cy="4114800"/>
-          </a:xfrm>
-          <a:prstGeom prst="rect">
-            <a:avLst/>
-          </a:prstGeom>
-        </p:spPr>
-        <p:txBody>
-          <a:bodyPr anchorCtr="0" anchor="t" bIns="91425" lIns="91425" spcFirstLastPara="1" rIns="91425" wrap="square" tIns="91425">
-            <a:noAutofit/>
-          </a:bodyPr>
-          <a:lstStyle/>
-          <a:p>
-            <a:pPr indent="0" lvl="0" marL="0" rtl="0" algn="l">
-              <a:spcBef>
-                <a:spcPts val="0"/>
-              </a:spcBef>
-              <a:spcAft>
-                <a:spcPts val="0"/>
-              </a:spcAft>
-              <a:buNone/>
-            </a:pPr>
-            <a:r>
-              <a:t/>
-            </a:r>
-            <a:endParaRPr/>
-          </a:p>
-        </p:txBody>
-      </p:sp>
-    </p:spTree>
-  </p:cSld>
-  <p:clrMapOvr>
-    <a:masterClrMapping/>
-  </p:clrMapOvr>
-</p:notes>
-</file>
-
-<file path=ppt/notesSlides/notesSlide29.xml><?xml version="1.0" encoding="utf-8"?>
-<p:notes xmlns:a="http://schemas.openxmlformats.org/drawingml/2006/main" xmlns:r="http://schemas.openxmlformats.org/officeDocument/2006/relationships" xmlns:mc="http://schemas.openxmlformats.org/markup-compatibility/2006" xmlns:mv="urn:schemas-microsoft-com:mac:vml" xmlns:p="http://schemas.openxmlformats.org/presentationml/2006/main" xmlns:c="http://schemas.openxmlformats.org/drawingml/2006/chart" xmlns:dgm="http://schemas.openxmlformats.org/drawingml/2006/diagram" xmlns:o="urn:schemas-microsoft-com:office:office" xmlns:v="urn:schemas-microsoft-com:vml" xmlns:pvml="urn:schemas-microsoft-com:office:powerpoint" xmlns:com="http://schemas.openxmlformats.org/drawingml/2006/compatibility" xmlns:p14="http://schemas.microsoft.com/office/powerpoint/2010/main" xmlns:p15="http://schemas.microsoft.com/office/powerpoint/2012/main" showMasterPhAnim="0" showMasterSp="0">
-  <p:cSld>
-    <p:spTree>
-      <p:nvGrpSpPr>
-        <p:cNvPr id="316" name="Shape 316"/>
-        <p:cNvGrpSpPr/>
-        <p:nvPr/>
-      </p:nvGrpSpPr>
-      <p:grpSpPr>
-        <a:xfrm>
-          <a:off x="0" y="0"/>
-          <a:ext cx="0" cy="0"/>
-          <a:chOff x="0" y="0"/>
-          <a:chExt cx="0" cy="0"/>
-        </a:xfrm>
-      </p:grpSpPr>
-      <p:sp>
-        <p:nvSpPr>
-          <p:cNvPr id="317" name="Google Shape;317;g7e0fa2b5d8_0_485:notes"/>
-          <p:cNvSpPr/>
-          <p:nvPr>
-            <p:ph idx="2" type="sldImg"/>
-          </p:nvPr>
-        </p:nvSpPr>
-        <p:spPr>
-          <a:xfrm>
-            <a:off x="381300" y="685800"/>
-            <a:ext cx="6096000" cy="3429000"/>
-          </a:xfrm>
-          <a:custGeom>
-            <a:rect b="b" l="l" r="r" t="t"/>
-            <a:pathLst>
-              <a:path extrusionOk="0" h="120000" w="120000">
-                <a:moveTo>
-                  <a:pt x="0" y="0"/>
-                </a:moveTo>
-                <a:lnTo>
-                  <a:pt x="120000" y="0"/>
-                </a:lnTo>
-                <a:lnTo>
-                  <a:pt x="120000" y="120000"/>
-                </a:lnTo>
-                <a:lnTo>
-                  <a:pt x="0" y="120000"/>
-                </a:lnTo>
-                <a:close/>
-              </a:path>
-            </a:pathLst>
-          </a:custGeom>
-        </p:spPr>
-      </p:sp>
-      <p:sp>
-        <p:nvSpPr>
-          <p:cNvPr id="318" name="Google Shape;318;g7e0fa2b5d8_0_485:notes"/>
+          <p:cNvPr id="257" name="Google Shape;257;g7e0fa2b5d8_0_442:notes"/>
           <p:cNvSpPr txBox="1"/>
           <p:nvPr>
             <p:ph idx="1" type="body"/>
@@ -13395,13 +12595,13 @@
           <p:cNvPr id="248" name="Google Shape;248;p31"/>
           <p:cNvSpPr txBox="1"/>
           <p:nvPr>
-            <p:ph type="ctrTitle"/>
+            <p:ph type="title"/>
           </p:nvPr>
         </p:nvSpPr>
         <p:spPr>
           <a:xfrm>
-            <a:off x="3537150" y="1578400"/>
-            <a:ext cx="5017500" cy="1578900"/>
+            <a:off x="1297500" y="393750"/>
+            <a:ext cx="7038900" cy="914100"/>
           </a:xfrm>
           <a:prstGeom prst="rect">
             <a:avLst/>
@@ -13424,7 +12624,194 @@
             </a:pPr>
             <a:r>
               <a:rPr lang="en"/>
-              <a:t>Survey/Design</a:t>
+              <a:t>Design</a:t>
+            </a:r>
+            <a:endParaRPr/>
+          </a:p>
+        </p:txBody>
+      </p:sp>
+      <p:sp>
+        <p:nvSpPr>
+          <p:cNvPr id="249" name="Google Shape;249;p31"/>
+          <p:cNvSpPr txBox="1"/>
+          <p:nvPr>
+            <p:ph idx="1" type="body"/>
+          </p:nvPr>
+        </p:nvSpPr>
+        <p:spPr>
+          <a:xfrm>
+            <a:off x="1297500" y="1567550"/>
+            <a:ext cx="7038900" cy="2911200"/>
+          </a:xfrm>
+          <a:prstGeom prst="rect">
+            <a:avLst/>
+          </a:prstGeom>
+        </p:spPr>
+        <p:txBody>
+          <a:bodyPr anchorCtr="0" anchor="t" bIns="91425" lIns="91425" spcFirstLastPara="1" rIns="91425" wrap="square" tIns="91425">
+            <a:noAutofit/>
+          </a:bodyPr>
+          <a:lstStyle/>
+          <a:p>
+            <a:pPr indent="-311150" lvl="0" marL="457200" rtl="0" algn="l">
+              <a:spcBef>
+                <a:spcPts val="0"/>
+              </a:spcBef>
+              <a:spcAft>
+                <a:spcPts val="0"/>
+              </a:spcAft>
+              <a:buSzPts val="1300"/>
+              <a:buChar char="●"/>
+            </a:pPr>
+            <a:r>
+              <a:rPr lang="en"/>
+              <a:t>Flat</a:t>
+            </a:r>
+            <a:endParaRPr/>
+          </a:p>
+          <a:p>
+            <a:pPr indent="-311150" lvl="0" marL="457200" rtl="0" algn="l">
+              <a:spcBef>
+                <a:spcPts val="0"/>
+              </a:spcBef>
+              <a:spcAft>
+                <a:spcPts val="0"/>
+              </a:spcAft>
+              <a:buSzPts val="1300"/>
+              <a:buChar char="●"/>
+            </a:pPr>
+            <a:r>
+              <a:rPr lang="en"/>
+              <a:t>Responsive</a:t>
+            </a:r>
+            <a:endParaRPr/>
+          </a:p>
+          <a:p>
+            <a:pPr indent="-311150" lvl="0" marL="457200" rtl="0" algn="l">
+              <a:spcBef>
+                <a:spcPts val="0"/>
+              </a:spcBef>
+              <a:spcAft>
+                <a:spcPts val="0"/>
+              </a:spcAft>
+              <a:buSzPts val="1300"/>
+              <a:buChar char="●"/>
+            </a:pPr>
+            <a:r>
+              <a:rPr lang="en"/>
+              <a:t>Icons based on:</a:t>
+            </a:r>
+            <a:endParaRPr/>
+          </a:p>
+          <a:p>
+            <a:pPr indent="-298450" lvl="1" marL="914400" rtl="0" algn="l">
+              <a:spcBef>
+                <a:spcPts val="0"/>
+              </a:spcBef>
+              <a:spcAft>
+                <a:spcPts val="0"/>
+              </a:spcAft>
+              <a:buSzPts val="1100"/>
+              <a:buChar char="○"/>
+            </a:pPr>
+            <a:r>
+              <a:rPr lang="en" sz="1100" u="sng">
+                <a:solidFill>
+                  <a:schemeClr val="hlink"/>
+                </a:solidFill>
+                <a:hlinkClick r:id="rId3"/>
+              </a:rPr>
+              <a:t>https://material.io/resources/icons/?style=baseline</a:t>
+            </a:r>
+            <a:endParaRPr/>
+          </a:p>
+          <a:p>
+            <a:pPr indent="-298450" lvl="1" marL="914400" rtl="0" algn="l">
+              <a:spcBef>
+                <a:spcPts val="0"/>
+              </a:spcBef>
+              <a:spcAft>
+                <a:spcPts val="0"/>
+              </a:spcAft>
+              <a:buSzPts val="1100"/>
+              <a:buChar char="○"/>
+            </a:pPr>
+            <a:r>
+              <a:rPr lang="en" sz="1100" u="sng">
+                <a:solidFill>
+                  <a:schemeClr val="hlink"/>
+                </a:solidFill>
+                <a:hlinkClick r:id="rId4"/>
+              </a:rPr>
+              <a:t>https://google.github.io/material-design-icons/</a:t>
+            </a:r>
+            <a:endParaRPr/>
+          </a:p>
+          <a:p>
+            <a:pPr indent="-311150" lvl="0" marL="457200" rtl="0" algn="l">
+              <a:spcBef>
+                <a:spcPts val="0"/>
+              </a:spcBef>
+              <a:spcAft>
+                <a:spcPts val="0"/>
+              </a:spcAft>
+              <a:buSzPts val="1300"/>
+              <a:buChar char="●"/>
+            </a:pPr>
+            <a:r>
+              <a:rPr lang="en"/>
+              <a:t>Colors NASA Blue with Plant Green</a:t>
+            </a:r>
+            <a:endParaRPr/>
+          </a:p>
+          <a:p>
+            <a:pPr indent="-298450" lvl="1" marL="914400" rtl="0" algn="l">
+              <a:spcBef>
+                <a:spcPts val="0"/>
+              </a:spcBef>
+              <a:spcAft>
+                <a:spcPts val="0"/>
+              </a:spcAft>
+              <a:buSzPts val="1100"/>
+              <a:buChar char="○"/>
+            </a:pPr>
+            <a:r>
+              <a:rPr lang="en"/>
+              <a:t>Inspirations: growth and life</a:t>
+            </a:r>
+            <a:endParaRPr/>
+          </a:p>
+          <a:p>
+            <a:pPr indent="-311150" lvl="0" marL="457200" rtl="0" algn="l">
+              <a:spcBef>
+                <a:spcPts val="0"/>
+              </a:spcBef>
+              <a:spcAft>
+                <a:spcPts val="0"/>
+              </a:spcAft>
+              <a:buSzPts val="1300"/>
+              <a:buChar char="●"/>
+            </a:pPr>
+            <a:r>
+              <a:rPr lang="en"/>
+              <a:t>Smooth transitions between elements</a:t>
+            </a:r>
+            <a:endParaRPr/>
+          </a:p>
+          <a:p>
+            <a:pPr indent="-311150" lvl="0" marL="457200" rtl="0" algn="l">
+              <a:spcBef>
+                <a:spcPts val="0"/>
+              </a:spcBef>
+              <a:spcAft>
+                <a:spcPts val="0"/>
+              </a:spcAft>
+              <a:buSzPts val="1300"/>
+              <a:buChar char="●"/>
+            </a:pPr>
+            <a:r>
+              <a:rPr lang="en"/>
+              <a:t>Lightweight</a:t>
             </a:r>
             <a:endParaRPr/>
           </a:p>
@@ -13470,7 +12857,7 @@
             <a:tbl>
               <a:tblPr>
                 <a:noFill/>
-                <a:tableStyleId>{705B5928-71BF-4378-AB9E-81369298626D}</a:tableStyleId>
+                <a:tableStyleId>{AB1D4EC7-B17F-4078-A6D4-D00C34228376}</a:tableStyleId>
               </a:tblPr>
               <a:tblGrid>
                 <a:gridCol w="4044575"/>
@@ -14782,7 +14169,7 @@
   <p:cSld>
     <p:spTree>
       <p:nvGrpSpPr>
-        <p:cNvPr id="252" name="Shape 252"/>
+        <p:cNvPr id="253" name="Shape 253"/>
         <p:cNvGrpSpPr/>
         <p:nvPr/>
       </p:nvGrpSpPr>
@@ -14796,16 +14183,16 @@
       </p:grpSpPr>
       <p:sp>
         <p:nvSpPr>
-          <p:cNvPr id="253" name="Google Shape;253;p32"/>
+          <p:cNvPr id="254" name="Google Shape;254;p32"/>
           <p:cNvSpPr txBox="1"/>
           <p:nvPr>
-            <p:ph type="title"/>
+            <p:ph type="ctrTitle"/>
           </p:nvPr>
         </p:nvSpPr>
         <p:spPr>
           <a:xfrm>
-            <a:off x="1297500" y="393750"/>
-            <a:ext cx="7038900" cy="914100"/>
+            <a:off x="3537150" y="1578400"/>
+            <a:ext cx="5017500" cy="1578900"/>
           </a:xfrm>
           <a:prstGeom prst="rect">
             <a:avLst/>
@@ -14828,194 +14215,7 @@
             </a:pPr>
             <a:r>
               <a:rPr lang="en"/>
-              <a:t>Design</a:t>
-            </a:r>
-            <a:endParaRPr/>
-          </a:p>
-        </p:txBody>
-      </p:sp>
-      <p:sp>
-        <p:nvSpPr>
-          <p:cNvPr id="254" name="Google Shape;254;p32"/>
-          <p:cNvSpPr txBox="1"/>
-          <p:nvPr>
-            <p:ph idx="1" type="body"/>
-          </p:nvPr>
-        </p:nvSpPr>
-        <p:spPr>
-          <a:xfrm>
-            <a:off x="1297500" y="1567550"/>
-            <a:ext cx="7038900" cy="2911200"/>
-          </a:xfrm>
-          <a:prstGeom prst="rect">
-            <a:avLst/>
-          </a:prstGeom>
-        </p:spPr>
-        <p:txBody>
-          <a:bodyPr anchorCtr="0" anchor="t" bIns="91425" lIns="91425" spcFirstLastPara="1" rIns="91425" wrap="square" tIns="91425">
-            <a:noAutofit/>
-          </a:bodyPr>
-          <a:lstStyle/>
-          <a:p>
-            <a:pPr indent="-311150" lvl="0" marL="457200" rtl="0" algn="l">
-              <a:spcBef>
-                <a:spcPts val="0"/>
-              </a:spcBef>
-              <a:spcAft>
-                <a:spcPts val="0"/>
-              </a:spcAft>
-              <a:buSzPts val="1300"/>
-              <a:buChar char="●"/>
-            </a:pPr>
-            <a:r>
-              <a:rPr lang="en"/>
-              <a:t>Flat</a:t>
-            </a:r>
-            <a:endParaRPr/>
-          </a:p>
-          <a:p>
-            <a:pPr indent="-311150" lvl="0" marL="457200" rtl="0" algn="l">
-              <a:spcBef>
-                <a:spcPts val="0"/>
-              </a:spcBef>
-              <a:spcAft>
-                <a:spcPts val="0"/>
-              </a:spcAft>
-              <a:buSzPts val="1300"/>
-              <a:buChar char="●"/>
-            </a:pPr>
-            <a:r>
-              <a:rPr lang="en"/>
-              <a:t>Responsive</a:t>
-            </a:r>
-            <a:endParaRPr/>
-          </a:p>
-          <a:p>
-            <a:pPr indent="-311150" lvl="0" marL="457200" rtl="0" algn="l">
-              <a:spcBef>
-                <a:spcPts val="0"/>
-              </a:spcBef>
-              <a:spcAft>
-                <a:spcPts val="0"/>
-              </a:spcAft>
-              <a:buSzPts val="1300"/>
-              <a:buChar char="●"/>
-            </a:pPr>
-            <a:r>
-              <a:rPr lang="en"/>
-              <a:t>Icons based on:</a:t>
-            </a:r>
-            <a:endParaRPr/>
-          </a:p>
-          <a:p>
-            <a:pPr indent="-298450" lvl="1" marL="914400" rtl="0" algn="l">
-              <a:spcBef>
-                <a:spcPts val="0"/>
-              </a:spcBef>
-              <a:spcAft>
-                <a:spcPts val="0"/>
-              </a:spcAft>
-              <a:buSzPts val="1100"/>
-              <a:buChar char="○"/>
-            </a:pPr>
-            <a:r>
-              <a:rPr lang="en" sz="1100" u="sng">
-                <a:solidFill>
-                  <a:schemeClr val="hlink"/>
-                </a:solidFill>
-                <a:hlinkClick r:id="rId3"/>
-              </a:rPr>
-              <a:t>https://material.io/resources/icons/?style=baseline</a:t>
-            </a:r>
-            <a:endParaRPr/>
-          </a:p>
-          <a:p>
-            <a:pPr indent="-298450" lvl="1" marL="914400" rtl="0" algn="l">
-              <a:spcBef>
-                <a:spcPts val="0"/>
-              </a:spcBef>
-              <a:spcAft>
-                <a:spcPts val="0"/>
-              </a:spcAft>
-              <a:buSzPts val="1100"/>
-              <a:buChar char="○"/>
-            </a:pPr>
-            <a:r>
-              <a:rPr lang="en" sz="1100" u="sng">
-                <a:solidFill>
-                  <a:schemeClr val="hlink"/>
-                </a:solidFill>
-                <a:hlinkClick r:id="rId4"/>
-              </a:rPr>
-              <a:t>https://google.github.io/material-design-icons/</a:t>
-            </a:r>
-            <a:endParaRPr/>
-          </a:p>
-          <a:p>
-            <a:pPr indent="-311150" lvl="0" marL="457200" rtl="0" algn="l">
-              <a:spcBef>
-                <a:spcPts val="0"/>
-              </a:spcBef>
-              <a:spcAft>
-                <a:spcPts val="0"/>
-              </a:spcAft>
-              <a:buSzPts val="1300"/>
-              <a:buChar char="●"/>
-            </a:pPr>
-            <a:r>
-              <a:rPr lang="en"/>
-              <a:t>Colors NASA Blue with Plant Green</a:t>
-            </a:r>
-            <a:endParaRPr/>
-          </a:p>
-          <a:p>
-            <a:pPr indent="-298450" lvl="1" marL="914400" rtl="0" algn="l">
-              <a:spcBef>
-                <a:spcPts val="0"/>
-              </a:spcBef>
-              <a:spcAft>
-                <a:spcPts val="0"/>
-              </a:spcAft>
-              <a:buSzPts val="1100"/>
-              <a:buChar char="○"/>
-            </a:pPr>
-            <a:r>
-              <a:rPr lang="en"/>
-              <a:t>Inspirations: growth and life</a:t>
-            </a:r>
-            <a:endParaRPr/>
-          </a:p>
-          <a:p>
-            <a:pPr indent="-311150" lvl="0" marL="457200" rtl="0" algn="l">
-              <a:spcBef>
-                <a:spcPts val="0"/>
-              </a:spcBef>
-              <a:spcAft>
-                <a:spcPts val="0"/>
-              </a:spcAft>
-              <a:buSzPts val="1300"/>
-              <a:buChar char="●"/>
-            </a:pPr>
-            <a:r>
-              <a:rPr lang="en"/>
-              <a:t>Smooth transitions between elements</a:t>
-            </a:r>
-            <a:endParaRPr/>
-          </a:p>
-          <a:p>
-            <a:pPr indent="-311150" lvl="0" marL="457200" rtl="0" algn="l">
-              <a:spcBef>
-                <a:spcPts val="0"/>
-              </a:spcBef>
-              <a:spcAft>
-                <a:spcPts val="0"/>
-              </a:spcAft>
-              <a:buSzPts val="1300"/>
-              <a:buChar char="●"/>
-            </a:pPr>
-            <a:r>
-              <a:rPr lang="en"/>
-              <a:t>Lightweight</a:t>
+              <a:t>Survey/Design</a:t>
             </a:r>
             <a:endParaRPr/>
           </a:p>
@@ -15080,192 +14280,6 @@
             </a:pPr>
             <a:r>
               <a:rPr lang="en"/>
-              <a:t>Color</a:t>
-            </a:r>
-            <a:endParaRPr/>
-          </a:p>
-        </p:txBody>
-      </p:sp>
-      <p:pic>
-        <p:nvPicPr>
-          <p:cNvPr id="260" name="Google Shape;260;p33"/>
-          <p:cNvPicPr preferRelativeResize="0"/>
-          <p:nvPr/>
-        </p:nvPicPr>
-        <p:blipFill>
-          <a:blip r:embed="rId3">
-            <a:alphaModFix/>
-          </a:blip>
-          <a:stretch>
-            <a:fillRect/>
-          </a:stretch>
-        </p:blipFill>
-        <p:spPr>
-          <a:xfrm>
-            <a:off x="1380700" y="921750"/>
-            <a:ext cx="6382600" cy="4047775"/>
-          </a:xfrm>
-          <a:prstGeom prst="rect">
-            <a:avLst/>
-          </a:prstGeom>
-          <a:noFill/>
-          <a:ln>
-            <a:noFill/>
-          </a:ln>
-        </p:spPr>
-      </p:pic>
-    </p:spTree>
-  </p:cSld>
-  <p:clrMapOvr>
-    <a:masterClrMapping/>
-  </p:clrMapOvr>
-</p:sld>
-</file>
-
-<file path=ppt/slides/slide22.xml><?xml version="1.0" encoding="utf-8"?>
-<p:sld xmlns:a="http://schemas.openxmlformats.org/drawingml/2006/main" xmlns:r="http://schemas.openxmlformats.org/officeDocument/2006/relationships" xmlns:mc="http://schemas.openxmlformats.org/markup-compatibility/2006" xmlns:mv="urn:schemas-microsoft-com:mac:vml" xmlns:p="http://schemas.openxmlformats.org/presentationml/2006/main" xmlns:c="http://schemas.openxmlformats.org/drawingml/2006/chart" xmlns:dgm="http://schemas.openxmlformats.org/drawingml/2006/diagram" xmlns:o="urn:schemas-microsoft-com:office:office" xmlns:v="urn:schemas-microsoft-com:vml" xmlns:pvml="urn:schemas-microsoft-com:office:powerpoint" xmlns:com="http://schemas.openxmlformats.org/drawingml/2006/compatibility" xmlns:p14="http://schemas.microsoft.com/office/powerpoint/2010/main" xmlns:p15="http://schemas.microsoft.com/office/powerpoint/2012/main">
-  <p:cSld>
-    <p:spTree>
-      <p:nvGrpSpPr>
-        <p:cNvPr id="264" name="Shape 264"/>
-        <p:cNvGrpSpPr/>
-        <p:nvPr/>
-      </p:nvGrpSpPr>
-      <p:grpSpPr>
-        <a:xfrm>
-          <a:off x="0" y="0"/>
-          <a:ext cx="0" cy="0"/>
-          <a:chOff x="0" y="0"/>
-          <a:chExt cx="0" cy="0"/>
-        </a:xfrm>
-      </p:grpSpPr>
-      <p:sp>
-        <p:nvSpPr>
-          <p:cNvPr id="265" name="Google Shape;265;p34"/>
-          <p:cNvSpPr txBox="1"/>
-          <p:nvPr>
-            <p:ph type="title"/>
-          </p:nvPr>
-        </p:nvSpPr>
-        <p:spPr>
-          <a:xfrm>
-            <a:off x="1297500" y="393750"/>
-            <a:ext cx="7038900" cy="914100"/>
-          </a:xfrm>
-          <a:prstGeom prst="rect">
-            <a:avLst/>
-          </a:prstGeom>
-        </p:spPr>
-        <p:txBody>
-          <a:bodyPr anchorCtr="0" anchor="t" bIns="91425" lIns="91425" spcFirstLastPara="1" rIns="91425" wrap="square" tIns="91425">
-            <a:noAutofit/>
-          </a:bodyPr>
-          <a:lstStyle/>
-          <a:p>
-            <a:pPr indent="0" lvl="0" marL="0" rtl="0" algn="l">
-              <a:spcBef>
-                <a:spcPts val="0"/>
-              </a:spcBef>
-              <a:spcAft>
-                <a:spcPts val="0"/>
-              </a:spcAft>
-              <a:buNone/>
-            </a:pPr>
-            <a:r>
-              <a:rPr lang="en"/>
-              <a:t>Color</a:t>
-            </a:r>
-            <a:endParaRPr/>
-          </a:p>
-        </p:txBody>
-      </p:sp>
-      <p:pic>
-        <p:nvPicPr>
-          <p:cNvPr id="266" name="Google Shape;266;p34"/>
-          <p:cNvPicPr preferRelativeResize="0"/>
-          <p:nvPr/>
-        </p:nvPicPr>
-        <p:blipFill>
-          <a:blip r:embed="rId3">
-            <a:alphaModFix/>
-          </a:blip>
-          <a:stretch>
-            <a:fillRect/>
-          </a:stretch>
-        </p:blipFill>
-        <p:spPr>
-          <a:xfrm>
-            <a:off x="1756149" y="781025"/>
-            <a:ext cx="5631699" cy="4066950"/>
-          </a:xfrm>
-          <a:prstGeom prst="rect">
-            <a:avLst/>
-          </a:prstGeom>
-          <a:noFill/>
-          <a:ln>
-            <a:noFill/>
-          </a:ln>
-        </p:spPr>
-      </p:pic>
-    </p:spTree>
-  </p:cSld>
-  <p:clrMapOvr>
-    <a:masterClrMapping/>
-  </p:clrMapOvr>
-</p:sld>
-</file>
-
-<file path=ppt/slides/slide23.xml><?xml version="1.0" encoding="utf-8"?>
-<p:sld xmlns:a="http://schemas.openxmlformats.org/drawingml/2006/main" xmlns:r="http://schemas.openxmlformats.org/officeDocument/2006/relationships" xmlns:mc="http://schemas.openxmlformats.org/markup-compatibility/2006" xmlns:mv="urn:schemas-microsoft-com:mac:vml" xmlns:p="http://schemas.openxmlformats.org/presentationml/2006/main" xmlns:c="http://schemas.openxmlformats.org/drawingml/2006/chart" xmlns:dgm="http://schemas.openxmlformats.org/drawingml/2006/diagram" xmlns:o="urn:schemas-microsoft-com:office:office" xmlns:v="urn:schemas-microsoft-com:vml" xmlns:pvml="urn:schemas-microsoft-com:office:powerpoint" xmlns:com="http://schemas.openxmlformats.org/drawingml/2006/compatibility" xmlns:p14="http://schemas.microsoft.com/office/powerpoint/2010/main" xmlns:p15="http://schemas.microsoft.com/office/powerpoint/2012/main">
-  <p:cSld>
-    <p:spTree>
-      <p:nvGrpSpPr>
-        <p:cNvPr id="270" name="Shape 270"/>
-        <p:cNvGrpSpPr/>
-        <p:nvPr/>
-      </p:nvGrpSpPr>
-      <p:grpSpPr>
-        <a:xfrm>
-          <a:off x="0" y="0"/>
-          <a:ext cx="0" cy="0"/>
-          <a:chOff x="0" y="0"/>
-          <a:chExt cx="0" cy="0"/>
-        </a:xfrm>
-      </p:grpSpPr>
-      <p:sp>
-        <p:nvSpPr>
-          <p:cNvPr id="271" name="Google Shape;271;p35"/>
-          <p:cNvSpPr txBox="1"/>
-          <p:nvPr>
-            <p:ph type="title"/>
-          </p:nvPr>
-        </p:nvSpPr>
-        <p:spPr>
-          <a:xfrm>
-            <a:off x="1297500" y="393750"/>
-            <a:ext cx="7038900" cy="914100"/>
-          </a:xfrm>
-          <a:prstGeom prst="rect">
-            <a:avLst/>
-          </a:prstGeom>
-        </p:spPr>
-        <p:txBody>
-          <a:bodyPr anchorCtr="0" anchor="t" bIns="91425" lIns="91425" spcFirstLastPara="1" rIns="91425" wrap="square" tIns="91425">
-            <a:noAutofit/>
-          </a:bodyPr>
-          <a:lstStyle/>
-          <a:p>
-            <a:pPr indent="0" lvl="0" marL="0" rtl="0" algn="l">
-              <a:spcBef>
-                <a:spcPts val="0"/>
-              </a:spcBef>
-              <a:spcAft>
-                <a:spcPts val="0"/>
-              </a:spcAft>
-              <a:buNone/>
-            </a:pPr>
-            <a:r>
-              <a:rPr lang="en"/>
               <a:t>Survey</a:t>
             </a:r>
             <a:endParaRPr/>
@@ -15274,7 +14288,7 @@
       </p:sp>
       <p:sp>
         <p:nvSpPr>
-          <p:cNvPr id="272" name="Google Shape;272;p35"/>
+          <p:cNvPr id="260" name="Google Shape;260;p33"/>
           <p:cNvSpPr txBox="1"/>
           <p:nvPr>
             <p:ph idx="1" type="body"/>
@@ -15478,1227 +14492,6 @@
             <a:r>
               <a:rPr lang="en"/>
               <a:t>Students and faculty for general opinions on design and experience feedback</a:t>
-            </a:r>
-            <a:endParaRPr/>
-          </a:p>
-        </p:txBody>
-      </p:sp>
-    </p:spTree>
-  </p:cSld>
-  <p:clrMapOvr>
-    <a:masterClrMapping/>
-  </p:clrMapOvr>
-</p:sld>
-</file>
-
-<file path=ppt/slides/slide24.xml><?xml version="1.0" encoding="utf-8"?>
-<p:sld xmlns:a="http://schemas.openxmlformats.org/drawingml/2006/main" xmlns:r="http://schemas.openxmlformats.org/officeDocument/2006/relationships" xmlns:mc="http://schemas.openxmlformats.org/markup-compatibility/2006" xmlns:mv="urn:schemas-microsoft-com:mac:vml" xmlns:p="http://schemas.openxmlformats.org/presentationml/2006/main" xmlns:c="http://schemas.openxmlformats.org/drawingml/2006/chart" xmlns:dgm="http://schemas.openxmlformats.org/drawingml/2006/diagram" xmlns:o="urn:schemas-microsoft-com:office:office" xmlns:v="urn:schemas-microsoft-com:vml" xmlns:pvml="urn:schemas-microsoft-com:office:powerpoint" xmlns:com="http://schemas.openxmlformats.org/drawingml/2006/compatibility" xmlns:p14="http://schemas.microsoft.com/office/powerpoint/2010/main" xmlns:p15="http://schemas.microsoft.com/office/powerpoint/2012/main">
-  <p:cSld>
-    <p:spTree>
-      <p:nvGrpSpPr>
-        <p:cNvPr id="276" name="Shape 276"/>
-        <p:cNvGrpSpPr/>
-        <p:nvPr/>
-      </p:nvGrpSpPr>
-      <p:grpSpPr>
-        <a:xfrm>
-          <a:off x="0" y="0"/>
-          <a:ext cx="0" cy="0"/>
-          <a:chOff x="0" y="0"/>
-          <a:chExt cx="0" cy="0"/>
-        </a:xfrm>
-      </p:grpSpPr>
-      <p:sp>
-        <p:nvSpPr>
-          <p:cNvPr id="277" name="Google Shape;277;p36"/>
-          <p:cNvSpPr txBox="1"/>
-          <p:nvPr>
-            <p:ph type="title"/>
-          </p:nvPr>
-        </p:nvSpPr>
-        <p:spPr>
-          <a:xfrm>
-            <a:off x="1297500" y="393750"/>
-            <a:ext cx="7038900" cy="914100"/>
-          </a:xfrm>
-          <a:prstGeom prst="rect">
-            <a:avLst/>
-          </a:prstGeom>
-        </p:spPr>
-        <p:txBody>
-          <a:bodyPr anchorCtr="0" anchor="t" bIns="91425" lIns="91425" spcFirstLastPara="1" rIns="91425" wrap="square" tIns="91425">
-            <a:noAutofit/>
-          </a:bodyPr>
-          <a:lstStyle/>
-          <a:p>
-            <a:pPr indent="0" lvl="0" marL="0" rtl="0" algn="l">
-              <a:spcBef>
-                <a:spcPts val="0"/>
-              </a:spcBef>
-              <a:spcAft>
-                <a:spcPts val="0"/>
-              </a:spcAft>
-              <a:buNone/>
-            </a:pPr>
-            <a:r>
-              <a:rPr lang="en"/>
-              <a:t>You are asked to browse for a new crop to try</a:t>
-            </a:r>
-            <a:endParaRPr/>
-          </a:p>
-        </p:txBody>
-      </p:sp>
-      <p:sp>
-        <p:nvSpPr>
-          <p:cNvPr id="278" name="Google Shape;278;p36"/>
-          <p:cNvSpPr txBox="1"/>
-          <p:nvPr>
-            <p:ph idx="1" type="body"/>
-          </p:nvPr>
-        </p:nvSpPr>
-        <p:spPr>
-          <a:xfrm>
-            <a:off x="1297500" y="1567550"/>
-            <a:ext cx="7038900" cy="2911200"/>
-          </a:xfrm>
-          <a:prstGeom prst="rect">
-            <a:avLst/>
-          </a:prstGeom>
-        </p:spPr>
-        <p:txBody>
-          <a:bodyPr anchorCtr="0" anchor="t" bIns="91425" lIns="91425" spcFirstLastPara="1" rIns="91425" wrap="square" tIns="91425">
-            <a:noAutofit/>
-          </a:bodyPr>
-          <a:lstStyle/>
-          <a:p>
-            <a:pPr indent="0" lvl="0" marL="0" rtl="0" algn="l">
-              <a:spcBef>
-                <a:spcPts val="0"/>
-              </a:spcBef>
-              <a:spcAft>
-                <a:spcPts val="1600"/>
-              </a:spcAft>
-              <a:buNone/>
-            </a:pPr>
-            <a:r>
-              <a:rPr lang="en"/>
-              <a:t>Which button do you select?</a:t>
-            </a:r>
-            <a:endParaRPr/>
-          </a:p>
-        </p:txBody>
-      </p:sp>
-      <p:pic>
-        <p:nvPicPr>
-          <p:cNvPr id="279" name="Google Shape;279;p36"/>
-          <p:cNvPicPr preferRelativeResize="0"/>
-          <p:nvPr/>
-        </p:nvPicPr>
-        <p:blipFill>
-          <a:blip r:embed="rId3">
-            <a:alphaModFix/>
-          </a:blip>
-          <a:stretch>
-            <a:fillRect/>
-          </a:stretch>
-        </p:blipFill>
-        <p:spPr>
-          <a:xfrm>
-            <a:off x="-8236" y="1791731"/>
-            <a:ext cx="9144002" cy="3310538"/>
-          </a:xfrm>
-          <a:prstGeom prst="rect">
-            <a:avLst/>
-          </a:prstGeom>
-          <a:noFill/>
-          <a:ln>
-            <a:noFill/>
-          </a:ln>
-        </p:spPr>
-      </p:pic>
-      <p:sp>
-        <p:nvSpPr>
-          <p:cNvPr id="280" name="Google Shape;280;p36"/>
-          <p:cNvSpPr txBox="1"/>
-          <p:nvPr/>
-        </p:nvSpPr>
-        <p:spPr>
-          <a:xfrm>
-            <a:off x="5297089" y="2128350"/>
-            <a:ext cx="478500" cy="443400"/>
-          </a:xfrm>
-          <a:prstGeom prst="rect">
-            <a:avLst/>
-          </a:prstGeom>
-          <a:noFill/>
-          <a:ln>
-            <a:noFill/>
-          </a:ln>
-        </p:spPr>
-        <p:txBody>
-          <a:bodyPr anchorCtr="0" anchor="t" bIns="91425" lIns="91425" spcFirstLastPara="1" rIns="91425" wrap="square" tIns="91425">
-            <a:noAutofit/>
-          </a:bodyPr>
-          <a:lstStyle/>
-          <a:p>
-            <a:pPr indent="0" lvl="0" marL="0" rtl="0" algn="l">
-              <a:spcBef>
-                <a:spcPts val="0"/>
-              </a:spcBef>
-              <a:spcAft>
-                <a:spcPts val="0"/>
-              </a:spcAft>
-              <a:buNone/>
-            </a:pPr>
-            <a:r>
-              <a:rPr b="1" lang="en" sz="1800">
-                <a:solidFill>
-                  <a:srgbClr val="FF0000"/>
-                </a:solidFill>
-              </a:rPr>
-              <a:t>A</a:t>
-            </a:r>
-            <a:endParaRPr b="1" sz="1800">
-              <a:solidFill>
-                <a:srgbClr val="FF0000"/>
-              </a:solidFill>
-            </a:endParaRPr>
-          </a:p>
-        </p:txBody>
-      </p:sp>
-      <p:sp>
-        <p:nvSpPr>
-          <p:cNvPr id="281" name="Google Shape;281;p36"/>
-          <p:cNvSpPr txBox="1"/>
-          <p:nvPr/>
-        </p:nvSpPr>
-        <p:spPr>
-          <a:xfrm>
-            <a:off x="2670161" y="2723400"/>
-            <a:ext cx="478500" cy="443400"/>
-          </a:xfrm>
-          <a:prstGeom prst="rect">
-            <a:avLst/>
-          </a:prstGeom>
-          <a:noFill/>
-          <a:ln>
-            <a:noFill/>
-          </a:ln>
-        </p:spPr>
-        <p:txBody>
-          <a:bodyPr anchorCtr="0" anchor="t" bIns="91425" lIns="91425" spcFirstLastPara="1" rIns="91425" wrap="square" tIns="91425">
-            <a:noAutofit/>
-          </a:bodyPr>
-          <a:lstStyle/>
-          <a:p>
-            <a:pPr indent="0" lvl="0" marL="0" rtl="0" algn="l">
-              <a:spcBef>
-                <a:spcPts val="0"/>
-              </a:spcBef>
-              <a:spcAft>
-                <a:spcPts val="0"/>
-              </a:spcAft>
-              <a:buNone/>
-            </a:pPr>
-            <a:r>
-              <a:rPr b="1" lang="en" sz="1800">
-                <a:solidFill>
-                  <a:srgbClr val="FF0000"/>
-                </a:solidFill>
-              </a:rPr>
-              <a:t>B</a:t>
-            </a:r>
-            <a:endParaRPr b="1" sz="1800">
-              <a:solidFill>
-                <a:srgbClr val="FF0000"/>
-              </a:solidFill>
-            </a:endParaRPr>
-          </a:p>
-        </p:txBody>
-      </p:sp>
-      <p:sp>
-        <p:nvSpPr>
-          <p:cNvPr id="282" name="Google Shape;282;p36"/>
-          <p:cNvSpPr txBox="1"/>
-          <p:nvPr/>
-        </p:nvSpPr>
-        <p:spPr>
-          <a:xfrm>
-            <a:off x="719954" y="2571750"/>
-            <a:ext cx="478500" cy="443400"/>
-          </a:xfrm>
-          <a:prstGeom prst="rect">
-            <a:avLst/>
-          </a:prstGeom>
-          <a:noFill/>
-          <a:ln>
-            <a:noFill/>
-          </a:ln>
-        </p:spPr>
-        <p:txBody>
-          <a:bodyPr anchorCtr="0" anchor="t" bIns="91425" lIns="91425" spcFirstLastPara="1" rIns="91425" wrap="square" tIns="91425">
-            <a:noAutofit/>
-          </a:bodyPr>
-          <a:lstStyle/>
-          <a:p>
-            <a:pPr indent="0" lvl="0" marL="0" rtl="0" algn="l">
-              <a:spcBef>
-                <a:spcPts val="0"/>
-              </a:spcBef>
-              <a:spcAft>
-                <a:spcPts val="0"/>
-              </a:spcAft>
-              <a:buNone/>
-            </a:pPr>
-            <a:r>
-              <a:rPr b="1" lang="en" sz="1800">
-                <a:solidFill>
-                  <a:srgbClr val="FF0000"/>
-                </a:solidFill>
-              </a:rPr>
-              <a:t>D</a:t>
-            </a:r>
-            <a:endParaRPr b="1" sz="1800">
-              <a:solidFill>
-                <a:srgbClr val="FF0000"/>
-              </a:solidFill>
-            </a:endParaRPr>
-          </a:p>
-        </p:txBody>
-      </p:sp>
-      <p:sp>
-        <p:nvSpPr>
-          <p:cNvPr id="283" name="Google Shape;283;p36"/>
-          <p:cNvSpPr txBox="1"/>
-          <p:nvPr/>
-        </p:nvSpPr>
-        <p:spPr>
-          <a:xfrm>
-            <a:off x="1018914" y="3323420"/>
-            <a:ext cx="478500" cy="443400"/>
-          </a:xfrm>
-          <a:prstGeom prst="rect">
-            <a:avLst/>
-          </a:prstGeom>
-          <a:noFill/>
-          <a:ln>
-            <a:noFill/>
-          </a:ln>
-        </p:spPr>
-        <p:txBody>
-          <a:bodyPr anchorCtr="0" anchor="t" bIns="91425" lIns="91425" spcFirstLastPara="1" rIns="91425" wrap="square" tIns="91425">
-            <a:noAutofit/>
-          </a:bodyPr>
-          <a:lstStyle/>
-          <a:p>
-            <a:pPr indent="0" lvl="0" marL="0" rtl="0" algn="l">
-              <a:spcBef>
-                <a:spcPts val="0"/>
-              </a:spcBef>
-              <a:spcAft>
-                <a:spcPts val="0"/>
-              </a:spcAft>
-              <a:buNone/>
-            </a:pPr>
-            <a:r>
-              <a:rPr b="1" lang="en" sz="1800">
-                <a:solidFill>
-                  <a:srgbClr val="FF0000"/>
-                </a:solidFill>
-              </a:rPr>
-              <a:t>C</a:t>
-            </a:r>
-            <a:endParaRPr b="1" sz="1800">
-              <a:solidFill>
-                <a:srgbClr val="FF0000"/>
-              </a:solidFill>
-            </a:endParaRPr>
-          </a:p>
-        </p:txBody>
-      </p:sp>
-      <p:sp>
-        <p:nvSpPr>
-          <p:cNvPr id="284" name="Google Shape;284;p36"/>
-          <p:cNvSpPr txBox="1"/>
-          <p:nvPr/>
-        </p:nvSpPr>
-        <p:spPr>
-          <a:xfrm>
-            <a:off x="1115014" y="3744500"/>
-            <a:ext cx="478500" cy="443400"/>
-          </a:xfrm>
-          <a:prstGeom prst="rect">
-            <a:avLst/>
-          </a:prstGeom>
-          <a:noFill/>
-          <a:ln>
-            <a:noFill/>
-          </a:ln>
-        </p:spPr>
-        <p:txBody>
-          <a:bodyPr anchorCtr="0" anchor="t" bIns="91425" lIns="91425" spcFirstLastPara="1" rIns="91425" wrap="square" tIns="91425">
-            <a:noAutofit/>
-          </a:bodyPr>
-          <a:lstStyle/>
-          <a:p>
-            <a:pPr indent="0" lvl="0" marL="0" rtl="0" algn="l">
-              <a:spcBef>
-                <a:spcPts val="0"/>
-              </a:spcBef>
-              <a:spcAft>
-                <a:spcPts val="0"/>
-              </a:spcAft>
-              <a:buNone/>
-            </a:pPr>
-            <a:r>
-              <a:rPr b="1" lang="en" sz="1800">
-                <a:solidFill>
-                  <a:srgbClr val="FF0000"/>
-                </a:solidFill>
-              </a:rPr>
-              <a:t>E</a:t>
-            </a:r>
-            <a:endParaRPr b="1" sz="1800">
-              <a:solidFill>
-                <a:srgbClr val="FF0000"/>
-              </a:solidFill>
-            </a:endParaRPr>
-          </a:p>
-        </p:txBody>
-      </p:sp>
-    </p:spTree>
-  </p:cSld>
-  <p:clrMapOvr>
-    <a:masterClrMapping/>
-  </p:clrMapOvr>
-</p:sld>
-</file>
-
-<file path=ppt/slides/slide25.xml><?xml version="1.0" encoding="utf-8"?>
-<p:sld xmlns:a="http://schemas.openxmlformats.org/drawingml/2006/main" xmlns:r="http://schemas.openxmlformats.org/officeDocument/2006/relationships" xmlns:mc="http://schemas.openxmlformats.org/markup-compatibility/2006" xmlns:mv="urn:schemas-microsoft-com:mac:vml" xmlns:p="http://schemas.openxmlformats.org/presentationml/2006/main" xmlns:c="http://schemas.openxmlformats.org/drawingml/2006/chart" xmlns:dgm="http://schemas.openxmlformats.org/drawingml/2006/diagram" xmlns:o="urn:schemas-microsoft-com:office:office" xmlns:v="urn:schemas-microsoft-com:vml" xmlns:pvml="urn:schemas-microsoft-com:office:powerpoint" xmlns:com="http://schemas.openxmlformats.org/drawingml/2006/compatibility" xmlns:p14="http://schemas.microsoft.com/office/powerpoint/2010/main" xmlns:p15="http://schemas.microsoft.com/office/powerpoint/2012/main">
-  <p:cSld>
-    <p:spTree>
-      <p:nvGrpSpPr>
-        <p:cNvPr id="288" name="Shape 288"/>
-        <p:cNvGrpSpPr/>
-        <p:nvPr/>
-      </p:nvGrpSpPr>
-      <p:grpSpPr>
-        <a:xfrm>
-          <a:off x="0" y="0"/>
-          <a:ext cx="0" cy="0"/>
-          <a:chOff x="0" y="0"/>
-          <a:chExt cx="0" cy="0"/>
-        </a:xfrm>
-      </p:grpSpPr>
-      <p:sp>
-        <p:nvSpPr>
-          <p:cNvPr id="289" name="Google Shape;289;p37"/>
-          <p:cNvSpPr txBox="1"/>
-          <p:nvPr>
-            <p:ph type="title"/>
-          </p:nvPr>
-        </p:nvSpPr>
-        <p:spPr>
-          <a:xfrm>
-            <a:off x="1297500" y="393750"/>
-            <a:ext cx="7038900" cy="914100"/>
-          </a:xfrm>
-          <a:prstGeom prst="rect">
-            <a:avLst/>
-          </a:prstGeom>
-        </p:spPr>
-        <p:txBody>
-          <a:bodyPr anchorCtr="0" anchor="t" bIns="91425" lIns="91425" spcFirstLastPara="1" rIns="91425" wrap="square" tIns="91425">
-            <a:noAutofit/>
-          </a:bodyPr>
-          <a:lstStyle/>
-          <a:p>
-            <a:pPr indent="0" lvl="0" marL="0" rtl="0" algn="l">
-              <a:spcBef>
-                <a:spcPts val="0"/>
-              </a:spcBef>
-              <a:spcAft>
-                <a:spcPts val="0"/>
-              </a:spcAft>
-              <a:buNone/>
-            </a:pPr>
-            <a:r>
-              <a:rPr lang="en"/>
-              <a:t>You are asked to adjust the parameters on Moisture Sensor</a:t>
-            </a:r>
-            <a:endParaRPr/>
-          </a:p>
-        </p:txBody>
-      </p:sp>
-      <p:sp>
-        <p:nvSpPr>
-          <p:cNvPr id="290" name="Google Shape;290;p37"/>
-          <p:cNvSpPr txBox="1"/>
-          <p:nvPr>
-            <p:ph idx="1" type="body"/>
-          </p:nvPr>
-        </p:nvSpPr>
-        <p:spPr>
-          <a:xfrm>
-            <a:off x="311700" y="1457275"/>
-            <a:ext cx="8520600" cy="3416400"/>
-          </a:xfrm>
-          <a:prstGeom prst="rect">
-            <a:avLst/>
-          </a:prstGeom>
-        </p:spPr>
-        <p:txBody>
-          <a:bodyPr anchorCtr="0" anchor="t" bIns="91425" lIns="91425" spcFirstLastPara="1" rIns="91425" wrap="square" tIns="91425">
-            <a:noAutofit/>
-          </a:bodyPr>
-          <a:lstStyle/>
-          <a:p>
-            <a:pPr indent="0" lvl="0" marL="0" rtl="0" algn="l">
-              <a:spcBef>
-                <a:spcPts val="0"/>
-              </a:spcBef>
-              <a:spcAft>
-                <a:spcPts val="1600"/>
-              </a:spcAft>
-              <a:buNone/>
-            </a:pPr>
-            <a:r>
-              <a:rPr lang="en"/>
-              <a:t>Do you use the sliders and/or enter in the values? - more specific to the astronaut </a:t>
-            </a:r>
-            <a:endParaRPr/>
-          </a:p>
-        </p:txBody>
-      </p:sp>
-      <p:pic>
-        <p:nvPicPr>
-          <p:cNvPr id="291" name="Google Shape;291;p37"/>
-          <p:cNvPicPr preferRelativeResize="0"/>
-          <p:nvPr/>
-        </p:nvPicPr>
-        <p:blipFill>
-          <a:blip r:embed="rId3">
-            <a:alphaModFix/>
-          </a:blip>
-          <a:stretch>
-            <a:fillRect/>
-          </a:stretch>
-        </p:blipFill>
-        <p:spPr>
-          <a:xfrm>
-            <a:off x="1100125" y="2184575"/>
-            <a:ext cx="6943725" cy="1333500"/>
-          </a:xfrm>
-          <a:prstGeom prst="rect">
-            <a:avLst/>
-          </a:prstGeom>
-          <a:noFill/>
-          <a:ln>
-            <a:noFill/>
-          </a:ln>
-        </p:spPr>
-      </p:pic>
-    </p:spTree>
-  </p:cSld>
-  <p:clrMapOvr>
-    <a:masterClrMapping/>
-  </p:clrMapOvr>
-</p:sld>
-</file>
-
-<file path=ppt/slides/slide26.xml><?xml version="1.0" encoding="utf-8"?>
-<p:sld xmlns:a="http://schemas.openxmlformats.org/drawingml/2006/main" xmlns:r="http://schemas.openxmlformats.org/officeDocument/2006/relationships" xmlns:mc="http://schemas.openxmlformats.org/markup-compatibility/2006" xmlns:mv="urn:schemas-microsoft-com:mac:vml" xmlns:p="http://schemas.openxmlformats.org/presentationml/2006/main" xmlns:c="http://schemas.openxmlformats.org/drawingml/2006/chart" xmlns:dgm="http://schemas.openxmlformats.org/drawingml/2006/diagram" xmlns:o="urn:schemas-microsoft-com:office:office" xmlns:v="urn:schemas-microsoft-com:vml" xmlns:pvml="urn:schemas-microsoft-com:office:powerpoint" xmlns:com="http://schemas.openxmlformats.org/drawingml/2006/compatibility" xmlns:p14="http://schemas.microsoft.com/office/powerpoint/2010/main" xmlns:p15="http://schemas.microsoft.com/office/powerpoint/2012/main">
-  <p:cSld>
-    <p:spTree>
-      <p:nvGrpSpPr>
-        <p:cNvPr id="295" name="Shape 295"/>
-        <p:cNvGrpSpPr/>
-        <p:nvPr/>
-      </p:nvGrpSpPr>
-      <p:grpSpPr>
-        <a:xfrm>
-          <a:off x="0" y="0"/>
-          <a:ext cx="0" cy="0"/>
-          <a:chOff x="0" y="0"/>
-          <a:chExt cx="0" cy="0"/>
-        </a:xfrm>
-      </p:grpSpPr>
-      <p:sp>
-        <p:nvSpPr>
-          <p:cNvPr id="296" name="Google Shape;296;p38"/>
-          <p:cNvSpPr txBox="1"/>
-          <p:nvPr>
-            <p:ph type="title"/>
-          </p:nvPr>
-        </p:nvSpPr>
-        <p:spPr>
-          <a:xfrm>
-            <a:off x="311700" y="445025"/>
-            <a:ext cx="3631500" cy="572700"/>
-          </a:xfrm>
-          <a:prstGeom prst="rect">
-            <a:avLst/>
-          </a:prstGeom>
-        </p:spPr>
-        <p:txBody>
-          <a:bodyPr anchorCtr="0" anchor="t" bIns="91425" lIns="91425" spcFirstLastPara="1" rIns="91425" wrap="square" tIns="91425">
-            <a:noAutofit/>
-          </a:bodyPr>
-          <a:lstStyle/>
-          <a:p>
-            <a:pPr indent="0" lvl="0" marL="0" rtl="0" algn="l">
-              <a:spcBef>
-                <a:spcPts val="0"/>
-              </a:spcBef>
-              <a:spcAft>
-                <a:spcPts val="0"/>
-              </a:spcAft>
-              <a:buNone/>
-            </a:pPr>
-            <a:r>
-              <a:rPr lang="en"/>
-              <a:t>You are asked to start the device.</a:t>
-            </a:r>
-            <a:endParaRPr/>
-          </a:p>
-        </p:txBody>
-      </p:sp>
-      <p:sp>
-        <p:nvSpPr>
-          <p:cNvPr id="297" name="Google Shape;297;p38"/>
-          <p:cNvSpPr txBox="1"/>
-          <p:nvPr>
-            <p:ph idx="1" type="body"/>
-          </p:nvPr>
-        </p:nvSpPr>
-        <p:spPr>
-          <a:xfrm>
-            <a:off x="1297500" y="1567550"/>
-            <a:ext cx="7038900" cy="2911200"/>
-          </a:xfrm>
-          <a:prstGeom prst="rect">
-            <a:avLst/>
-          </a:prstGeom>
-        </p:spPr>
-        <p:txBody>
-          <a:bodyPr anchorCtr="0" anchor="t" bIns="91425" lIns="91425" spcFirstLastPara="1" rIns="91425" wrap="square" tIns="91425">
-            <a:noAutofit/>
-          </a:bodyPr>
-          <a:lstStyle/>
-          <a:p>
-            <a:pPr indent="0" lvl="0" marL="0" rtl="0" algn="l">
-              <a:spcBef>
-                <a:spcPts val="0"/>
-              </a:spcBef>
-              <a:spcAft>
-                <a:spcPts val="0"/>
-              </a:spcAft>
-              <a:buNone/>
-            </a:pPr>
-            <a:r>
-              <a:t/>
-            </a:r>
-            <a:endParaRPr/>
-          </a:p>
-          <a:p>
-            <a:pPr indent="0" lvl="0" marL="0" rtl="0" algn="l">
-              <a:spcBef>
-                <a:spcPts val="1600"/>
-              </a:spcBef>
-              <a:spcAft>
-                <a:spcPts val="1600"/>
-              </a:spcAft>
-              <a:buNone/>
-            </a:pPr>
-            <a:r>
-              <a:rPr lang="en"/>
-              <a:t>Where do you look first?</a:t>
-            </a:r>
-            <a:endParaRPr/>
-          </a:p>
-        </p:txBody>
-      </p:sp>
-      <p:pic>
-        <p:nvPicPr>
-          <p:cNvPr id="298" name="Google Shape;298;p38"/>
-          <p:cNvPicPr preferRelativeResize="0"/>
-          <p:nvPr/>
-        </p:nvPicPr>
-        <p:blipFill>
-          <a:blip r:embed="rId3">
-            <a:alphaModFix/>
-          </a:blip>
-          <a:stretch>
-            <a:fillRect/>
-          </a:stretch>
-        </p:blipFill>
-        <p:spPr>
-          <a:xfrm>
-            <a:off x="3943200" y="271250"/>
-            <a:ext cx="5075074" cy="4600999"/>
-          </a:xfrm>
-          <a:prstGeom prst="rect">
-            <a:avLst/>
-          </a:prstGeom>
-          <a:noFill/>
-          <a:ln>
-            <a:noFill/>
-          </a:ln>
-        </p:spPr>
-      </p:pic>
-    </p:spTree>
-  </p:cSld>
-  <p:clrMapOvr>
-    <a:masterClrMapping/>
-  </p:clrMapOvr>
-</p:sld>
-</file>
-
-<file path=ppt/slides/slide27.xml><?xml version="1.0" encoding="utf-8"?>
-<p:sld xmlns:a="http://schemas.openxmlformats.org/drawingml/2006/main" xmlns:r="http://schemas.openxmlformats.org/officeDocument/2006/relationships" xmlns:mc="http://schemas.openxmlformats.org/markup-compatibility/2006" xmlns:mv="urn:schemas-microsoft-com:mac:vml" xmlns:p="http://schemas.openxmlformats.org/presentationml/2006/main" xmlns:c="http://schemas.openxmlformats.org/drawingml/2006/chart" xmlns:dgm="http://schemas.openxmlformats.org/drawingml/2006/diagram" xmlns:o="urn:schemas-microsoft-com:office:office" xmlns:v="urn:schemas-microsoft-com:vml" xmlns:pvml="urn:schemas-microsoft-com:office:powerpoint" xmlns:com="http://schemas.openxmlformats.org/drawingml/2006/compatibility" xmlns:p14="http://schemas.microsoft.com/office/powerpoint/2010/main" xmlns:p15="http://schemas.microsoft.com/office/powerpoint/2012/main">
-  <p:cSld>
-    <p:spTree>
-      <p:nvGrpSpPr>
-        <p:cNvPr id="302" name="Shape 302"/>
-        <p:cNvGrpSpPr/>
-        <p:nvPr/>
-      </p:nvGrpSpPr>
-      <p:grpSpPr>
-        <a:xfrm>
-          <a:off x="0" y="0"/>
-          <a:ext cx="0" cy="0"/>
-          <a:chOff x="0" y="0"/>
-          <a:chExt cx="0" cy="0"/>
-        </a:xfrm>
-      </p:grpSpPr>
-      <p:sp>
-        <p:nvSpPr>
-          <p:cNvPr id="303" name="Google Shape;303;p39"/>
-          <p:cNvSpPr txBox="1"/>
-          <p:nvPr>
-            <p:ph idx="1" type="body"/>
-          </p:nvPr>
-        </p:nvSpPr>
-        <p:spPr>
-          <a:xfrm>
-            <a:off x="1297500" y="1567550"/>
-            <a:ext cx="7038900" cy="2911200"/>
-          </a:xfrm>
-          <a:prstGeom prst="rect">
-            <a:avLst/>
-          </a:prstGeom>
-        </p:spPr>
-        <p:txBody>
-          <a:bodyPr anchorCtr="0" anchor="t" bIns="91425" lIns="91425" spcFirstLastPara="1" rIns="91425" wrap="square" tIns="91425">
-            <a:noAutofit/>
-          </a:bodyPr>
-          <a:lstStyle/>
-          <a:p>
-            <a:pPr indent="0" lvl="0" marL="0" rtl="0" algn="l">
-              <a:spcBef>
-                <a:spcPts val="0"/>
-              </a:spcBef>
-              <a:spcAft>
-                <a:spcPts val="1600"/>
-              </a:spcAft>
-              <a:buNone/>
-            </a:pPr>
-            <a:r>
-              <a:t/>
-            </a:r>
-            <a:endParaRPr/>
-          </a:p>
-        </p:txBody>
-      </p:sp>
-      <p:pic>
-        <p:nvPicPr>
-          <p:cNvPr id="304" name="Google Shape;304;p39"/>
-          <p:cNvPicPr preferRelativeResize="0"/>
-          <p:nvPr/>
-        </p:nvPicPr>
-        <p:blipFill>
-          <a:blip r:embed="rId3">
-            <a:alphaModFix/>
-          </a:blip>
-          <a:stretch>
-            <a:fillRect/>
-          </a:stretch>
-        </p:blipFill>
-        <p:spPr>
-          <a:xfrm>
-            <a:off x="0" y="1107245"/>
-            <a:ext cx="9143999" cy="3900010"/>
-          </a:xfrm>
-          <a:prstGeom prst="rect">
-            <a:avLst/>
-          </a:prstGeom>
-          <a:noFill/>
-          <a:ln>
-            <a:noFill/>
-          </a:ln>
-        </p:spPr>
-      </p:pic>
-      <p:sp>
-        <p:nvSpPr>
-          <p:cNvPr id="305" name="Google Shape;305;p39"/>
-          <p:cNvSpPr txBox="1"/>
-          <p:nvPr>
-            <p:ph type="title"/>
-          </p:nvPr>
-        </p:nvSpPr>
-        <p:spPr>
-          <a:xfrm>
-            <a:off x="1297500" y="393750"/>
-            <a:ext cx="7038900" cy="914100"/>
-          </a:xfrm>
-          <a:prstGeom prst="rect">
-            <a:avLst/>
-          </a:prstGeom>
-        </p:spPr>
-        <p:txBody>
-          <a:bodyPr anchorCtr="0" anchor="t" bIns="91425" lIns="91425" spcFirstLastPara="1" rIns="91425" wrap="square" tIns="91425">
-            <a:noAutofit/>
-          </a:bodyPr>
-          <a:lstStyle/>
-          <a:p>
-            <a:pPr indent="0" lvl="0" marL="0" rtl="0" algn="l">
-              <a:spcBef>
-                <a:spcPts val="0"/>
-              </a:spcBef>
-              <a:spcAft>
-                <a:spcPts val="0"/>
-              </a:spcAft>
-              <a:buNone/>
-            </a:pPr>
-            <a:r>
-              <a:rPr lang="en"/>
-              <a:t>Table of crops:</a:t>
-            </a:r>
-            <a:endParaRPr/>
-          </a:p>
-        </p:txBody>
-      </p:sp>
-    </p:spTree>
-  </p:cSld>
-  <p:clrMapOvr>
-    <a:masterClrMapping/>
-  </p:clrMapOvr>
-</p:sld>
-</file>
-
-<file path=ppt/slides/slide28.xml><?xml version="1.0" encoding="utf-8"?>
-<p:sld xmlns:a="http://schemas.openxmlformats.org/drawingml/2006/main" xmlns:r="http://schemas.openxmlformats.org/officeDocument/2006/relationships" xmlns:mc="http://schemas.openxmlformats.org/markup-compatibility/2006" xmlns:mv="urn:schemas-microsoft-com:mac:vml" xmlns:p="http://schemas.openxmlformats.org/presentationml/2006/main" xmlns:c="http://schemas.openxmlformats.org/drawingml/2006/chart" xmlns:dgm="http://schemas.openxmlformats.org/drawingml/2006/diagram" xmlns:o="urn:schemas-microsoft-com:office:office" xmlns:v="urn:schemas-microsoft-com:vml" xmlns:pvml="urn:schemas-microsoft-com:office:powerpoint" xmlns:com="http://schemas.openxmlformats.org/drawingml/2006/compatibility" xmlns:p14="http://schemas.microsoft.com/office/powerpoint/2010/main" xmlns:p15="http://schemas.microsoft.com/office/powerpoint/2012/main">
-  <p:cSld>
-    <p:spTree>
-      <p:nvGrpSpPr>
-        <p:cNvPr id="309" name="Shape 309"/>
-        <p:cNvGrpSpPr/>
-        <p:nvPr/>
-      </p:nvGrpSpPr>
-      <p:grpSpPr>
-        <a:xfrm>
-          <a:off x="0" y="0"/>
-          <a:ext cx="0" cy="0"/>
-          <a:chOff x="0" y="0"/>
-          <a:chExt cx="0" cy="0"/>
-        </a:xfrm>
-      </p:grpSpPr>
-      <p:sp>
-        <p:nvSpPr>
-          <p:cNvPr id="310" name="Google Shape;310;p40"/>
-          <p:cNvSpPr txBox="1"/>
-          <p:nvPr>
-            <p:ph idx="1" type="body"/>
-          </p:nvPr>
-        </p:nvSpPr>
-        <p:spPr>
-          <a:xfrm>
-            <a:off x="1297500" y="1567550"/>
-            <a:ext cx="7038900" cy="2911200"/>
-          </a:xfrm>
-          <a:prstGeom prst="rect">
-            <a:avLst/>
-          </a:prstGeom>
-        </p:spPr>
-        <p:txBody>
-          <a:bodyPr anchorCtr="0" anchor="t" bIns="91425" lIns="91425" spcFirstLastPara="1" rIns="91425" wrap="square" tIns="91425">
-            <a:noAutofit/>
-          </a:bodyPr>
-          <a:lstStyle/>
-          <a:p>
-            <a:pPr indent="0" lvl="0" marL="0" rtl="0" algn="l">
-              <a:spcBef>
-                <a:spcPts val="0"/>
-              </a:spcBef>
-              <a:spcAft>
-                <a:spcPts val="1600"/>
-              </a:spcAft>
-              <a:buNone/>
-            </a:pPr>
-            <a:r>
-              <a:t/>
-            </a:r>
-            <a:endParaRPr/>
-          </a:p>
-        </p:txBody>
-      </p:sp>
-      <p:pic>
-        <p:nvPicPr>
-          <p:cNvPr id="311" name="Google Shape;311;p40"/>
-          <p:cNvPicPr preferRelativeResize="0"/>
-          <p:nvPr/>
-        </p:nvPicPr>
-        <p:blipFill>
-          <a:blip r:embed="rId3">
-            <a:alphaModFix/>
-          </a:blip>
-          <a:stretch>
-            <a:fillRect/>
-          </a:stretch>
-        </p:blipFill>
-        <p:spPr>
-          <a:xfrm>
-            <a:off x="0" y="1107245"/>
-            <a:ext cx="9143999" cy="3900010"/>
-          </a:xfrm>
-          <a:prstGeom prst="rect">
-            <a:avLst/>
-          </a:prstGeom>
-          <a:noFill/>
-          <a:ln>
-            <a:noFill/>
-          </a:ln>
-        </p:spPr>
-      </p:pic>
-      <p:sp>
-        <p:nvSpPr>
-          <p:cNvPr id="312" name="Google Shape;312;p40"/>
-          <p:cNvSpPr txBox="1"/>
-          <p:nvPr>
-            <p:ph type="title"/>
-          </p:nvPr>
-        </p:nvSpPr>
-        <p:spPr>
-          <a:xfrm>
-            <a:off x="1297500" y="393750"/>
-            <a:ext cx="7038900" cy="914100"/>
-          </a:xfrm>
-          <a:prstGeom prst="rect">
-            <a:avLst/>
-          </a:prstGeom>
-        </p:spPr>
-        <p:txBody>
-          <a:bodyPr anchorCtr="0" anchor="t" bIns="91425" lIns="91425" spcFirstLastPara="1" rIns="91425" wrap="square" tIns="91425">
-            <a:noAutofit/>
-          </a:bodyPr>
-          <a:lstStyle/>
-          <a:p>
-            <a:pPr indent="0" lvl="0" marL="0" rtl="0" algn="l">
-              <a:spcBef>
-                <a:spcPts val="0"/>
-              </a:spcBef>
-              <a:spcAft>
-                <a:spcPts val="0"/>
-              </a:spcAft>
-              <a:buNone/>
-            </a:pPr>
-            <a:r>
-              <a:rPr lang="en"/>
-              <a:t>Table of crops:</a:t>
-            </a:r>
-            <a:endParaRPr/>
-          </a:p>
-        </p:txBody>
-      </p:sp>
-      <p:sp>
-        <p:nvSpPr>
-          <p:cNvPr id="313" name="Google Shape;313;p40"/>
-          <p:cNvSpPr/>
-          <p:nvPr/>
-        </p:nvSpPr>
-        <p:spPr>
-          <a:xfrm>
-            <a:off x="3778475" y="1723875"/>
-            <a:ext cx="1442400" cy="1752000"/>
-          </a:xfrm>
-          <a:prstGeom prst="ellipse">
-            <a:avLst/>
-          </a:prstGeom>
-          <a:noFill/>
-          <a:ln cap="flat" cmpd="sng" w="9525">
-            <a:solidFill>
-              <a:srgbClr val="CC0000"/>
-            </a:solidFill>
-            <a:prstDash val="solid"/>
-            <a:round/>
-            <a:headEnd len="sm" w="sm" type="none"/>
-            <a:tailEnd len="sm" w="sm" type="none"/>
-          </a:ln>
-        </p:spPr>
-        <p:txBody>
-          <a:bodyPr anchorCtr="0" anchor="ctr" bIns="91425" lIns="91425" spcFirstLastPara="1" rIns="91425" wrap="square" tIns="91425">
-            <a:noAutofit/>
-          </a:bodyPr>
-          <a:lstStyle/>
-          <a:p>
-            <a:pPr indent="0" lvl="0" marL="0" rtl="0" algn="l">
-              <a:spcBef>
-                <a:spcPts val="0"/>
-              </a:spcBef>
-              <a:spcAft>
-                <a:spcPts val="0"/>
-              </a:spcAft>
-              <a:buNone/>
-            </a:pPr>
-            <a:r>
-              <a:t/>
-            </a:r>
-            <a:endParaRPr/>
-          </a:p>
-        </p:txBody>
-      </p:sp>
-      <p:cxnSp>
-        <p:nvCxnSpPr>
-          <p:cNvPr id="314" name="Google Shape;314;p40"/>
-          <p:cNvCxnSpPr/>
-          <p:nvPr/>
-        </p:nvCxnSpPr>
-        <p:spPr>
-          <a:xfrm flipH="1">
-            <a:off x="4742550" y="1217275"/>
-            <a:ext cx="780900" cy="541800"/>
-          </a:xfrm>
-          <a:prstGeom prst="straightConnector1">
-            <a:avLst/>
-          </a:prstGeom>
-          <a:noFill/>
-          <a:ln cap="flat" cmpd="sng" w="9525">
-            <a:solidFill>
-              <a:srgbClr val="FF0000"/>
-            </a:solidFill>
-            <a:prstDash val="solid"/>
-            <a:round/>
-            <a:headEnd len="med" w="med" type="none"/>
-            <a:tailEnd len="med" w="med" type="none"/>
-          </a:ln>
-        </p:spPr>
-      </p:cxnSp>
-      <p:sp>
-        <p:nvSpPr>
-          <p:cNvPr id="315" name="Google Shape;315;p40"/>
-          <p:cNvSpPr txBox="1"/>
-          <p:nvPr/>
-        </p:nvSpPr>
-        <p:spPr>
-          <a:xfrm>
-            <a:off x="5347550" y="555875"/>
-            <a:ext cx="1625400" cy="654300"/>
-          </a:xfrm>
-          <a:prstGeom prst="rect">
-            <a:avLst/>
-          </a:prstGeom>
-          <a:noFill/>
-          <a:ln cap="flat" cmpd="sng" w="9525">
-            <a:solidFill>
-              <a:srgbClr val="FF0000"/>
-            </a:solidFill>
-            <a:prstDash val="solid"/>
-            <a:round/>
-            <a:headEnd len="sm" w="sm" type="none"/>
-            <a:tailEnd len="sm" w="sm" type="none"/>
-          </a:ln>
-        </p:spPr>
-        <p:txBody>
-          <a:bodyPr anchorCtr="0" anchor="t" bIns="91425" lIns="91425" spcFirstLastPara="1" rIns="91425" wrap="square" tIns="91425">
-            <a:noAutofit/>
-          </a:bodyPr>
-          <a:lstStyle/>
-          <a:p>
-            <a:pPr indent="0" lvl="0" marL="0" rtl="0" algn="l">
-              <a:spcBef>
-                <a:spcPts val="0"/>
-              </a:spcBef>
-              <a:spcAft>
-                <a:spcPts val="0"/>
-              </a:spcAft>
-              <a:buNone/>
-            </a:pPr>
-            <a:r>
-              <a:rPr lang="en" sz="900">
-                <a:solidFill>
-                  <a:srgbClr val="FF0000"/>
-                </a:solidFill>
-              </a:rPr>
-              <a:t>These elements, though pretty, may be distracting or costly on resources.</a:t>
-            </a:r>
-            <a:endParaRPr sz="900">
-              <a:solidFill>
-                <a:srgbClr val="FF0000"/>
-              </a:solidFill>
-            </a:endParaRPr>
-          </a:p>
-        </p:txBody>
-      </p:sp>
-    </p:spTree>
-  </p:cSld>
-  <p:clrMapOvr>
-    <a:masterClrMapping/>
-  </p:clrMapOvr>
-</p:sld>
-</file>
-
-<file path=ppt/slides/slide29.xml><?xml version="1.0" encoding="utf-8"?>
-<p:sld xmlns:a="http://schemas.openxmlformats.org/drawingml/2006/main" xmlns:r="http://schemas.openxmlformats.org/officeDocument/2006/relationships" xmlns:mc="http://schemas.openxmlformats.org/markup-compatibility/2006" xmlns:mv="urn:schemas-microsoft-com:mac:vml" xmlns:p="http://schemas.openxmlformats.org/presentationml/2006/main" xmlns:c="http://schemas.openxmlformats.org/drawingml/2006/chart" xmlns:dgm="http://schemas.openxmlformats.org/drawingml/2006/diagram" xmlns:o="urn:schemas-microsoft-com:office:office" xmlns:v="urn:schemas-microsoft-com:vml" xmlns:pvml="urn:schemas-microsoft-com:office:powerpoint" xmlns:com="http://schemas.openxmlformats.org/drawingml/2006/compatibility" xmlns:p14="http://schemas.microsoft.com/office/powerpoint/2010/main" xmlns:p15="http://schemas.microsoft.com/office/powerpoint/2012/main">
-  <p:cSld>
-    <p:spTree>
-      <p:nvGrpSpPr>
-        <p:cNvPr id="319" name="Shape 319"/>
-        <p:cNvGrpSpPr/>
-        <p:nvPr/>
-      </p:nvGrpSpPr>
-      <p:grpSpPr>
-        <a:xfrm>
-          <a:off x="0" y="0"/>
-          <a:ext cx="0" cy="0"/>
-          <a:chOff x="0" y="0"/>
-          <a:chExt cx="0" cy="0"/>
-        </a:xfrm>
-      </p:grpSpPr>
-      <p:pic>
-        <p:nvPicPr>
-          <p:cNvPr id="320" name="Google Shape;320;p41"/>
-          <p:cNvPicPr preferRelativeResize="0"/>
-          <p:nvPr/>
-        </p:nvPicPr>
-        <p:blipFill>
-          <a:blip r:embed="rId3">
-            <a:alphaModFix/>
-          </a:blip>
-          <a:stretch>
-            <a:fillRect/>
-          </a:stretch>
-        </p:blipFill>
-        <p:spPr>
-          <a:xfrm>
-            <a:off x="0" y="1078945"/>
-            <a:ext cx="9143999" cy="3900010"/>
-          </a:xfrm>
-          <a:prstGeom prst="rect">
-            <a:avLst/>
-          </a:prstGeom>
-          <a:noFill/>
-          <a:ln>
-            <a:noFill/>
-          </a:ln>
-        </p:spPr>
-      </p:pic>
-      <p:sp>
-        <p:nvSpPr>
-          <p:cNvPr id="321" name="Google Shape;321;p41"/>
-          <p:cNvSpPr/>
-          <p:nvPr/>
-        </p:nvSpPr>
-        <p:spPr>
-          <a:xfrm>
-            <a:off x="1667600" y="1611139"/>
-            <a:ext cx="7472400" cy="3360900"/>
-          </a:xfrm>
-          <a:prstGeom prst="rect">
-            <a:avLst/>
-          </a:prstGeom>
-          <a:solidFill>
-            <a:srgbClr val="FFFFFF"/>
-          </a:solidFill>
-          <a:ln>
-            <a:noFill/>
-          </a:ln>
-        </p:spPr>
-        <p:txBody>
-          <a:bodyPr anchorCtr="0" anchor="ctr" bIns="91425" lIns="91425" spcFirstLastPara="1" rIns="91425" wrap="square" tIns="91425">
-            <a:noAutofit/>
-          </a:bodyPr>
-          <a:lstStyle/>
-          <a:p>
-            <a:pPr indent="0" lvl="0" marL="0" rtl="0" algn="l">
-              <a:spcBef>
-                <a:spcPts val="0"/>
-              </a:spcBef>
-              <a:spcAft>
-                <a:spcPts val="0"/>
-              </a:spcAft>
-              <a:buNone/>
-            </a:pPr>
-            <a:r>
-              <a:t/>
-            </a:r>
-            <a:endParaRPr/>
-          </a:p>
-        </p:txBody>
-      </p:sp>
-      <p:pic>
-        <p:nvPicPr>
-          <p:cNvPr id="322" name="Google Shape;322;p41"/>
-          <p:cNvPicPr preferRelativeResize="0"/>
-          <p:nvPr/>
-        </p:nvPicPr>
-        <p:blipFill>
-          <a:blip r:embed="rId4">
-            <a:alphaModFix/>
-          </a:blip>
-          <a:stretch>
-            <a:fillRect/>
-          </a:stretch>
-        </p:blipFill>
-        <p:spPr>
-          <a:xfrm>
-            <a:off x="1739925" y="1683350"/>
-            <a:ext cx="1962150" cy="3181350"/>
-          </a:xfrm>
-          <a:prstGeom prst="rect">
-            <a:avLst/>
-          </a:prstGeom>
-          <a:noFill/>
-          <a:ln>
-            <a:noFill/>
-          </a:ln>
-        </p:spPr>
-      </p:pic>
-      <p:sp>
-        <p:nvSpPr>
-          <p:cNvPr id="323" name="Google Shape;323;p41"/>
-          <p:cNvSpPr txBox="1"/>
-          <p:nvPr>
-            <p:ph type="title"/>
-          </p:nvPr>
-        </p:nvSpPr>
-        <p:spPr>
-          <a:xfrm>
-            <a:off x="311700" y="170625"/>
-            <a:ext cx="8520600" cy="572700"/>
-          </a:xfrm>
-          <a:prstGeom prst="rect">
-            <a:avLst/>
-          </a:prstGeom>
-        </p:spPr>
-        <p:txBody>
-          <a:bodyPr anchorCtr="0" anchor="t" bIns="91425" lIns="91425" spcFirstLastPara="1" rIns="91425" wrap="square" tIns="91425">
-            <a:noAutofit/>
-          </a:bodyPr>
-          <a:lstStyle/>
-          <a:p>
-            <a:pPr indent="0" lvl="0" marL="0" rtl="0" algn="l">
-              <a:spcBef>
-                <a:spcPts val="0"/>
-              </a:spcBef>
-              <a:spcAft>
-                <a:spcPts val="0"/>
-              </a:spcAft>
-              <a:buNone/>
-            </a:pPr>
-            <a:r>
-              <a:rPr lang="en"/>
-              <a:t>Or simple list?</a:t>
             </a:r>
             <a:endParaRPr/>
           </a:p>

--- a/docs/Milestone4Presentation.pptx
+++ b/docs/Milestone4Presentation.pptx
@@ -29,23 +29,28 @@
     <p:sldId id="274" r:id="rId25"/>
     <p:sldId id="275" r:id="rId26"/>
     <p:sldId id="276" r:id="rId27"/>
+    <p:sldId id="277" r:id="rId28"/>
+    <p:sldId id="278" r:id="rId29"/>
+    <p:sldId id="279" r:id="rId30"/>
+    <p:sldId id="280" r:id="rId31"/>
+    <p:sldId id="281" r:id="rId32"/>
   </p:sldIdLst>
   <p:sldSz cy="5143500" cx="9144000"/>
   <p:notesSz cx="6858000" cy="9144000"/>
   <p:embeddedFontLst>
     <p:embeddedFont>
       <p:font typeface="Montserrat"/>
-      <p:regular r:id="rId28"/>
-      <p:bold r:id="rId29"/>
-      <p:italic r:id="rId30"/>
-      <p:boldItalic r:id="rId31"/>
+      <p:regular r:id="rId33"/>
+      <p:bold r:id="rId34"/>
+      <p:italic r:id="rId35"/>
+      <p:boldItalic r:id="rId36"/>
     </p:embeddedFont>
     <p:embeddedFont>
       <p:font typeface="Lato"/>
-      <p:regular r:id="rId32"/>
-      <p:bold r:id="rId33"/>
-      <p:italic r:id="rId34"/>
-      <p:boldItalic r:id="rId35"/>
+      <p:regular r:id="rId37"/>
+      <p:bold r:id="rId38"/>
+      <p:italic r:id="rId39"/>
+      <p:boldItalic r:id="rId40"/>
     </p:embeddedFont>
   </p:embeddedFontLst>
   <p:defaultTextStyle>
@@ -2097,6 +2102,501 @@
       <p:sp>
         <p:nvSpPr>
           <p:cNvPr id="257" name="Google Shape;257;g7e0fa2b5d8_0_442:notes"/>
+          <p:cNvSpPr txBox="1"/>
+          <p:nvPr>
+            <p:ph idx="1" type="body"/>
+          </p:nvPr>
+        </p:nvSpPr>
+        <p:spPr>
+          <a:xfrm>
+            <a:off x="685800" y="4343400"/>
+            <a:ext cx="5486400" cy="4114800"/>
+          </a:xfrm>
+          <a:prstGeom prst="rect">
+            <a:avLst/>
+          </a:prstGeom>
+        </p:spPr>
+        <p:txBody>
+          <a:bodyPr anchorCtr="0" anchor="t" bIns="91425" lIns="91425" spcFirstLastPara="1" rIns="91425" wrap="square" tIns="91425">
+            <a:noAutofit/>
+          </a:bodyPr>
+          <a:lstStyle/>
+          <a:p>
+            <a:pPr indent="0" lvl="0" marL="0" rtl="0" algn="l">
+              <a:spcBef>
+                <a:spcPts val="0"/>
+              </a:spcBef>
+              <a:spcAft>
+                <a:spcPts val="0"/>
+              </a:spcAft>
+              <a:buNone/>
+            </a:pPr>
+            <a:r>
+              <a:t/>
+            </a:r>
+            <a:endParaRPr/>
+          </a:p>
+        </p:txBody>
+      </p:sp>
+    </p:spTree>
+  </p:cSld>
+  <p:clrMapOvr>
+    <a:masterClrMapping/>
+  </p:clrMapOvr>
+</p:notes>
+</file>
+
+<file path=ppt/notesSlides/notesSlide22.xml><?xml version="1.0" encoding="utf-8"?>
+<p:notes xmlns:a="http://schemas.openxmlformats.org/drawingml/2006/main" xmlns:r="http://schemas.openxmlformats.org/officeDocument/2006/relationships" xmlns:mc="http://schemas.openxmlformats.org/markup-compatibility/2006" xmlns:mv="urn:schemas-microsoft-com:mac:vml" xmlns:p="http://schemas.openxmlformats.org/presentationml/2006/main" xmlns:c="http://schemas.openxmlformats.org/drawingml/2006/chart" xmlns:dgm="http://schemas.openxmlformats.org/drawingml/2006/diagram" xmlns:o="urn:schemas-microsoft-com:office:office" xmlns:v="urn:schemas-microsoft-com:vml" xmlns:pvml="urn:schemas-microsoft-com:office:powerpoint" xmlns:com="http://schemas.openxmlformats.org/drawingml/2006/compatibility" xmlns:p14="http://schemas.microsoft.com/office/powerpoint/2010/main" xmlns:p15="http://schemas.microsoft.com/office/powerpoint/2012/main" showMasterPhAnim="0" showMasterSp="0">
+  <p:cSld>
+    <p:spTree>
+      <p:nvGrpSpPr>
+        <p:cNvPr id="261" name="Shape 261"/>
+        <p:cNvGrpSpPr/>
+        <p:nvPr/>
+      </p:nvGrpSpPr>
+      <p:grpSpPr>
+        <a:xfrm>
+          <a:off x="0" y="0"/>
+          <a:ext cx="0" cy="0"/>
+          <a:chOff x="0" y="0"/>
+          <a:chExt cx="0" cy="0"/>
+        </a:xfrm>
+      </p:grpSpPr>
+      <p:sp>
+        <p:nvSpPr>
+          <p:cNvPr id="262" name="Google Shape;262;g7e1c968e73_1_26:notes"/>
+          <p:cNvSpPr/>
+          <p:nvPr>
+            <p:ph idx="2" type="sldImg"/>
+          </p:nvPr>
+        </p:nvSpPr>
+        <p:spPr>
+          <a:xfrm>
+            <a:off x="381300" y="685800"/>
+            <a:ext cx="6096000" cy="3429000"/>
+          </a:xfrm>
+          <a:custGeom>
+            <a:rect b="b" l="l" r="r" t="t"/>
+            <a:pathLst>
+              <a:path extrusionOk="0" h="120000" w="120000">
+                <a:moveTo>
+                  <a:pt x="0" y="0"/>
+                </a:moveTo>
+                <a:lnTo>
+                  <a:pt x="120000" y="0"/>
+                </a:lnTo>
+                <a:lnTo>
+                  <a:pt x="120000" y="120000"/>
+                </a:lnTo>
+                <a:lnTo>
+                  <a:pt x="0" y="120000"/>
+                </a:lnTo>
+                <a:close/>
+              </a:path>
+            </a:pathLst>
+          </a:custGeom>
+        </p:spPr>
+      </p:sp>
+      <p:sp>
+        <p:nvSpPr>
+          <p:cNvPr id="263" name="Google Shape;263;g7e1c968e73_1_26:notes"/>
+          <p:cNvSpPr txBox="1"/>
+          <p:nvPr>
+            <p:ph idx="1" type="body"/>
+          </p:nvPr>
+        </p:nvSpPr>
+        <p:spPr>
+          <a:xfrm>
+            <a:off x="685800" y="4343400"/>
+            <a:ext cx="5486400" cy="4114800"/>
+          </a:xfrm>
+          <a:prstGeom prst="rect">
+            <a:avLst/>
+          </a:prstGeom>
+        </p:spPr>
+        <p:txBody>
+          <a:bodyPr anchorCtr="0" anchor="t" bIns="91425" lIns="91425" spcFirstLastPara="1" rIns="91425" wrap="square" tIns="91425">
+            <a:noAutofit/>
+          </a:bodyPr>
+          <a:lstStyle/>
+          <a:p>
+            <a:pPr indent="0" lvl="0" marL="0" rtl="0" algn="l">
+              <a:spcBef>
+                <a:spcPts val="0"/>
+              </a:spcBef>
+              <a:spcAft>
+                <a:spcPts val="0"/>
+              </a:spcAft>
+              <a:buNone/>
+            </a:pPr>
+            <a:r>
+              <a:t/>
+            </a:r>
+            <a:endParaRPr/>
+          </a:p>
+        </p:txBody>
+      </p:sp>
+    </p:spTree>
+  </p:cSld>
+  <p:clrMapOvr>
+    <a:masterClrMapping/>
+  </p:clrMapOvr>
+</p:notes>
+</file>
+
+<file path=ppt/notesSlides/notesSlide23.xml><?xml version="1.0" encoding="utf-8"?>
+<p:notes xmlns:a="http://schemas.openxmlformats.org/drawingml/2006/main" xmlns:r="http://schemas.openxmlformats.org/officeDocument/2006/relationships" xmlns:mc="http://schemas.openxmlformats.org/markup-compatibility/2006" xmlns:mv="urn:schemas-microsoft-com:mac:vml" xmlns:p="http://schemas.openxmlformats.org/presentationml/2006/main" xmlns:c="http://schemas.openxmlformats.org/drawingml/2006/chart" xmlns:dgm="http://schemas.openxmlformats.org/drawingml/2006/diagram" xmlns:o="urn:schemas-microsoft-com:office:office" xmlns:v="urn:schemas-microsoft-com:vml" xmlns:pvml="urn:schemas-microsoft-com:office:powerpoint" xmlns:com="http://schemas.openxmlformats.org/drawingml/2006/compatibility" xmlns:p14="http://schemas.microsoft.com/office/powerpoint/2010/main" xmlns:p15="http://schemas.microsoft.com/office/powerpoint/2012/main" showMasterPhAnim="0" showMasterSp="0">
+  <p:cSld>
+    <p:spTree>
+      <p:nvGrpSpPr>
+        <p:cNvPr id="266" name="Shape 266"/>
+        <p:cNvGrpSpPr/>
+        <p:nvPr/>
+      </p:nvGrpSpPr>
+      <p:grpSpPr>
+        <a:xfrm>
+          <a:off x="0" y="0"/>
+          <a:ext cx="0" cy="0"/>
+          <a:chOff x="0" y="0"/>
+          <a:chExt cx="0" cy="0"/>
+        </a:xfrm>
+      </p:grpSpPr>
+      <p:sp>
+        <p:nvSpPr>
+          <p:cNvPr id="267" name="Google Shape;267;g7e1c968e73_1_0:notes"/>
+          <p:cNvSpPr/>
+          <p:nvPr>
+            <p:ph idx="2" type="sldImg"/>
+          </p:nvPr>
+        </p:nvSpPr>
+        <p:spPr>
+          <a:xfrm>
+            <a:off x="381300" y="685800"/>
+            <a:ext cx="6096000" cy="3429000"/>
+          </a:xfrm>
+          <a:custGeom>
+            <a:rect b="b" l="l" r="r" t="t"/>
+            <a:pathLst>
+              <a:path extrusionOk="0" h="120000" w="120000">
+                <a:moveTo>
+                  <a:pt x="0" y="0"/>
+                </a:moveTo>
+                <a:lnTo>
+                  <a:pt x="120000" y="0"/>
+                </a:lnTo>
+                <a:lnTo>
+                  <a:pt x="120000" y="120000"/>
+                </a:lnTo>
+                <a:lnTo>
+                  <a:pt x="0" y="120000"/>
+                </a:lnTo>
+                <a:close/>
+              </a:path>
+            </a:pathLst>
+          </a:custGeom>
+        </p:spPr>
+      </p:sp>
+      <p:sp>
+        <p:nvSpPr>
+          <p:cNvPr id="268" name="Google Shape;268;g7e1c968e73_1_0:notes"/>
+          <p:cNvSpPr txBox="1"/>
+          <p:nvPr>
+            <p:ph idx="1" type="body"/>
+          </p:nvPr>
+        </p:nvSpPr>
+        <p:spPr>
+          <a:xfrm>
+            <a:off x="685800" y="4343400"/>
+            <a:ext cx="5486400" cy="4114800"/>
+          </a:xfrm>
+          <a:prstGeom prst="rect">
+            <a:avLst/>
+          </a:prstGeom>
+        </p:spPr>
+        <p:txBody>
+          <a:bodyPr anchorCtr="0" anchor="t" bIns="91425" lIns="91425" spcFirstLastPara="1" rIns="91425" wrap="square" tIns="91425">
+            <a:noAutofit/>
+          </a:bodyPr>
+          <a:lstStyle/>
+          <a:p>
+            <a:pPr indent="0" lvl="0" marL="0" rtl="0" algn="l">
+              <a:spcBef>
+                <a:spcPts val="0"/>
+              </a:spcBef>
+              <a:spcAft>
+                <a:spcPts val="0"/>
+              </a:spcAft>
+              <a:buNone/>
+            </a:pPr>
+            <a:r>
+              <a:t/>
+            </a:r>
+            <a:endParaRPr/>
+          </a:p>
+        </p:txBody>
+      </p:sp>
+    </p:spTree>
+  </p:cSld>
+  <p:clrMapOvr>
+    <a:masterClrMapping/>
+  </p:clrMapOvr>
+</p:notes>
+</file>
+
+<file path=ppt/notesSlides/notesSlide24.xml><?xml version="1.0" encoding="utf-8"?>
+<p:notes xmlns:a="http://schemas.openxmlformats.org/drawingml/2006/main" xmlns:r="http://schemas.openxmlformats.org/officeDocument/2006/relationships" xmlns:mc="http://schemas.openxmlformats.org/markup-compatibility/2006" xmlns:mv="urn:schemas-microsoft-com:mac:vml" xmlns:p="http://schemas.openxmlformats.org/presentationml/2006/main" xmlns:c="http://schemas.openxmlformats.org/drawingml/2006/chart" xmlns:dgm="http://schemas.openxmlformats.org/drawingml/2006/diagram" xmlns:o="urn:schemas-microsoft-com:office:office" xmlns:v="urn:schemas-microsoft-com:vml" xmlns:pvml="urn:schemas-microsoft-com:office:powerpoint" xmlns:com="http://schemas.openxmlformats.org/drawingml/2006/compatibility" xmlns:p14="http://schemas.microsoft.com/office/powerpoint/2010/main" xmlns:p15="http://schemas.microsoft.com/office/powerpoint/2012/main" showMasterPhAnim="0" showMasterSp="0">
+  <p:cSld>
+    <p:spTree>
+      <p:nvGrpSpPr>
+        <p:cNvPr id="272" name="Shape 272"/>
+        <p:cNvGrpSpPr/>
+        <p:nvPr/>
+      </p:nvGrpSpPr>
+      <p:grpSpPr>
+        <a:xfrm>
+          <a:off x="0" y="0"/>
+          <a:ext cx="0" cy="0"/>
+          <a:chOff x="0" y="0"/>
+          <a:chExt cx="0" cy="0"/>
+        </a:xfrm>
+      </p:grpSpPr>
+      <p:sp>
+        <p:nvSpPr>
+          <p:cNvPr id="273" name="Google Shape;273;g7e1c968e73_1_12:notes"/>
+          <p:cNvSpPr/>
+          <p:nvPr>
+            <p:ph idx="2" type="sldImg"/>
+          </p:nvPr>
+        </p:nvSpPr>
+        <p:spPr>
+          <a:xfrm>
+            <a:off x="381300" y="685800"/>
+            <a:ext cx="6096000" cy="3429000"/>
+          </a:xfrm>
+          <a:custGeom>
+            <a:rect b="b" l="l" r="r" t="t"/>
+            <a:pathLst>
+              <a:path extrusionOk="0" h="120000" w="120000">
+                <a:moveTo>
+                  <a:pt x="0" y="0"/>
+                </a:moveTo>
+                <a:lnTo>
+                  <a:pt x="120000" y="0"/>
+                </a:lnTo>
+                <a:lnTo>
+                  <a:pt x="120000" y="120000"/>
+                </a:lnTo>
+                <a:lnTo>
+                  <a:pt x="0" y="120000"/>
+                </a:lnTo>
+                <a:close/>
+              </a:path>
+            </a:pathLst>
+          </a:custGeom>
+        </p:spPr>
+      </p:sp>
+      <p:sp>
+        <p:nvSpPr>
+          <p:cNvPr id="274" name="Google Shape;274;g7e1c968e73_1_12:notes"/>
+          <p:cNvSpPr txBox="1"/>
+          <p:nvPr>
+            <p:ph idx="1" type="body"/>
+          </p:nvPr>
+        </p:nvSpPr>
+        <p:spPr>
+          <a:xfrm>
+            <a:off x="685800" y="4343400"/>
+            <a:ext cx="5486400" cy="4114800"/>
+          </a:xfrm>
+          <a:prstGeom prst="rect">
+            <a:avLst/>
+          </a:prstGeom>
+        </p:spPr>
+        <p:txBody>
+          <a:bodyPr anchorCtr="0" anchor="t" bIns="91425" lIns="91425" spcFirstLastPara="1" rIns="91425" wrap="square" tIns="91425">
+            <a:noAutofit/>
+          </a:bodyPr>
+          <a:lstStyle/>
+          <a:p>
+            <a:pPr indent="0" lvl="0" marL="0" rtl="0" algn="l">
+              <a:spcBef>
+                <a:spcPts val="0"/>
+              </a:spcBef>
+              <a:spcAft>
+                <a:spcPts val="0"/>
+              </a:spcAft>
+              <a:buNone/>
+            </a:pPr>
+            <a:r>
+              <a:t/>
+            </a:r>
+            <a:endParaRPr/>
+          </a:p>
+        </p:txBody>
+      </p:sp>
+    </p:spTree>
+  </p:cSld>
+  <p:clrMapOvr>
+    <a:masterClrMapping/>
+  </p:clrMapOvr>
+</p:notes>
+</file>
+
+<file path=ppt/notesSlides/notesSlide25.xml><?xml version="1.0" encoding="utf-8"?>
+<p:notes xmlns:a="http://schemas.openxmlformats.org/drawingml/2006/main" xmlns:r="http://schemas.openxmlformats.org/officeDocument/2006/relationships" xmlns:mc="http://schemas.openxmlformats.org/markup-compatibility/2006" xmlns:mv="urn:schemas-microsoft-com:mac:vml" xmlns:p="http://schemas.openxmlformats.org/presentationml/2006/main" xmlns:c="http://schemas.openxmlformats.org/drawingml/2006/chart" xmlns:dgm="http://schemas.openxmlformats.org/drawingml/2006/diagram" xmlns:o="urn:schemas-microsoft-com:office:office" xmlns:v="urn:schemas-microsoft-com:vml" xmlns:pvml="urn:schemas-microsoft-com:office:powerpoint" xmlns:com="http://schemas.openxmlformats.org/drawingml/2006/compatibility" xmlns:p14="http://schemas.microsoft.com/office/powerpoint/2010/main" xmlns:p15="http://schemas.microsoft.com/office/powerpoint/2012/main" showMasterPhAnim="0" showMasterSp="0">
+  <p:cSld>
+    <p:spTree>
+      <p:nvGrpSpPr>
+        <p:cNvPr id="278" name="Shape 278"/>
+        <p:cNvGrpSpPr/>
+        <p:nvPr/>
+      </p:nvGrpSpPr>
+      <p:grpSpPr>
+        <a:xfrm>
+          <a:off x="0" y="0"/>
+          <a:ext cx="0" cy="0"/>
+          <a:chOff x="0" y="0"/>
+          <a:chExt cx="0" cy="0"/>
+        </a:xfrm>
+      </p:grpSpPr>
+      <p:sp>
+        <p:nvSpPr>
+          <p:cNvPr id="279" name="Google Shape;279;g7e1c968e73_1_19:notes"/>
+          <p:cNvSpPr/>
+          <p:nvPr>
+            <p:ph idx="2" type="sldImg"/>
+          </p:nvPr>
+        </p:nvSpPr>
+        <p:spPr>
+          <a:xfrm>
+            <a:off x="381300" y="685800"/>
+            <a:ext cx="6096000" cy="3429000"/>
+          </a:xfrm>
+          <a:custGeom>
+            <a:rect b="b" l="l" r="r" t="t"/>
+            <a:pathLst>
+              <a:path extrusionOk="0" h="120000" w="120000">
+                <a:moveTo>
+                  <a:pt x="0" y="0"/>
+                </a:moveTo>
+                <a:lnTo>
+                  <a:pt x="120000" y="0"/>
+                </a:lnTo>
+                <a:lnTo>
+                  <a:pt x="120000" y="120000"/>
+                </a:lnTo>
+                <a:lnTo>
+                  <a:pt x="0" y="120000"/>
+                </a:lnTo>
+                <a:close/>
+              </a:path>
+            </a:pathLst>
+          </a:custGeom>
+        </p:spPr>
+      </p:sp>
+      <p:sp>
+        <p:nvSpPr>
+          <p:cNvPr id="280" name="Google Shape;280;g7e1c968e73_1_19:notes"/>
+          <p:cNvSpPr txBox="1"/>
+          <p:nvPr>
+            <p:ph idx="1" type="body"/>
+          </p:nvPr>
+        </p:nvSpPr>
+        <p:spPr>
+          <a:xfrm>
+            <a:off x="685800" y="4343400"/>
+            <a:ext cx="5486400" cy="4114800"/>
+          </a:xfrm>
+          <a:prstGeom prst="rect">
+            <a:avLst/>
+          </a:prstGeom>
+        </p:spPr>
+        <p:txBody>
+          <a:bodyPr anchorCtr="0" anchor="t" bIns="91425" lIns="91425" spcFirstLastPara="1" rIns="91425" wrap="square" tIns="91425">
+            <a:noAutofit/>
+          </a:bodyPr>
+          <a:lstStyle/>
+          <a:p>
+            <a:pPr indent="0" lvl="0" marL="0" rtl="0" algn="l">
+              <a:spcBef>
+                <a:spcPts val="0"/>
+              </a:spcBef>
+              <a:spcAft>
+                <a:spcPts val="0"/>
+              </a:spcAft>
+              <a:buNone/>
+            </a:pPr>
+            <a:r>
+              <a:t/>
+            </a:r>
+            <a:endParaRPr/>
+          </a:p>
+        </p:txBody>
+      </p:sp>
+    </p:spTree>
+  </p:cSld>
+  <p:clrMapOvr>
+    <a:masterClrMapping/>
+  </p:clrMapOvr>
+</p:notes>
+</file>
+
+<file path=ppt/notesSlides/notesSlide26.xml><?xml version="1.0" encoding="utf-8"?>
+<p:notes xmlns:a="http://schemas.openxmlformats.org/drawingml/2006/main" xmlns:r="http://schemas.openxmlformats.org/officeDocument/2006/relationships" xmlns:mc="http://schemas.openxmlformats.org/markup-compatibility/2006" xmlns:mv="urn:schemas-microsoft-com:mac:vml" xmlns:p="http://schemas.openxmlformats.org/presentationml/2006/main" xmlns:c="http://schemas.openxmlformats.org/drawingml/2006/chart" xmlns:dgm="http://schemas.openxmlformats.org/drawingml/2006/diagram" xmlns:o="urn:schemas-microsoft-com:office:office" xmlns:v="urn:schemas-microsoft-com:vml" xmlns:pvml="urn:schemas-microsoft-com:office:powerpoint" xmlns:com="http://schemas.openxmlformats.org/drawingml/2006/compatibility" xmlns:p14="http://schemas.microsoft.com/office/powerpoint/2010/main" xmlns:p15="http://schemas.microsoft.com/office/powerpoint/2012/main" showMasterPhAnim="0" showMasterSp="0">
+  <p:cSld>
+    <p:spTree>
+      <p:nvGrpSpPr>
+        <p:cNvPr id="284" name="Shape 284"/>
+        <p:cNvGrpSpPr/>
+        <p:nvPr/>
+      </p:nvGrpSpPr>
+      <p:grpSpPr>
+        <a:xfrm>
+          <a:off x="0" y="0"/>
+          <a:ext cx="0" cy="0"/>
+          <a:chOff x="0" y="0"/>
+          <a:chExt cx="0" cy="0"/>
+        </a:xfrm>
+      </p:grpSpPr>
+      <p:sp>
+        <p:nvSpPr>
+          <p:cNvPr id="285" name="Google Shape;285;g7e1c968e73_1_7:notes"/>
+          <p:cNvSpPr/>
+          <p:nvPr>
+            <p:ph idx="2" type="sldImg"/>
+          </p:nvPr>
+        </p:nvSpPr>
+        <p:spPr>
+          <a:xfrm>
+            <a:off x="381300" y="685800"/>
+            <a:ext cx="6096000" cy="3429000"/>
+          </a:xfrm>
+          <a:custGeom>
+            <a:rect b="b" l="l" r="r" t="t"/>
+            <a:pathLst>
+              <a:path extrusionOk="0" h="120000" w="120000">
+                <a:moveTo>
+                  <a:pt x="0" y="0"/>
+                </a:moveTo>
+                <a:lnTo>
+                  <a:pt x="120000" y="0"/>
+                </a:lnTo>
+                <a:lnTo>
+                  <a:pt x="120000" y="120000"/>
+                </a:lnTo>
+                <a:lnTo>
+                  <a:pt x="0" y="120000"/>
+                </a:lnTo>
+                <a:close/>
+              </a:path>
+            </a:pathLst>
+          </a:custGeom>
+        </p:spPr>
+      </p:sp>
+      <p:sp>
+        <p:nvSpPr>
+          <p:cNvPr id="286" name="Google Shape;286;g7e1c968e73_1_7:notes"/>
           <p:cNvSpPr txBox="1"/>
           <p:nvPr>
             <p:ph idx="1" type="body"/>
@@ -12857,7 +13357,7 @@
             <a:tbl>
               <a:tblPr>
                 <a:noFill/>
-                <a:tableStyleId>{AB1D4EC7-B17F-4078-A6D4-D00C34228376}</a:tableStyleId>
+                <a:tableStyleId>{49E45D84-BEE6-4FFD-BB69-330C97173C8C}</a:tableStyleId>
               </a:tblPr>
               <a:tblGrid>
                 <a:gridCol w="4044575"/>
@@ -14505,6 +15005,601 @@
 </p:sld>
 </file>
 
+<file path=ppt/slides/slide22.xml><?xml version="1.0" encoding="utf-8"?>
+<p:sld xmlns:a="http://schemas.openxmlformats.org/drawingml/2006/main" xmlns:r="http://schemas.openxmlformats.org/officeDocument/2006/relationships" xmlns:mc="http://schemas.openxmlformats.org/markup-compatibility/2006" xmlns:mv="urn:schemas-microsoft-com:mac:vml" xmlns:p="http://schemas.openxmlformats.org/presentationml/2006/main" xmlns:c="http://schemas.openxmlformats.org/drawingml/2006/chart" xmlns:dgm="http://schemas.openxmlformats.org/drawingml/2006/diagram" xmlns:o="urn:schemas-microsoft-com:office:office" xmlns:v="urn:schemas-microsoft-com:vml" xmlns:pvml="urn:schemas-microsoft-com:office:powerpoint" xmlns:com="http://schemas.openxmlformats.org/drawingml/2006/compatibility" xmlns:p14="http://schemas.microsoft.com/office/powerpoint/2010/main" xmlns:p15="http://schemas.microsoft.com/office/powerpoint/2012/main">
+  <p:cSld>
+    <p:spTree>
+      <p:nvGrpSpPr>
+        <p:cNvPr id="264" name="Shape 264"/>
+        <p:cNvGrpSpPr/>
+        <p:nvPr/>
+      </p:nvGrpSpPr>
+      <p:grpSpPr>
+        <a:xfrm>
+          <a:off x="0" y="0"/>
+          <a:ext cx="0" cy="0"/>
+          <a:chOff x="0" y="0"/>
+          <a:chExt cx="0" cy="0"/>
+        </a:xfrm>
+      </p:grpSpPr>
+      <p:sp>
+        <p:nvSpPr>
+          <p:cNvPr id="265" name="Google Shape;265;p34"/>
+          <p:cNvSpPr txBox="1"/>
+          <p:nvPr>
+            <p:ph type="ctrTitle"/>
+          </p:nvPr>
+        </p:nvSpPr>
+        <p:spPr>
+          <a:xfrm>
+            <a:off x="3537150" y="1578400"/>
+            <a:ext cx="5017500" cy="1578900"/>
+          </a:xfrm>
+          <a:prstGeom prst="rect">
+            <a:avLst/>
+          </a:prstGeom>
+        </p:spPr>
+        <p:txBody>
+          <a:bodyPr anchorCtr="0" anchor="t" bIns="91425" lIns="91425" spcFirstLastPara="1" rIns="91425" wrap="square" tIns="91425">
+            <a:noAutofit/>
+          </a:bodyPr>
+          <a:lstStyle/>
+          <a:p>
+            <a:pPr indent="0" lvl="0" marL="0" rtl="0" algn="l">
+              <a:spcBef>
+                <a:spcPts val="0"/>
+              </a:spcBef>
+              <a:spcAft>
+                <a:spcPts val="0"/>
+              </a:spcAft>
+              <a:buNone/>
+            </a:pPr>
+            <a:r>
+              <a:rPr lang="en"/>
+              <a:t>Evaluation/Testing</a:t>
+            </a:r>
+            <a:endParaRPr/>
+          </a:p>
+        </p:txBody>
+      </p:sp>
+    </p:spTree>
+  </p:cSld>
+  <p:clrMapOvr>
+    <a:masterClrMapping/>
+  </p:clrMapOvr>
+</p:sld>
+</file>
+
+<file path=ppt/slides/slide23.xml><?xml version="1.0" encoding="utf-8"?>
+<p:sld xmlns:a="http://schemas.openxmlformats.org/drawingml/2006/main" xmlns:r="http://schemas.openxmlformats.org/officeDocument/2006/relationships" xmlns:mc="http://schemas.openxmlformats.org/markup-compatibility/2006" xmlns:mv="urn:schemas-microsoft-com:mac:vml" xmlns:p="http://schemas.openxmlformats.org/presentationml/2006/main" xmlns:c="http://schemas.openxmlformats.org/drawingml/2006/chart" xmlns:dgm="http://schemas.openxmlformats.org/drawingml/2006/diagram" xmlns:o="urn:schemas-microsoft-com:office:office" xmlns:v="urn:schemas-microsoft-com:vml" xmlns:pvml="urn:schemas-microsoft-com:office:powerpoint" xmlns:com="http://schemas.openxmlformats.org/drawingml/2006/compatibility" xmlns:p14="http://schemas.microsoft.com/office/powerpoint/2010/main" xmlns:p15="http://schemas.microsoft.com/office/powerpoint/2012/main">
+  <p:cSld>
+    <p:spTree>
+      <p:nvGrpSpPr>
+        <p:cNvPr id="269" name="Shape 269"/>
+        <p:cNvGrpSpPr/>
+        <p:nvPr/>
+      </p:nvGrpSpPr>
+      <p:grpSpPr>
+        <a:xfrm>
+          <a:off x="0" y="0"/>
+          <a:ext cx="0" cy="0"/>
+          <a:chOff x="0" y="0"/>
+          <a:chExt cx="0" cy="0"/>
+        </a:xfrm>
+      </p:grpSpPr>
+      <p:sp>
+        <p:nvSpPr>
+          <p:cNvPr id="270" name="Google Shape;270;p35"/>
+          <p:cNvSpPr txBox="1"/>
+          <p:nvPr>
+            <p:ph type="title"/>
+          </p:nvPr>
+        </p:nvSpPr>
+        <p:spPr>
+          <a:xfrm>
+            <a:off x="1297500" y="393750"/>
+            <a:ext cx="7038900" cy="914100"/>
+          </a:xfrm>
+          <a:prstGeom prst="rect">
+            <a:avLst/>
+          </a:prstGeom>
+        </p:spPr>
+        <p:txBody>
+          <a:bodyPr anchorCtr="0" anchor="t" bIns="91425" lIns="91425" spcFirstLastPara="1" rIns="91425" wrap="square" tIns="91425">
+            <a:noAutofit/>
+          </a:bodyPr>
+          <a:lstStyle/>
+          <a:p>
+            <a:pPr indent="0" lvl="0" marL="0" rtl="0" algn="l">
+              <a:spcBef>
+                <a:spcPts val="0"/>
+              </a:spcBef>
+              <a:spcAft>
+                <a:spcPts val="0"/>
+              </a:spcAft>
+              <a:buNone/>
+            </a:pPr>
+            <a:r>
+              <a:rPr lang="en"/>
+              <a:t>Evaluation/Testing</a:t>
+            </a:r>
+            <a:endParaRPr/>
+          </a:p>
+        </p:txBody>
+      </p:sp>
+      <p:sp>
+        <p:nvSpPr>
+          <p:cNvPr id="271" name="Google Shape;271;p35"/>
+          <p:cNvSpPr txBox="1"/>
+          <p:nvPr>
+            <p:ph idx="1" type="body"/>
+          </p:nvPr>
+        </p:nvSpPr>
+        <p:spPr>
+          <a:xfrm>
+            <a:off x="1297500" y="1567550"/>
+            <a:ext cx="7038900" cy="2911200"/>
+          </a:xfrm>
+          <a:prstGeom prst="rect">
+            <a:avLst/>
+          </a:prstGeom>
+        </p:spPr>
+        <p:txBody>
+          <a:bodyPr anchorCtr="0" anchor="t" bIns="91425" lIns="91425" spcFirstLastPara="1" rIns="91425" wrap="square" tIns="91425">
+            <a:noAutofit/>
+          </a:bodyPr>
+          <a:lstStyle/>
+          <a:p>
+            <a:pPr indent="0" lvl="0" marL="0" rtl="0" algn="l">
+              <a:spcBef>
+                <a:spcPts val="0"/>
+              </a:spcBef>
+              <a:spcAft>
+                <a:spcPts val="0"/>
+              </a:spcAft>
+              <a:buNone/>
+            </a:pPr>
+            <a:r>
+              <a:rPr lang="en"/>
+              <a:t>Speed Test HW and SW test: </a:t>
+            </a:r>
+            <a:endParaRPr/>
+          </a:p>
+          <a:p>
+            <a:pPr indent="0" lvl="0" marL="0" rtl="0" algn="l">
+              <a:spcBef>
+                <a:spcPts val="1600"/>
+              </a:spcBef>
+              <a:spcAft>
+                <a:spcPts val="0"/>
+              </a:spcAft>
+              <a:buNone/>
+            </a:pPr>
+            <a:r>
+              <a:rPr lang="en"/>
+              <a:t>Environment: # hour analog in room with users placing seeds in to grow trays. </a:t>
+            </a:r>
+            <a:endParaRPr/>
+          </a:p>
+          <a:p>
+            <a:pPr indent="0" lvl="0" marL="0" rtl="0" algn="l">
+              <a:spcBef>
+                <a:spcPts val="1600"/>
+              </a:spcBef>
+              <a:spcAft>
+                <a:spcPts val="0"/>
+              </a:spcAft>
+              <a:buNone/>
+            </a:pPr>
+            <a:r>
+              <a:rPr lang="en"/>
+              <a:t>Types of grow tray: Similar to grow tray currently on ISS, similar to our own, regular planting bed Measure: We want to measure time to actually place the seeds in their specific grow tray Samples: # students on each tray type recording their times to place # of seeds. </a:t>
+            </a:r>
+            <a:endParaRPr/>
+          </a:p>
+          <a:p>
+            <a:pPr indent="0" lvl="0" marL="0" rtl="0" algn="l">
+              <a:spcBef>
+                <a:spcPts val="1600"/>
+              </a:spcBef>
+              <a:spcAft>
+                <a:spcPts val="1600"/>
+              </a:spcAft>
+              <a:buNone/>
+            </a:pPr>
+            <a:r>
+              <a:rPr lang="en"/>
+              <a:t>Plot: Compare results with AMCFD seeding arm</a:t>
+            </a:r>
+            <a:endParaRPr/>
+          </a:p>
+        </p:txBody>
+      </p:sp>
+    </p:spTree>
+  </p:cSld>
+  <p:clrMapOvr>
+    <a:masterClrMapping/>
+  </p:clrMapOvr>
+</p:sld>
+</file>
+
+<file path=ppt/slides/slide24.xml><?xml version="1.0" encoding="utf-8"?>
+<p:sld xmlns:a="http://schemas.openxmlformats.org/drawingml/2006/main" xmlns:r="http://schemas.openxmlformats.org/officeDocument/2006/relationships" xmlns:mc="http://schemas.openxmlformats.org/markup-compatibility/2006" xmlns:mv="urn:schemas-microsoft-com:mac:vml" xmlns:p="http://schemas.openxmlformats.org/presentationml/2006/main" xmlns:c="http://schemas.openxmlformats.org/drawingml/2006/chart" xmlns:dgm="http://schemas.openxmlformats.org/drawingml/2006/diagram" xmlns:o="urn:schemas-microsoft-com:office:office" xmlns:v="urn:schemas-microsoft-com:vml" xmlns:pvml="urn:schemas-microsoft-com:office:powerpoint" xmlns:com="http://schemas.openxmlformats.org/drawingml/2006/compatibility" xmlns:p14="http://schemas.microsoft.com/office/powerpoint/2010/main" xmlns:p15="http://schemas.microsoft.com/office/powerpoint/2012/main">
+  <p:cSld>
+    <p:spTree>
+      <p:nvGrpSpPr>
+        <p:cNvPr id="275" name="Shape 275"/>
+        <p:cNvGrpSpPr/>
+        <p:nvPr/>
+      </p:nvGrpSpPr>
+      <p:grpSpPr>
+        <a:xfrm>
+          <a:off x="0" y="0"/>
+          <a:ext cx="0" cy="0"/>
+          <a:chOff x="0" y="0"/>
+          <a:chExt cx="0" cy="0"/>
+        </a:xfrm>
+      </p:grpSpPr>
+      <p:sp>
+        <p:nvSpPr>
+          <p:cNvPr id="276" name="Google Shape;276;p36"/>
+          <p:cNvSpPr txBox="1"/>
+          <p:nvPr>
+            <p:ph type="title"/>
+          </p:nvPr>
+        </p:nvSpPr>
+        <p:spPr>
+          <a:xfrm>
+            <a:off x="1297500" y="393750"/>
+            <a:ext cx="7038900" cy="914100"/>
+          </a:xfrm>
+          <a:prstGeom prst="rect">
+            <a:avLst/>
+          </a:prstGeom>
+        </p:spPr>
+        <p:txBody>
+          <a:bodyPr anchorCtr="0" anchor="t" bIns="91425" lIns="91425" spcFirstLastPara="1" rIns="91425" wrap="square" tIns="91425">
+            <a:noAutofit/>
+          </a:bodyPr>
+          <a:lstStyle/>
+          <a:p>
+            <a:pPr indent="0" lvl="0" marL="0" rtl="0" algn="l">
+              <a:spcBef>
+                <a:spcPts val="0"/>
+              </a:spcBef>
+              <a:spcAft>
+                <a:spcPts val="0"/>
+              </a:spcAft>
+              <a:buNone/>
+            </a:pPr>
+            <a:r>
+              <a:rPr lang="en"/>
+              <a:t>Evaluation/Testing</a:t>
+            </a:r>
+            <a:endParaRPr/>
+          </a:p>
+        </p:txBody>
+      </p:sp>
+      <p:sp>
+        <p:nvSpPr>
+          <p:cNvPr id="277" name="Google Shape;277;p36"/>
+          <p:cNvSpPr txBox="1"/>
+          <p:nvPr>
+            <p:ph idx="1" type="body"/>
+          </p:nvPr>
+        </p:nvSpPr>
+        <p:spPr>
+          <a:xfrm>
+            <a:off x="1297500" y="1567550"/>
+            <a:ext cx="7038900" cy="2911200"/>
+          </a:xfrm>
+          <a:prstGeom prst="rect">
+            <a:avLst/>
+          </a:prstGeom>
+        </p:spPr>
+        <p:txBody>
+          <a:bodyPr anchorCtr="0" anchor="t" bIns="91425" lIns="91425" spcFirstLastPara="1" rIns="91425" wrap="square" tIns="91425">
+            <a:noAutofit/>
+          </a:bodyPr>
+          <a:lstStyle/>
+          <a:p>
+            <a:pPr indent="0" lvl="0" marL="0" rtl="0" algn="l">
+              <a:spcBef>
+                <a:spcPts val="0"/>
+              </a:spcBef>
+              <a:spcAft>
+                <a:spcPts val="0"/>
+              </a:spcAft>
+              <a:buNone/>
+            </a:pPr>
+            <a:r>
+              <a:rPr lang="en"/>
+              <a:t>Crop Yield HW test: </a:t>
+            </a:r>
+            <a:endParaRPr/>
+          </a:p>
+          <a:p>
+            <a:pPr indent="0" lvl="0" marL="0" rtl="0" algn="l">
+              <a:spcBef>
+                <a:spcPts val="1600"/>
+              </a:spcBef>
+              <a:spcAft>
+                <a:spcPts val="0"/>
+              </a:spcAft>
+              <a:buNone/>
+            </a:pPr>
+            <a:r>
+              <a:rPr lang="en"/>
+              <a:t>Environment: In AMCFD At least %73 of the crop should survive to harvest. Cite this. Sample from MEE study since last semester.</a:t>
+            </a:r>
+            <a:endParaRPr/>
+          </a:p>
+          <a:p>
+            <a:pPr indent="0" lvl="0" marL="0" rtl="0" algn="l">
+              <a:spcBef>
+                <a:spcPts val="1600"/>
+              </a:spcBef>
+              <a:spcAft>
+                <a:spcPts val="0"/>
+              </a:spcAft>
+              <a:buNone/>
+            </a:pPr>
+            <a:r>
+              <a:rPr lang="en"/>
+              <a:t>Usability Test:</a:t>
+            </a:r>
+            <a:endParaRPr/>
+          </a:p>
+          <a:p>
+            <a:pPr indent="0" lvl="0" marL="0" rtl="0" algn="l">
+              <a:spcBef>
+                <a:spcPts val="1600"/>
+              </a:spcBef>
+              <a:spcAft>
+                <a:spcPts val="1600"/>
+              </a:spcAft>
+              <a:buNone/>
+            </a:pPr>
+            <a:r>
+              <a:rPr lang="en"/>
+              <a:t> Study on the number of steps to reach desired result/option in GUI. Compare to UX/UI standards.</a:t>
+            </a:r>
+            <a:endParaRPr/>
+          </a:p>
+        </p:txBody>
+      </p:sp>
+    </p:spTree>
+  </p:cSld>
+  <p:clrMapOvr>
+    <a:masterClrMapping/>
+  </p:clrMapOvr>
+</p:sld>
+</file>
+
+<file path=ppt/slides/slide25.xml><?xml version="1.0" encoding="utf-8"?>
+<p:sld xmlns:a="http://schemas.openxmlformats.org/drawingml/2006/main" xmlns:r="http://schemas.openxmlformats.org/officeDocument/2006/relationships" xmlns:mc="http://schemas.openxmlformats.org/markup-compatibility/2006" xmlns:mv="urn:schemas-microsoft-com:mac:vml" xmlns:p="http://schemas.openxmlformats.org/presentationml/2006/main" xmlns:c="http://schemas.openxmlformats.org/drawingml/2006/chart" xmlns:dgm="http://schemas.openxmlformats.org/drawingml/2006/diagram" xmlns:o="urn:schemas-microsoft-com:office:office" xmlns:v="urn:schemas-microsoft-com:vml" xmlns:pvml="urn:schemas-microsoft-com:office:powerpoint" xmlns:com="http://schemas.openxmlformats.org/drawingml/2006/compatibility" xmlns:p14="http://schemas.microsoft.com/office/powerpoint/2010/main" xmlns:p15="http://schemas.microsoft.com/office/powerpoint/2012/main">
+  <p:cSld>
+    <p:spTree>
+      <p:nvGrpSpPr>
+        <p:cNvPr id="281" name="Shape 281"/>
+        <p:cNvGrpSpPr/>
+        <p:nvPr/>
+      </p:nvGrpSpPr>
+      <p:grpSpPr>
+        <a:xfrm>
+          <a:off x="0" y="0"/>
+          <a:ext cx="0" cy="0"/>
+          <a:chOff x="0" y="0"/>
+          <a:chExt cx="0" cy="0"/>
+        </a:xfrm>
+      </p:grpSpPr>
+      <p:sp>
+        <p:nvSpPr>
+          <p:cNvPr id="282" name="Google Shape;282;p37"/>
+          <p:cNvSpPr txBox="1"/>
+          <p:nvPr>
+            <p:ph type="title"/>
+          </p:nvPr>
+        </p:nvSpPr>
+        <p:spPr>
+          <a:xfrm>
+            <a:off x="1297500" y="393750"/>
+            <a:ext cx="7038900" cy="914100"/>
+          </a:xfrm>
+          <a:prstGeom prst="rect">
+            <a:avLst/>
+          </a:prstGeom>
+        </p:spPr>
+        <p:txBody>
+          <a:bodyPr anchorCtr="0" anchor="t" bIns="91425" lIns="91425" spcFirstLastPara="1" rIns="91425" wrap="square" tIns="91425">
+            <a:noAutofit/>
+          </a:bodyPr>
+          <a:lstStyle/>
+          <a:p>
+            <a:pPr indent="0" lvl="0" marL="0" rtl="0" algn="l">
+              <a:spcBef>
+                <a:spcPts val="0"/>
+              </a:spcBef>
+              <a:spcAft>
+                <a:spcPts val="0"/>
+              </a:spcAft>
+              <a:buNone/>
+            </a:pPr>
+            <a:r>
+              <a:rPr lang="en"/>
+              <a:t>Evaluation/Testing</a:t>
+            </a:r>
+            <a:endParaRPr/>
+          </a:p>
+        </p:txBody>
+      </p:sp>
+      <p:sp>
+        <p:nvSpPr>
+          <p:cNvPr id="283" name="Google Shape;283;p37"/>
+          <p:cNvSpPr txBox="1"/>
+          <p:nvPr>
+            <p:ph idx="1" type="body"/>
+          </p:nvPr>
+        </p:nvSpPr>
+        <p:spPr>
+          <a:xfrm>
+            <a:off x="1297500" y="1567550"/>
+            <a:ext cx="7038900" cy="2911200"/>
+          </a:xfrm>
+          <a:prstGeom prst="rect">
+            <a:avLst/>
+          </a:prstGeom>
+        </p:spPr>
+        <p:txBody>
+          <a:bodyPr anchorCtr="0" anchor="t" bIns="91425" lIns="91425" spcFirstLastPara="1" rIns="91425" wrap="square" tIns="91425">
+            <a:noAutofit/>
+          </a:bodyPr>
+          <a:lstStyle/>
+          <a:p>
+            <a:pPr indent="0" lvl="0" marL="0" rtl="0" algn="l">
+              <a:spcBef>
+                <a:spcPts val="0"/>
+              </a:spcBef>
+              <a:spcAft>
+                <a:spcPts val="0"/>
+              </a:spcAft>
+              <a:buNone/>
+            </a:pPr>
+            <a:r>
+              <a:rPr lang="en"/>
+              <a:t>Accuracy Test: </a:t>
+            </a:r>
+            <a:endParaRPr/>
+          </a:p>
+          <a:p>
+            <a:pPr indent="0" lvl="0" marL="0" rtl="0" algn="l">
+              <a:spcBef>
+                <a:spcPts val="1600"/>
+              </a:spcBef>
+              <a:spcAft>
+                <a:spcPts val="1600"/>
+              </a:spcAft>
+              <a:buNone/>
+            </a:pPr>
+            <a:r>
+              <a:rPr lang="en"/>
+              <a:t>Environment: System has set of jobs Compare user predicted &lt;actions, time, duration&gt; in config file to what device actually does.</a:t>
+            </a:r>
+            <a:endParaRPr/>
+          </a:p>
+        </p:txBody>
+      </p:sp>
+    </p:spTree>
+  </p:cSld>
+  <p:clrMapOvr>
+    <a:masterClrMapping/>
+  </p:clrMapOvr>
+</p:sld>
+</file>
+
+<file path=ppt/slides/slide26.xml><?xml version="1.0" encoding="utf-8"?>
+<p:sld xmlns:a="http://schemas.openxmlformats.org/drawingml/2006/main" xmlns:r="http://schemas.openxmlformats.org/officeDocument/2006/relationships" xmlns:mc="http://schemas.openxmlformats.org/markup-compatibility/2006" xmlns:mv="urn:schemas-microsoft-com:mac:vml" xmlns:p="http://schemas.openxmlformats.org/presentationml/2006/main" xmlns:c="http://schemas.openxmlformats.org/drawingml/2006/chart" xmlns:dgm="http://schemas.openxmlformats.org/drawingml/2006/diagram" xmlns:o="urn:schemas-microsoft-com:office:office" xmlns:v="urn:schemas-microsoft-com:vml" xmlns:pvml="urn:schemas-microsoft-com:office:powerpoint" xmlns:com="http://schemas.openxmlformats.org/drawingml/2006/compatibility" xmlns:p14="http://schemas.microsoft.com/office/powerpoint/2010/main" xmlns:p15="http://schemas.microsoft.com/office/powerpoint/2012/main">
+  <p:cSld>
+    <p:spTree>
+      <p:nvGrpSpPr>
+        <p:cNvPr id="287" name="Shape 287"/>
+        <p:cNvGrpSpPr/>
+        <p:nvPr/>
+      </p:nvGrpSpPr>
+      <p:grpSpPr>
+        <a:xfrm>
+          <a:off x="0" y="0"/>
+          <a:ext cx="0" cy="0"/>
+          <a:chOff x="0" y="0"/>
+          <a:chExt cx="0" cy="0"/>
+        </a:xfrm>
+      </p:grpSpPr>
+      <p:sp>
+        <p:nvSpPr>
+          <p:cNvPr id="288" name="Google Shape;288;p38"/>
+          <p:cNvSpPr txBox="1"/>
+          <p:nvPr>
+            <p:ph type="title"/>
+          </p:nvPr>
+        </p:nvSpPr>
+        <p:spPr>
+          <a:xfrm>
+            <a:off x="1297500" y="393750"/>
+            <a:ext cx="7038900" cy="914100"/>
+          </a:xfrm>
+          <a:prstGeom prst="rect">
+            <a:avLst/>
+          </a:prstGeom>
+        </p:spPr>
+        <p:txBody>
+          <a:bodyPr anchorCtr="0" anchor="t" bIns="91425" lIns="91425" spcFirstLastPara="1" rIns="91425" wrap="square" tIns="91425">
+            <a:noAutofit/>
+          </a:bodyPr>
+          <a:lstStyle/>
+          <a:p>
+            <a:pPr indent="0" lvl="0" marL="0" rtl="0" algn="l">
+              <a:spcBef>
+                <a:spcPts val="0"/>
+              </a:spcBef>
+              <a:spcAft>
+                <a:spcPts val="0"/>
+              </a:spcAft>
+              <a:buNone/>
+            </a:pPr>
+            <a:r>
+              <a:t/>
+            </a:r>
+            <a:endParaRPr/>
+          </a:p>
+        </p:txBody>
+      </p:sp>
+      <p:sp>
+        <p:nvSpPr>
+          <p:cNvPr id="289" name="Google Shape;289;p38"/>
+          <p:cNvSpPr txBox="1"/>
+          <p:nvPr>
+            <p:ph idx="1" type="body"/>
+          </p:nvPr>
+        </p:nvSpPr>
+        <p:spPr>
+          <a:xfrm>
+            <a:off x="1297500" y="1567550"/>
+            <a:ext cx="7038900" cy="2911200"/>
+          </a:xfrm>
+          <a:prstGeom prst="rect">
+            <a:avLst/>
+          </a:prstGeom>
+        </p:spPr>
+        <p:txBody>
+          <a:bodyPr anchorCtr="0" anchor="t" bIns="91425" lIns="91425" spcFirstLastPara="1" rIns="91425" wrap="square" tIns="91425">
+            <a:noAutofit/>
+          </a:bodyPr>
+          <a:lstStyle/>
+          <a:p>
+            <a:pPr indent="0" lvl="0" marL="0" rtl="0" algn="l">
+              <a:spcBef>
+                <a:spcPts val="0"/>
+              </a:spcBef>
+              <a:spcAft>
+                <a:spcPts val="1600"/>
+              </a:spcAft>
+              <a:buNone/>
+            </a:pPr>
+            <a:r>
+              <a:t/>
+            </a:r>
+            <a:endParaRPr/>
+          </a:p>
+        </p:txBody>
+      </p:sp>
+    </p:spTree>
+  </p:cSld>
+  <p:clrMapOvr>
+    <a:masterClrMapping/>
+  </p:clrMapOvr>
+</p:sld>
+</file>
+
 <file path=ppt/slides/slide3.xml><?xml version="1.0" encoding="utf-8"?>
 <p:sld xmlns:a="http://schemas.openxmlformats.org/drawingml/2006/main" xmlns:r="http://schemas.openxmlformats.org/officeDocument/2006/relationships" xmlns:mc="http://schemas.openxmlformats.org/markup-compatibility/2006" xmlns:mv="urn:schemas-microsoft-com:mac:vml" xmlns:p="http://schemas.openxmlformats.org/presentationml/2006/main" xmlns:c="http://schemas.openxmlformats.org/drawingml/2006/chart" xmlns:dgm="http://schemas.openxmlformats.org/drawingml/2006/diagram" xmlns:o="urn:schemas-microsoft-com:office:office" xmlns:v="urn:schemas-microsoft-com:vml" xmlns:pvml="urn:schemas-microsoft-com:office:powerpoint" xmlns:com="http://schemas.openxmlformats.org/drawingml/2006/compatibility" xmlns:p14="http://schemas.microsoft.com/office/powerpoint/2010/main" xmlns:p15="http://schemas.microsoft.com/office/powerpoint/2012/main">
   <p:cSld>
@@ -15265,7 +16360,23 @@
             </a:pPr>
             <a:r>
               <a:rPr lang="en"/>
-              <a:t>The user can now specify global settings in the first YAML “page” of the system config. Currently the only value being used is the name for the current config.</a:t>
+              <a:t>The user can now specify global settings in the first YAML “page” of the system config. </a:t>
+            </a:r>
+            <a:endParaRPr/>
+          </a:p>
+          <a:p>
+            <a:pPr indent="0" lvl="0" marL="0" rtl="0" algn="l">
+              <a:spcBef>
+                <a:spcPts val="1600"/>
+              </a:spcBef>
+              <a:spcAft>
+                <a:spcPts val="0"/>
+              </a:spcAft>
+              <a:buNone/>
+            </a:pPr>
+            <a:r>
+              <a:rPr lang="en"/>
+              <a:t>This will be used for things such as tray size.</a:t>
             </a:r>
             <a:endParaRPr/>
           </a:p>
@@ -15590,6 +16701,285 @@
 </file>
 
 <file path=ppt/theme/theme1.xml><?xml version="1.0" encoding="utf-8"?>
+<a:theme xmlns:a="http://schemas.openxmlformats.org/drawingml/2006/main" xmlns:r="http://schemas.openxmlformats.org/officeDocument/2006/relationships">
+  <a:themeElements>
+    <a:clrScheme name="Default">
+      <a:dk1>
+        <a:srgbClr val="000000"/>
+      </a:dk1>
+      <a:lt1>
+        <a:srgbClr val="FFFFFF"/>
+      </a:lt1>
+      <a:dk2>
+        <a:srgbClr val="158158"/>
+      </a:dk2>
+      <a:lt2>
+        <a:srgbClr val="F3F3F3"/>
+      </a:lt2>
+      <a:accent1>
+        <a:srgbClr val="058DC7"/>
+      </a:accent1>
+      <a:accent2>
+        <a:srgbClr val="50B432"/>
+      </a:accent2>
+      <a:accent3>
+        <a:srgbClr val="ED561B"/>
+      </a:accent3>
+      <a:accent4>
+        <a:srgbClr val="EDEF00"/>
+      </a:accent4>
+      <a:accent5>
+        <a:srgbClr val="24CBE5"/>
+      </a:accent5>
+      <a:accent6>
+        <a:srgbClr val="64E572"/>
+      </a:accent6>
+      <a:hlink>
+        <a:srgbClr val="2200CC"/>
+      </a:hlink>
+      <a:folHlink>
+        <a:srgbClr val="551A8B"/>
+      </a:folHlink>
+    </a:clrScheme>
+    <a:fontScheme name="Office">
+      <a:majorFont>
+        <a:latin typeface="Arial"/>
+        <a:ea typeface=""/>
+        <a:cs typeface=""/>
+        <a:font script="Jpan" typeface="ＭＳ Ｐゴシック"/>
+        <a:font script="Hang" typeface="맑은 고딕"/>
+        <a:font script="Hans" typeface="宋体"/>
+        <a:font script="Hant" typeface="新細明體"/>
+        <a:font script="Arab" typeface="Times New Roman"/>
+        <a:font script="Hebr" typeface="Times New Roman"/>
+        <a:font script="Thai" typeface="Angsana New"/>
+        <a:font script="Ethi" typeface="Nyala"/>
+        <a:font script="Beng" typeface="Vrinda"/>
+        <a:font script="Gujr" typeface="Shruti"/>
+        <a:font script="Khmr" typeface="MoolBoran"/>
+        <a:font script="Knda" typeface="Tunga"/>
+        <a:font script="Guru" typeface="Raavi"/>
+        <a:font script="Cans" typeface="Euphemia"/>
+        <a:font script="Cher" typeface="Plantagenet Cherokee"/>
+        <a:font script="Yiii" typeface="Microsoft Yi Baiti"/>
+        <a:font script="Tibt" typeface="Microsoft Himalaya"/>
+        <a:font script="Thaa" typeface="MV Boli"/>
+        <a:font script="Deva" typeface="Mangal"/>
+        <a:font script="Telu" typeface="Gautami"/>
+        <a:font script="Taml" typeface="Latha"/>
+        <a:font script="Syrc" typeface="Estrangelo Edessa"/>
+        <a:font script="Orya" typeface="Kalinga"/>
+        <a:font script="Mlym" typeface="Kartika"/>
+        <a:font script="Laoo" typeface="DokChampa"/>
+        <a:font script="Sinh" typeface="Iskoola Pota"/>
+        <a:font script="Mong" typeface="Mongolian Baiti"/>
+        <a:font script="Viet" typeface="Times New Roman"/>
+        <a:font script="Uigh" typeface="Microsoft Uighur"/>
+        <a:font script="Geor" typeface="Sylfaen"/>
+      </a:majorFont>
+      <a:minorFont>
+        <a:latin typeface="Arial"/>
+        <a:ea typeface=""/>
+        <a:cs typeface=""/>
+        <a:font script="Jpan" typeface="ＭＳ Ｐゴシック"/>
+        <a:font script="Hang" typeface="맑은 고딕"/>
+        <a:font script="Hans" typeface="宋体"/>
+        <a:font script="Hant" typeface="新細明體"/>
+        <a:font script="Arab" typeface="Arial"/>
+        <a:font script="Hebr" typeface="Arial"/>
+        <a:font script="Thai" typeface="Cordia New"/>
+        <a:font script="Ethi" typeface="Nyala"/>
+        <a:font script="Beng" typeface="Vrinda"/>
+        <a:font script="Gujr" typeface="Shruti"/>
+        <a:font script="Khmr" typeface="DaunPenh"/>
+        <a:font script="Knda" typeface="Tunga"/>
+        <a:font script="Guru" typeface="Raavi"/>
+        <a:font script="Cans" typeface="Euphemia"/>
+        <a:font script="Cher" typeface="Plantagenet Cherokee"/>
+        <a:font script="Yiii" typeface="Microsoft Yi Baiti"/>
+        <a:font script="Tibt" typeface="Microsoft Himalaya"/>
+        <a:font script="Thaa" typeface="MV Boli"/>
+        <a:font script="Deva" typeface="Mangal"/>
+        <a:font script="Telu" typeface="Gautami"/>
+        <a:font script="Taml" typeface="Latha"/>
+        <a:font script="Syrc" typeface="Estrangelo Edessa"/>
+        <a:font script="Orya" typeface="Kalinga"/>
+        <a:font script="Mlym" typeface="Kartika"/>
+        <a:font script="Laoo" typeface="DokChampa"/>
+        <a:font script="Sinh" typeface="Iskoola Pota"/>
+        <a:font script="Mong" typeface="Mongolian Baiti"/>
+        <a:font script="Viet" typeface="Arial"/>
+        <a:font script="Uigh" typeface="Microsoft Uighur"/>
+        <a:font script="Geor" typeface="Sylfaen"/>
+      </a:minorFont>
+    </a:fontScheme>
+    <a:fmtScheme name="Office">
+      <a:fillStyleLst>
+        <a:solidFill>
+          <a:schemeClr val="phClr"/>
+        </a:solidFill>
+        <a:gradFill rotWithShape="1">
+          <a:gsLst>
+            <a:gs pos="0">
+              <a:schemeClr val="phClr">
+                <a:tint val="50000"/>
+                <a:satMod val="300000"/>
+              </a:schemeClr>
+            </a:gs>
+            <a:gs pos="35000">
+              <a:schemeClr val="phClr">
+                <a:tint val="37000"/>
+                <a:satMod val="300000"/>
+              </a:schemeClr>
+            </a:gs>
+            <a:gs pos="100000">
+              <a:schemeClr val="phClr">
+                <a:tint val="15000"/>
+                <a:satMod val="350000"/>
+              </a:schemeClr>
+            </a:gs>
+          </a:gsLst>
+          <a:lin ang="16200000" scaled="1"/>
+        </a:gradFill>
+        <a:gradFill rotWithShape="1">
+          <a:gsLst>
+            <a:gs pos="0">
+              <a:schemeClr val="phClr">
+                <a:tint val="100000"/>
+                <a:shade val="100000"/>
+                <a:satMod val="130000"/>
+              </a:schemeClr>
+            </a:gs>
+            <a:gs pos="100000">
+              <a:schemeClr val="phClr">
+                <a:tint val="50000"/>
+                <a:shade val="100000"/>
+                <a:satMod val="350000"/>
+              </a:schemeClr>
+            </a:gs>
+          </a:gsLst>
+          <a:lin ang="16200000" scaled="0"/>
+        </a:gradFill>
+      </a:fillStyleLst>
+      <a:lnStyleLst>
+        <a:ln w="9525" cap="flat" cmpd="sng" algn="ctr">
+          <a:solidFill>
+            <a:schemeClr val="phClr">
+              <a:shade val="95000"/>
+              <a:satMod val="105000"/>
+            </a:schemeClr>
+          </a:solidFill>
+          <a:prstDash val="solid"/>
+        </a:ln>
+        <a:ln w="25400" cap="flat" cmpd="sng" algn="ctr">
+          <a:solidFill>
+            <a:schemeClr val="phClr"/>
+          </a:solidFill>
+          <a:prstDash val="solid"/>
+        </a:ln>
+        <a:ln w="38100" cap="flat" cmpd="sng" algn="ctr">
+          <a:solidFill>
+            <a:schemeClr val="phClr"/>
+          </a:solidFill>
+          <a:prstDash val="solid"/>
+        </a:ln>
+      </a:lnStyleLst>
+      <a:effectStyleLst>
+        <a:effectStyle>
+          <a:effectLst>
+            <a:outerShdw blurRad="40000" dist="20000" dir="5400000" rotWithShape="0">
+              <a:srgbClr val="000000">
+                <a:alpha val="38000"/>
+              </a:srgbClr>
+            </a:outerShdw>
+          </a:effectLst>
+        </a:effectStyle>
+        <a:effectStyle>
+          <a:effectLst>
+            <a:outerShdw blurRad="40000" dist="23000" dir="5400000" rotWithShape="0">
+              <a:srgbClr val="000000">
+                <a:alpha val="35000"/>
+              </a:srgbClr>
+            </a:outerShdw>
+          </a:effectLst>
+        </a:effectStyle>
+        <a:effectStyle>
+          <a:effectLst>
+            <a:outerShdw blurRad="40000" dist="23000" dir="5400000" rotWithShape="0">
+              <a:srgbClr val="000000">
+                <a:alpha val="35000"/>
+              </a:srgbClr>
+            </a:outerShdw>
+          </a:effectLst>
+          <a:scene3d>
+            <a:camera prst="orthographicFront">
+              <a:rot lat="0" lon="0" rev="0"/>
+            </a:camera>
+            <a:lightRig rig="threePt" dir="t">
+              <a:rot lat="0" lon="0" rev="1200000"/>
+            </a:lightRig>
+          </a:scene3d>
+          <a:sp3d>
+            <a:bevelT w="63500" h="25400"/>
+          </a:sp3d>
+        </a:effectStyle>
+      </a:effectStyleLst>
+      <a:bgFillStyleLst>
+        <a:solidFill>
+          <a:schemeClr val="phClr"/>
+        </a:solidFill>
+        <a:gradFill rotWithShape="1">
+          <a:gsLst>
+            <a:gs pos="0">
+              <a:schemeClr val="phClr">
+                <a:tint val="40000"/>
+                <a:satMod val="350000"/>
+              </a:schemeClr>
+            </a:gs>
+            <a:gs pos="40000">
+              <a:schemeClr val="phClr">
+                <a:tint val="45000"/>
+                <a:shade val="99000"/>
+                <a:satMod val="350000"/>
+              </a:schemeClr>
+            </a:gs>
+            <a:gs pos="100000">
+              <a:schemeClr val="phClr">
+                <a:shade val="20000"/>
+                <a:satMod val="255000"/>
+              </a:schemeClr>
+            </a:gs>
+          </a:gsLst>
+          <a:path path="circle">
+            <a:fillToRect l="50000" t="-80000" r="50000" b="180000"/>
+          </a:path>
+        </a:gradFill>
+        <a:gradFill rotWithShape="1">
+          <a:gsLst>
+            <a:gs pos="0">
+              <a:schemeClr val="phClr">
+                <a:tint val="80000"/>
+                <a:satMod val="300000"/>
+              </a:schemeClr>
+            </a:gs>
+            <a:gs pos="100000">
+              <a:schemeClr val="phClr">
+                <a:shade val="30000"/>
+                <a:satMod val="200000"/>
+              </a:schemeClr>
+            </a:gs>
+          </a:gsLst>
+          <a:path path="circle">
+            <a:fillToRect l="50000" t="50000" r="50000" b="50000"/>
+          </a:path>
+        </a:gradFill>
+      </a:bgFillStyleLst>
+    </a:fmtScheme>
+  </a:themeElements>
+</a:theme>
+</file>
+
+<file path=ppt/theme/theme2.xml><?xml version="1.0" encoding="utf-8"?>
 <a:theme xmlns:a="http://schemas.openxmlformats.org/drawingml/2006/main" xmlns:r="http://schemas.openxmlformats.org/officeDocument/2006/relationships" name="Focus">
   <a:themeElements>
     <a:clrScheme name="Focus">
@@ -15866,283 +17256,4 @@
     </a:fmtScheme>
   </a:themeElements>
 </a:theme>
-</file>
-
-<file path=ppt/theme/theme2.xml><?xml version="1.0" encoding="utf-8"?>
-<a:theme xmlns:a="http://schemas.openxmlformats.org/drawingml/2006/main" xmlns:r="http://schemas.openxmlformats.org/officeDocument/2006/relationships">
-  <a:themeElements>
-    <a:clrScheme name="Default">
-      <a:dk1>
-        <a:srgbClr val="000000"/>
-      </a:dk1>
-      <a:lt1>
-        <a:srgbClr val="FFFFFF"/>
-      </a:lt1>
-      <a:dk2>
-        <a:srgbClr val="158158"/>
-      </a:dk2>
-      <a:lt2>
-        <a:srgbClr val="F3F3F3"/>
-      </a:lt2>
-      <a:accent1>
-        <a:srgbClr val="058DC7"/>
-      </a:accent1>
-      <a:accent2>
-        <a:srgbClr val="50B432"/>
-      </a:accent2>
-      <a:accent3>
-        <a:srgbClr val="ED561B"/>
-      </a:accent3>
-      <a:accent4>
-        <a:srgbClr val="EDEF00"/>
-      </a:accent4>
-      <a:accent5>
-        <a:srgbClr val="24CBE5"/>
-      </a:accent5>
-      <a:accent6>
-        <a:srgbClr val="64E572"/>
-      </a:accent6>
-      <a:hlink>
-        <a:srgbClr val="2200CC"/>
-      </a:hlink>
-      <a:folHlink>
-        <a:srgbClr val="551A8B"/>
-      </a:folHlink>
-    </a:clrScheme>
-    <a:fontScheme name="Office">
-      <a:majorFont>
-        <a:latin typeface="Arial"/>
-        <a:ea typeface=""/>
-        <a:cs typeface=""/>
-        <a:font script="Jpan" typeface="ＭＳ Ｐゴシック"/>
-        <a:font script="Hang" typeface="맑은 고딕"/>
-        <a:font script="Hans" typeface="宋体"/>
-        <a:font script="Hant" typeface="新細明體"/>
-        <a:font script="Arab" typeface="Times New Roman"/>
-        <a:font script="Hebr" typeface="Times New Roman"/>
-        <a:font script="Thai" typeface="Angsana New"/>
-        <a:font script="Ethi" typeface="Nyala"/>
-        <a:font script="Beng" typeface="Vrinda"/>
-        <a:font script="Gujr" typeface="Shruti"/>
-        <a:font script="Khmr" typeface="MoolBoran"/>
-        <a:font script="Knda" typeface="Tunga"/>
-        <a:font script="Guru" typeface="Raavi"/>
-        <a:font script="Cans" typeface="Euphemia"/>
-        <a:font script="Cher" typeface="Plantagenet Cherokee"/>
-        <a:font script="Yiii" typeface="Microsoft Yi Baiti"/>
-        <a:font script="Tibt" typeface="Microsoft Himalaya"/>
-        <a:font script="Thaa" typeface="MV Boli"/>
-        <a:font script="Deva" typeface="Mangal"/>
-        <a:font script="Telu" typeface="Gautami"/>
-        <a:font script="Taml" typeface="Latha"/>
-        <a:font script="Syrc" typeface="Estrangelo Edessa"/>
-        <a:font script="Orya" typeface="Kalinga"/>
-        <a:font script="Mlym" typeface="Kartika"/>
-        <a:font script="Laoo" typeface="DokChampa"/>
-        <a:font script="Sinh" typeface="Iskoola Pota"/>
-        <a:font script="Mong" typeface="Mongolian Baiti"/>
-        <a:font script="Viet" typeface="Times New Roman"/>
-        <a:font script="Uigh" typeface="Microsoft Uighur"/>
-        <a:font script="Geor" typeface="Sylfaen"/>
-      </a:majorFont>
-      <a:minorFont>
-        <a:latin typeface="Arial"/>
-        <a:ea typeface=""/>
-        <a:cs typeface=""/>
-        <a:font script="Jpan" typeface="ＭＳ Ｐゴシック"/>
-        <a:font script="Hang" typeface="맑은 고딕"/>
-        <a:font script="Hans" typeface="宋体"/>
-        <a:font script="Hant" typeface="新細明體"/>
-        <a:font script="Arab" typeface="Arial"/>
-        <a:font script="Hebr" typeface="Arial"/>
-        <a:font script="Thai" typeface="Cordia New"/>
-        <a:font script="Ethi" typeface="Nyala"/>
-        <a:font script="Beng" typeface="Vrinda"/>
-        <a:font script="Gujr" typeface="Shruti"/>
-        <a:font script="Khmr" typeface="DaunPenh"/>
-        <a:font script="Knda" typeface="Tunga"/>
-        <a:font script="Guru" typeface="Raavi"/>
-        <a:font script="Cans" typeface="Euphemia"/>
-        <a:font script="Cher" typeface="Plantagenet Cherokee"/>
-        <a:font script="Yiii" typeface="Microsoft Yi Baiti"/>
-        <a:font script="Tibt" typeface="Microsoft Himalaya"/>
-        <a:font script="Thaa" typeface="MV Boli"/>
-        <a:font script="Deva" typeface="Mangal"/>
-        <a:font script="Telu" typeface="Gautami"/>
-        <a:font script="Taml" typeface="Latha"/>
-        <a:font script="Syrc" typeface="Estrangelo Edessa"/>
-        <a:font script="Orya" typeface="Kalinga"/>
-        <a:font script="Mlym" typeface="Kartika"/>
-        <a:font script="Laoo" typeface="DokChampa"/>
-        <a:font script="Sinh" typeface="Iskoola Pota"/>
-        <a:font script="Mong" typeface="Mongolian Baiti"/>
-        <a:font script="Viet" typeface="Arial"/>
-        <a:font script="Uigh" typeface="Microsoft Uighur"/>
-        <a:font script="Geor" typeface="Sylfaen"/>
-      </a:minorFont>
-    </a:fontScheme>
-    <a:fmtScheme name="Office">
-      <a:fillStyleLst>
-        <a:solidFill>
-          <a:schemeClr val="phClr"/>
-        </a:solidFill>
-        <a:gradFill rotWithShape="1">
-          <a:gsLst>
-            <a:gs pos="0">
-              <a:schemeClr val="phClr">
-                <a:tint val="50000"/>
-                <a:satMod val="300000"/>
-              </a:schemeClr>
-            </a:gs>
-            <a:gs pos="35000">
-              <a:schemeClr val="phClr">
-                <a:tint val="37000"/>
-                <a:satMod val="300000"/>
-              </a:schemeClr>
-            </a:gs>
-            <a:gs pos="100000">
-              <a:schemeClr val="phClr">
-                <a:tint val="15000"/>
-                <a:satMod val="350000"/>
-              </a:schemeClr>
-            </a:gs>
-          </a:gsLst>
-          <a:lin ang="16200000" scaled="1"/>
-        </a:gradFill>
-        <a:gradFill rotWithShape="1">
-          <a:gsLst>
-            <a:gs pos="0">
-              <a:schemeClr val="phClr">
-                <a:tint val="100000"/>
-                <a:shade val="100000"/>
-                <a:satMod val="130000"/>
-              </a:schemeClr>
-            </a:gs>
-            <a:gs pos="100000">
-              <a:schemeClr val="phClr">
-                <a:tint val="50000"/>
-                <a:shade val="100000"/>
-                <a:satMod val="350000"/>
-              </a:schemeClr>
-            </a:gs>
-          </a:gsLst>
-          <a:lin ang="16200000" scaled="0"/>
-        </a:gradFill>
-      </a:fillStyleLst>
-      <a:lnStyleLst>
-        <a:ln w="9525" cap="flat" cmpd="sng" algn="ctr">
-          <a:solidFill>
-            <a:schemeClr val="phClr">
-              <a:shade val="95000"/>
-              <a:satMod val="105000"/>
-            </a:schemeClr>
-          </a:solidFill>
-          <a:prstDash val="solid"/>
-        </a:ln>
-        <a:ln w="25400" cap="flat" cmpd="sng" algn="ctr">
-          <a:solidFill>
-            <a:schemeClr val="phClr"/>
-          </a:solidFill>
-          <a:prstDash val="solid"/>
-        </a:ln>
-        <a:ln w="38100" cap="flat" cmpd="sng" algn="ctr">
-          <a:solidFill>
-            <a:schemeClr val="phClr"/>
-          </a:solidFill>
-          <a:prstDash val="solid"/>
-        </a:ln>
-      </a:lnStyleLst>
-      <a:effectStyleLst>
-        <a:effectStyle>
-          <a:effectLst>
-            <a:outerShdw blurRad="40000" dist="20000" dir="5400000" rotWithShape="0">
-              <a:srgbClr val="000000">
-                <a:alpha val="38000"/>
-              </a:srgbClr>
-            </a:outerShdw>
-          </a:effectLst>
-        </a:effectStyle>
-        <a:effectStyle>
-          <a:effectLst>
-            <a:outerShdw blurRad="40000" dist="23000" dir="5400000" rotWithShape="0">
-              <a:srgbClr val="000000">
-                <a:alpha val="35000"/>
-              </a:srgbClr>
-            </a:outerShdw>
-          </a:effectLst>
-        </a:effectStyle>
-        <a:effectStyle>
-          <a:effectLst>
-            <a:outerShdw blurRad="40000" dist="23000" dir="5400000" rotWithShape="0">
-              <a:srgbClr val="000000">
-                <a:alpha val="35000"/>
-              </a:srgbClr>
-            </a:outerShdw>
-          </a:effectLst>
-          <a:scene3d>
-            <a:camera prst="orthographicFront">
-              <a:rot lat="0" lon="0" rev="0"/>
-            </a:camera>
-            <a:lightRig rig="threePt" dir="t">
-              <a:rot lat="0" lon="0" rev="1200000"/>
-            </a:lightRig>
-          </a:scene3d>
-          <a:sp3d>
-            <a:bevelT w="63500" h="25400"/>
-          </a:sp3d>
-        </a:effectStyle>
-      </a:effectStyleLst>
-      <a:bgFillStyleLst>
-        <a:solidFill>
-          <a:schemeClr val="phClr"/>
-        </a:solidFill>
-        <a:gradFill rotWithShape="1">
-          <a:gsLst>
-            <a:gs pos="0">
-              <a:schemeClr val="phClr">
-                <a:tint val="40000"/>
-                <a:satMod val="350000"/>
-              </a:schemeClr>
-            </a:gs>
-            <a:gs pos="40000">
-              <a:schemeClr val="phClr">
-                <a:tint val="45000"/>
-                <a:shade val="99000"/>
-                <a:satMod val="350000"/>
-              </a:schemeClr>
-            </a:gs>
-            <a:gs pos="100000">
-              <a:schemeClr val="phClr">
-                <a:shade val="20000"/>
-                <a:satMod val="255000"/>
-              </a:schemeClr>
-            </a:gs>
-          </a:gsLst>
-          <a:path path="circle">
-            <a:fillToRect l="50000" t="-80000" r="50000" b="180000"/>
-          </a:path>
-        </a:gradFill>
-        <a:gradFill rotWithShape="1">
-          <a:gsLst>
-            <a:gs pos="0">
-              <a:schemeClr val="phClr">
-                <a:tint val="80000"/>
-                <a:satMod val="300000"/>
-              </a:schemeClr>
-            </a:gs>
-            <a:gs pos="100000">
-              <a:schemeClr val="phClr">
-                <a:shade val="30000"/>
-                <a:satMod val="200000"/>
-              </a:schemeClr>
-            </a:gs>
-          </a:gsLst>
-          <a:path path="circle">
-            <a:fillToRect l="50000" t="50000" r="50000" b="50000"/>
-          </a:path>
-        </a:gradFill>
-      </a:bgFillStyleLst>
-    </a:fmtScheme>
-  </a:themeElements>
-</a:theme>
 </file>
--- a/docs/Milestone4Presentation.pptx
+++ b/docs/Milestone4Presentation.pptx
@@ -2561,7 +2561,7 @@
       </p:grpSpPr>
       <p:sp>
         <p:nvSpPr>
-          <p:cNvPr id="285" name="Google Shape;285;g7e1c968e73_1_7:notes"/>
+          <p:cNvPr id="285" name="Google Shape;285;g7e1c968e73_3_0:notes"/>
           <p:cNvSpPr/>
           <p:nvPr>
             <p:ph idx="2" type="sldImg"/>
@@ -2596,7 +2596,7 @@
       </p:sp>
       <p:sp>
         <p:nvSpPr>
-          <p:cNvPr id="286" name="Google Shape;286;g7e1c968e73_1_7:notes"/>
+          <p:cNvPr id="286" name="Google Shape;286;g7e1c968e73_3_0:notes"/>
           <p:cNvSpPr txBox="1"/>
           <p:nvPr>
             <p:ph idx="1" type="body"/>
@@ -13357,7 +13357,7 @@
             <a:tbl>
               <a:tblPr>
                 <a:noFill/>
-                <a:tableStyleId>{49E45D84-BEE6-4FFD-BB69-330C97173C8C}</a:tableStyleId>
+                <a:tableStyleId>{BE771BCB-B7F2-404F-B327-E66D8808884C}</a:tableStyleId>
               </a:tblPr>
               <a:tblGrid>
                 <a:gridCol w="4044575"/>
@@ -15547,7 +15547,8 @@
               <a:buNone/>
             </a:pPr>
             <a:r>
-              <a:t/>
+              <a:rPr lang="en"/>
+              <a:t>Todo:</a:t>
             </a:r>
             <a:endParaRPr/>
           </a:p>
@@ -15576,17 +15577,36 @@
           </a:bodyPr>
           <a:lstStyle/>
           <a:p>
-            <a:pPr indent="0" lvl="0" marL="0" rtl="0" algn="l">
-              <a:spcBef>
-                <a:spcPts val="0"/>
-              </a:spcBef>
-              <a:spcAft>
-                <a:spcPts val="1600"/>
-              </a:spcAft>
-              <a:buNone/>
+            <a:pPr indent="-311150" lvl="0" marL="457200" rtl="0" algn="l">
+              <a:spcBef>
+                <a:spcPts val="0"/>
+              </a:spcBef>
+              <a:spcAft>
+                <a:spcPts val="0"/>
+              </a:spcAft>
+              <a:buSzPts val="1300"/>
+              <a:buChar char="●"/>
             </a:pPr>
             <a:r>
-              <a:t/>
+              <a:rPr lang="en"/>
+              <a:t>Poster</a:t>
+            </a:r>
+            <a:endParaRPr/>
+          </a:p>
+          <a:p>
+            <a:pPr indent="-311150" lvl="0" marL="457200" rtl="0" algn="l">
+              <a:spcBef>
+                <a:spcPts val="0"/>
+              </a:spcBef>
+              <a:spcAft>
+                <a:spcPts val="0"/>
+              </a:spcAft>
+              <a:buSzPts val="1300"/>
+              <a:buChar char="●"/>
+            </a:pPr>
+            <a:r>
+              <a:rPr lang="en"/>
+              <a:t>Presentation plan with MEE</a:t>
             </a:r>
             <a:endParaRPr/>
           </a:p>
@@ -16701,6 +16721,285 @@
 </file>
 
 <file path=ppt/theme/theme1.xml><?xml version="1.0" encoding="utf-8"?>
+<a:theme xmlns:a="http://schemas.openxmlformats.org/drawingml/2006/main" xmlns:r="http://schemas.openxmlformats.org/officeDocument/2006/relationships" name="Focus">
+  <a:themeElements>
+    <a:clrScheme name="Focus">
+      <a:dk1>
+        <a:srgbClr val="1B212C"/>
+      </a:dk1>
+      <a:lt1>
+        <a:srgbClr val="FFFFFF"/>
+      </a:lt1>
+      <a:dk2>
+        <a:srgbClr val="D9D9D9"/>
+      </a:dk2>
+      <a:lt2>
+        <a:srgbClr val="82C7A5"/>
+      </a:lt2>
+      <a:accent1>
+        <a:srgbClr val="0145AC"/>
+      </a:accent1>
+      <a:accent2>
+        <a:srgbClr val="EECE1A"/>
+      </a:accent2>
+      <a:accent3>
+        <a:srgbClr val="4E5567"/>
+      </a:accent3>
+      <a:accent4>
+        <a:srgbClr val="F4D6AD"/>
+      </a:accent4>
+      <a:accent5>
+        <a:srgbClr val="7890CD"/>
+      </a:accent5>
+      <a:accent6>
+        <a:srgbClr val="F15E22"/>
+      </a:accent6>
+      <a:hlink>
+        <a:srgbClr val="7890CD"/>
+      </a:hlink>
+      <a:folHlink>
+        <a:srgbClr val="7890CD"/>
+      </a:folHlink>
+    </a:clrScheme>
+    <a:fontScheme name="Office">
+      <a:majorFont>
+        <a:latin typeface="Arial"/>
+        <a:ea typeface=""/>
+        <a:cs typeface=""/>
+        <a:font script="Jpan" typeface="ＭＳ Ｐゴシック"/>
+        <a:font script="Hang" typeface="맑은 고딕"/>
+        <a:font script="Hans" typeface="宋体"/>
+        <a:font script="Hant" typeface="新細明體"/>
+        <a:font script="Arab" typeface="Times New Roman"/>
+        <a:font script="Hebr" typeface="Times New Roman"/>
+        <a:font script="Thai" typeface="Angsana New"/>
+        <a:font script="Ethi" typeface="Nyala"/>
+        <a:font script="Beng" typeface="Vrinda"/>
+        <a:font script="Gujr" typeface="Shruti"/>
+        <a:font script="Khmr" typeface="MoolBoran"/>
+        <a:font script="Knda" typeface="Tunga"/>
+        <a:font script="Guru" typeface="Raavi"/>
+        <a:font script="Cans" typeface="Euphemia"/>
+        <a:font script="Cher" typeface="Plantagenet Cherokee"/>
+        <a:font script="Yiii" typeface="Microsoft Yi Baiti"/>
+        <a:font script="Tibt" typeface="Microsoft Himalaya"/>
+        <a:font script="Thaa" typeface="MV Boli"/>
+        <a:font script="Deva" typeface="Mangal"/>
+        <a:font script="Telu" typeface="Gautami"/>
+        <a:font script="Taml" typeface="Latha"/>
+        <a:font script="Syrc" typeface="Estrangelo Edessa"/>
+        <a:font script="Orya" typeface="Kalinga"/>
+        <a:font script="Mlym" typeface="Kartika"/>
+        <a:font script="Laoo" typeface="DokChampa"/>
+        <a:font script="Sinh" typeface="Iskoola Pota"/>
+        <a:font script="Mong" typeface="Mongolian Baiti"/>
+        <a:font script="Viet" typeface="Times New Roman"/>
+        <a:font script="Uigh" typeface="Microsoft Uighur"/>
+        <a:font script="Geor" typeface="Sylfaen"/>
+      </a:majorFont>
+      <a:minorFont>
+        <a:latin typeface="Arial"/>
+        <a:ea typeface=""/>
+        <a:cs typeface=""/>
+        <a:font script="Jpan" typeface="ＭＳ Ｐゴシック"/>
+        <a:font script="Hang" typeface="맑은 고딕"/>
+        <a:font script="Hans" typeface="宋体"/>
+        <a:font script="Hant" typeface="新細明體"/>
+        <a:font script="Arab" typeface="Arial"/>
+        <a:font script="Hebr" typeface="Arial"/>
+        <a:font script="Thai" typeface="Cordia New"/>
+        <a:font script="Ethi" typeface="Nyala"/>
+        <a:font script="Beng" typeface="Vrinda"/>
+        <a:font script="Gujr" typeface="Shruti"/>
+        <a:font script="Khmr" typeface="DaunPenh"/>
+        <a:font script="Knda" typeface="Tunga"/>
+        <a:font script="Guru" typeface="Raavi"/>
+        <a:font script="Cans" typeface="Euphemia"/>
+        <a:font script="Cher" typeface="Plantagenet Cherokee"/>
+        <a:font script="Yiii" typeface="Microsoft Yi Baiti"/>
+        <a:font script="Tibt" typeface="Microsoft Himalaya"/>
+        <a:font script="Thaa" typeface="MV Boli"/>
+        <a:font script="Deva" typeface="Mangal"/>
+        <a:font script="Telu" typeface="Gautami"/>
+        <a:font script="Taml" typeface="Latha"/>
+        <a:font script="Syrc" typeface="Estrangelo Edessa"/>
+        <a:font script="Orya" typeface="Kalinga"/>
+        <a:font script="Mlym" typeface="Kartika"/>
+        <a:font script="Laoo" typeface="DokChampa"/>
+        <a:font script="Sinh" typeface="Iskoola Pota"/>
+        <a:font script="Mong" typeface="Mongolian Baiti"/>
+        <a:font script="Viet" typeface="Arial"/>
+        <a:font script="Uigh" typeface="Microsoft Uighur"/>
+        <a:font script="Geor" typeface="Sylfaen"/>
+      </a:minorFont>
+    </a:fontScheme>
+    <a:fmtScheme name="Office">
+      <a:fillStyleLst>
+        <a:solidFill>
+          <a:schemeClr val="phClr"/>
+        </a:solidFill>
+        <a:gradFill rotWithShape="1">
+          <a:gsLst>
+            <a:gs pos="0">
+              <a:schemeClr val="phClr">
+                <a:tint val="50000"/>
+                <a:satMod val="300000"/>
+              </a:schemeClr>
+            </a:gs>
+            <a:gs pos="35000">
+              <a:schemeClr val="phClr">
+                <a:tint val="37000"/>
+                <a:satMod val="300000"/>
+              </a:schemeClr>
+            </a:gs>
+            <a:gs pos="100000">
+              <a:schemeClr val="phClr">
+                <a:tint val="15000"/>
+                <a:satMod val="350000"/>
+              </a:schemeClr>
+            </a:gs>
+          </a:gsLst>
+          <a:lin ang="16200000" scaled="1"/>
+        </a:gradFill>
+        <a:gradFill rotWithShape="1">
+          <a:gsLst>
+            <a:gs pos="0">
+              <a:schemeClr val="phClr">
+                <a:tint val="100000"/>
+                <a:shade val="100000"/>
+                <a:satMod val="130000"/>
+              </a:schemeClr>
+            </a:gs>
+            <a:gs pos="100000">
+              <a:schemeClr val="phClr">
+                <a:tint val="50000"/>
+                <a:shade val="100000"/>
+                <a:satMod val="350000"/>
+              </a:schemeClr>
+            </a:gs>
+          </a:gsLst>
+          <a:lin ang="16200000" scaled="0"/>
+        </a:gradFill>
+      </a:fillStyleLst>
+      <a:lnStyleLst>
+        <a:ln w="9525" cap="flat" cmpd="sng" algn="ctr">
+          <a:solidFill>
+            <a:schemeClr val="phClr">
+              <a:shade val="95000"/>
+              <a:satMod val="105000"/>
+            </a:schemeClr>
+          </a:solidFill>
+          <a:prstDash val="solid"/>
+        </a:ln>
+        <a:ln w="25400" cap="flat" cmpd="sng" algn="ctr">
+          <a:solidFill>
+            <a:schemeClr val="phClr"/>
+          </a:solidFill>
+          <a:prstDash val="solid"/>
+        </a:ln>
+        <a:ln w="38100" cap="flat" cmpd="sng" algn="ctr">
+          <a:solidFill>
+            <a:schemeClr val="phClr"/>
+          </a:solidFill>
+          <a:prstDash val="solid"/>
+        </a:ln>
+      </a:lnStyleLst>
+      <a:effectStyleLst>
+        <a:effectStyle>
+          <a:effectLst>
+            <a:outerShdw blurRad="40000" dist="20000" dir="5400000" rotWithShape="0">
+              <a:srgbClr val="000000">
+                <a:alpha val="38000"/>
+              </a:srgbClr>
+            </a:outerShdw>
+          </a:effectLst>
+        </a:effectStyle>
+        <a:effectStyle>
+          <a:effectLst>
+            <a:outerShdw blurRad="40000" dist="23000" dir="5400000" rotWithShape="0">
+              <a:srgbClr val="000000">
+                <a:alpha val="35000"/>
+              </a:srgbClr>
+            </a:outerShdw>
+          </a:effectLst>
+        </a:effectStyle>
+        <a:effectStyle>
+          <a:effectLst>
+            <a:outerShdw blurRad="40000" dist="23000" dir="5400000" rotWithShape="0">
+              <a:srgbClr val="000000">
+                <a:alpha val="35000"/>
+              </a:srgbClr>
+            </a:outerShdw>
+          </a:effectLst>
+          <a:scene3d>
+            <a:camera prst="orthographicFront">
+              <a:rot lat="0" lon="0" rev="0"/>
+            </a:camera>
+            <a:lightRig rig="threePt" dir="t">
+              <a:rot lat="0" lon="0" rev="1200000"/>
+            </a:lightRig>
+          </a:scene3d>
+          <a:sp3d>
+            <a:bevelT w="63500" h="25400"/>
+          </a:sp3d>
+        </a:effectStyle>
+      </a:effectStyleLst>
+      <a:bgFillStyleLst>
+        <a:solidFill>
+          <a:schemeClr val="phClr"/>
+        </a:solidFill>
+        <a:gradFill rotWithShape="1">
+          <a:gsLst>
+            <a:gs pos="0">
+              <a:schemeClr val="phClr">
+                <a:tint val="40000"/>
+                <a:satMod val="350000"/>
+              </a:schemeClr>
+            </a:gs>
+            <a:gs pos="40000">
+              <a:schemeClr val="phClr">
+                <a:tint val="45000"/>
+                <a:shade val="99000"/>
+                <a:satMod val="350000"/>
+              </a:schemeClr>
+            </a:gs>
+            <a:gs pos="100000">
+              <a:schemeClr val="phClr">
+                <a:shade val="20000"/>
+                <a:satMod val="255000"/>
+              </a:schemeClr>
+            </a:gs>
+          </a:gsLst>
+          <a:path path="circle">
+            <a:fillToRect l="50000" t="-80000" r="50000" b="180000"/>
+          </a:path>
+        </a:gradFill>
+        <a:gradFill rotWithShape="1">
+          <a:gsLst>
+            <a:gs pos="0">
+              <a:schemeClr val="phClr">
+                <a:tint val="80000"/>
+                <a:satMod val="300000"/>
+              </a:schemeClr>
+            </a:gs>
+            <a:gs pos="100000">
+              <a:schemeClr val="phClr">
+                <a:shade val="30000"/>
+                <a:satMod val="200000"/>
+              </a:schemeClr>
+            </a:gs>
+          </a:gsLst>
+          <a:path path="circle">
+            <a:fillToRect l="50000" t="50000" r="50000" b="50000"/>
+          </a:path>
+        </a:gradFill>
+      </a:bgFillStyleLst>
+    </a:fmtScheme>
+  </a:themeElements>
+</a:theme>
+</file>
+
+<file path=ppt/theme/theme2.xml><?xml version="1.0" encoding="utf-8"?>
 <a:theme xmlns:a="http://schemas.openxmlformats.org/drawingml/2006/main" xmlns:r="http://schemas.openxmlformats.org/officeDocument/2006/relationships">
   <a:themeElements>
     <a:clrScheme name="Default">
@@ -16977,283 +17276,4 @@
     </a:fmtScheme>
   </a:themeElements>
 </a:theme>
-</file>
-
-<file path=ppt/theme/theme2.xml><?xml version="1.0" encoding="utf-8"?>
-<a:theme xmlns:a="http://schemas.openxmlformats.org/drawingml/2006/main" xmlns:r="http://schemas.openxmlformats.org/officeDocument/2006/relationships" name="Focus">
-  <a:themeElements>
-    <a:clrScheme name="Focus">
-      <a:dk1>
-        <a:srgbClr val="1B212C"/>
-      </a:dk1>
-      <a:lt1>
-        <a:srgbClr val="FFFFFF"/>
-      </a:lt1>
-      <a:dk2>
-        <a:srgbClr val="D9D9D9"/>
-      </a:dk2>
-      <a:lt2>
-        <a:srgbClr val="82C7A5"/>
-      </a:lt2>
-      <a:accent1>
-        <a:srgbClr val="0145AC"/>
-      </a:accent1>
-      <a:accent2>
-        <a:srgbClr val="EECE1A"/>
-      </a:accent2>
-      <a:accent3>
-        <a:srgbClr val="4E5567"/>
-      </a:accent3>
-      <a:accent4>
-        <a:srgbClr val="F4D6AD"/>
-      </a:accent4>
-      <a:accent5>
-        <a:srgbClr val="7890CD"/>
-      </a:accent5>
-      <a:accent6>
-        <a:srgbClr val="F15E22"/>
-      </a:accent6>
-      <a:hlink>
-        <a:srgbClr val="7890CD"/>
-      </a:hlink>
-      <a:folHlink>
-        <a:srgbClr val="7890CD"/>
-      </a:folHlink>
-    </a:clrScheme>
-    <a:fontScheme name="Office">
-      <a:majorFont>
-        <a:latin typeface="Arial"/>
-        <a:ea typeface=""/>
-        <a:cs typeface=""/>
-        <a:font script="Jpan" typeface="ＭＳ Ｐゴシック"/>
-        <a:font script="Hang" typeface="맑은 고딕"/>
-        <a:font script="Hans" typeface="宋体"/>
-        <a:font script="Hant" typeface="新細明體"/>
-        <a:font script="Arab" typeface="Times New Roman"/>
-        <a:font script="Hebr" typeface="Times New Roman"/>
-        <a:font script="Thai" typeface="Angsana New"/>
-        <a:font script="Ethi" typeface="Nyala"/>
-        <a:font script="Beng" typeface="Vrinda"/>
-        <a:font script="Gujr" typeface="Shruti"/>
-        <a:font script="Khmr" typeface="MoolBoran"/>
-        <a:font script="Knda" typeface="Tunga"/>
-        <a:font script="Guru" typeface="Raavi"/>
-        <a:font script="Cans" typeface="Euphemia"/>
-        <a:font script="Cher" typeface="Plantagenet Cherokee"/>
-        <a:font script="Yiii" typeface="Microsoft Yi Baiti"/>
-        <a:font script="Tibt" typeface="Microsoft Himalaya"/>
-        <a:font script="Thaa" typeface="MV Boli"/>
-        <a:font script="Deva" typeface="Mangal"/>
-        <a:font script="Telu" typeface="Gautami"/>
-        <a:font script="Taml" typeface="Latha"/>
-        <a:font script="Syrc" typeface="Estrangelo Edessa"/>
-        <a:font script="Orya" typeface="Kalinga"/>
-        <a:font script="Mlym" typeface="Kartika"/>
-        <a:font script="Laoo" typeface="DokChampa"/>
-        <a:font script="Sinh" typeface="Iskoola Pota"/>
-        <a:font script="Mong" typeface="Mongolian Baiti"/>
-        <a:font script="Viet" typeface="Times New Roman"/>
-        <a:font script="Uigh" typeface="Microsoft Uighur"/>
-        <a:font script="Geor" typeface="Sylfaen"/>
-      </a:majorFont>
-      <a:minorFont>
-        <a:latin typeface="Arial"/>
-        <a:ea typeface=""/>
-        <a:cs typeface=""/>
-        <a:font script="Jpan" typeface="ＭＳ Ｐゴシック"/>
-        <a:font script="Hang" typeface="맑은 고딕"/>
-        <a:font script="Hans" typeface="宋体"/>
-        <a:font script="Hant" typeface="新細明體"/>
-        <a:font script="Arab" typeface="Arial"/>
-        <a:font script="Hebr" typeface="Arial"/>
-        <a:font script="Thai" typeface="Cordia New"/>
-        <a:font script="Ethi" typeface="Nyala"/>
-        <a:font script="Beng" typeface="Vrinda"/>
-        <a:font script="Gujr" typeface="Shruti"/>
-        <a:font script="Khmr" typeface="DaunPenh"/>
-        <a:font script="Knda" typeface="Tunga"/>
-        <a:font script="Guru" typeface="Raavi"/>
-        <a:font script="Cans" typeface="Euphemia"/>
-        <a:font script="Cher" typeface="Plantagenet Cherokee"/>
-        <a:font script="Yiii" typeface="Microsoft Yi Baiti"/>
-        <a:font script="Tibt" typeface="Microsoft Himalaya"/>
-        <a:font script="Thaa" typeface="MV Boli"/>
-        <a:font script="Deva" typeface="Mangal"/>
-        <a:font script="Telu" typeface="Gautami"/>
-        <a:font script="Taml" typeface="Latha"/>
-        <a:font script="Syrc" typeface="Estrangelo Edessa"/>
-        <a:font script="Orya" typeface="Kalinga"/>
-        <a:font script="Mlym" typeface="Kartika"/>
-        <a:font script="Laoo" typeface="DokChampa"/>
-        <a:font script="Sinh" typeface="Iskoola Pota"/>
-        <a:font script="Mong" typeface="Mongolian Baiti"/>
-        <a:font script="Viet" typeface="Arial"/>
-        <a:font script="Uigh" typeface="Microsoft Uighur"/>
-        <a:font script="Geor" typeface="Sylfaen"/>
-      </a:minorFont>
-    </a:fontScheme>
-    <a:fmtScheme name="Office">
-      <a:fillStyleLst>
-        <a:solidFill>
-          <a:schemeClr val="phClr"/>
-        </a:solidFill>
-        <a:gradFill rotWithShape="1">
-          <a:gsLst>
-            <a:gs pos="0">
-              <a:schemeClr val="phClr">
-                <a:tint val="50000"/>
-                <a:satMod val="300000"/>
-              </a:schemeClr>
-            </a:gs>
-            <a:gs pos="35000">
-              <a:schemeClr val="phClr">
-                <a:tint val="37000"/>
-                <a:satMod val="300000"/>
-              </a:schemeClr>
-            </a:gs>
-            <a:gs pos="100000">
-              <a:schemeClr val="phClr">
-                <a:tint val="15000"/>
-                <a:satMod val="350000"/>
-              </a:schemeClr>
-            </a:gs>
-          </a:gsLst>
-          <a:lin ang="16200000" scaled="1"/>
-        </a:gradFill>
-        <a:gradFill rotWithShape="1">
-          <a:gsLst>
-            <a:gs pos="0">
-              <a:schemeClr val="phClr">
-                <a:tint val="100000"/>
-                <a:shade val="100000"/>
-                <a:satMod val="130000"/>
-              </a:schemeClr>
-            </a:gs>
-            <a:gs pos="100000">
-              <a:schemeClr val="phClr">
-                <a:tint val="50000"/>
-                <a:shade val="100000"/>
-                <a:satMod val="350000"/>
-              </a:schemeClr>
-            </a:gs>
-          </a:gsLst>
-          <a:lin ang="16200000" scaled="0"/>
-        </a:gradFill>
-      </a:fillStyleLst>
-      <a:lnStyleLst>
-        <a:ln w="9525" cap="flat" cmpd="sng" algn="ctr">
-          <a:solidFill>
-            <a:schemeClr val="phClr">
-              <a:shade val="95000"/>
-              <a:satMod val="105000"/>
-            </a:schemeClr>
-          </a:solidFill>
-          <a:prstDash val="solid"/>
-        </a:ln>
-        <a:ln w="25400" cap="flat" cmpd="sng" algn="ctr">
-          <a:solidFill>
-            <a:schemeClr val="phClr"/>
-          </a:solidFill>
-          <a:prstDash val="solid"/>
-        </a:ln>
-        <a:ln w="38100" cap="flat" cmpd="sng" algn="ctr">
-          <a:solidFill>
-            <a:schemeClr val="phClr"/>
-          </a:solidFill>
-          <a:prstDash val="solid"/>
-        </a:ln>
-      </a:lnStyleLst>
-      <a:effectStyleLst>
-        <a:effectStyle>
-          <a:effectLst>
-            <a:outerShdw blurRad="40000" dist="20000" dir="5400000" rotWithShape="0">
-              <a:srgbClr val="000000">
-                <a:alpha val="38000"/>
-              </a:srgbClr>
-            </a:outerShdw>
-          </a:effectLst>
-        </a:effectStyle>
-        <a:effectStyle>
-          <a:effectLst>
-            <a:outerShdw blurRad="40000" dist="23000" dir="5400000" rotWithShape="0">
-              <a:srgbClr val="000000">
-                <a:alpha val="35000"/>
-              </a:srgbClr>
-            </a:outerShdw>
-          </a:effectLst>
-        </a:effectStyle>
-        <a:effectStyle>
-          <a:effectLst>
-            <a:outerShdw blurRad="40000" dist="23000" dir="5400000" rotWithShape="0">
-              <a:srgbClr val="000000">
-                <a:alpha val="35000"/>
-              </a:srgbClr>
-            </a:outerShdw>
-          </a:effectLst>
-          <a:scene3d>
-            <a:camera prst="orthographicFront">
-              <a:rot lat="0" lon="0" rev="0"/>
-            </a:camera>
-            <a:lightRig rig="threePt" dir="t">
-              <a:rot lat="0" lon="0" rev="1200000"/>
-            </a:lightRig>
-          </a:scene3d>
-          <a:sp3d>
-            <a:bevelT w="63500" h="25400"/>
-          </a:sp3d>
-        </a:effectStyle>
-      </a:effectStyleLst>
-      <a:bgFillStyleLst>
-        <a:solidFill>
-          <a:schemeClr val="phClr"/>
-        </a:solidFill>
-        <a:gradFill rotWithShape="1">
-          <a:gsLst>
-            <a:gs pos="0">
-              <a:schemeClr val="phClr">
-                <a:tint val="40000"/>
-                <a:satMod val="350000"/>
-              </a:schemeClr>
-            </a:gs>
-            <a:gs pos="40000">
-              <a:schemeClr val="phClr">
-                <a:tint val="45000"/>
-                <a:shade val="99000"/>
-                <a:satMod val="350000"/>
-              </a:schemeClr>
-            </a:gs>
-            <a:gs pos="100000">
-              <a:schemeClr val="phClr">
-                <a:shade val="20000"/>
-                <a:satMod val="255000"/>
-              </a:schemeClr>
-            </a:gs>
-          </a:gsLst>
-          <a:path path="circle">
-            <a:fillToRect l="50000" t="-80000" r="50000" b="180000"/>
-          </a:path>
-        </a:gradFill>
-        <a:gradFill rotWithShape="1">
-          <a:gsLst>
-            <a:gs pos="0">
-              <a:schemeClr val="phClr">
-                <a:tint val="80000"/>
-                <a:satMod val="300000"/>
-              </a:schemeClr>
-            </a:gs>
-            <a:gs pos="100000">
-              <a:schemeClr val="phClr">
-                <a:shade val="30000"/>
-                <a:satMod val="200000"/>
-              </a:schemeClr>
-            </a:gs>
-          </a:gsLst>
-          <a:path path="circle">
-            <a:fillToRect l="50000" t="50000" r="50000" b="50000"/>
-          </a:path>
-        </a:gradFill>
-      </a:bgFillStyleLst>
-    </a:fmtScheme>
-  </a:themeElements>
-</a:theme>
 </file>